--- a/challenges/fd_poison/FdOverwrite.pptx
+++ b/challenges/fd_poison/FdOverwrite.pptx
@@ -5,7 +5,7 @@
     <p:sldMasterId id="2147483660" r:id="rId1"/>
   </p:sldMasterIdLst>
   <p:notesMasterIdLst>
-    <p:notesMasterId r:id="rId84"/>
+    <p:notesMasterId r:id="rId85"/>
   </p:notesMasterIdLst>
   <p:sldIdLst>
     <p:sldId id="327" r:id="rId2"/>
@@ -84,12 +84,13 @@
     <p:sldId id="533" r:id="rId75"/>
     <p:sldId id="530" r:id="rId76"/>
     <p:sldId id="534" r:id="rId77"/>
-    <p:sldId id="535" r:id="rId78"/>
-    <p:sldId id="539" r:id="rId79"/>
-    <p:sldId id="536" r:id="rId80"/>
-    <p:sldId id="537" r:id="rId81"/>
-    <p:sldId id="538" r:id="rId82"/>
-    <p:sldId id="529" r:id="rId83"/>
+    <p:sldId id="541" r:id="rId78"/>
+    <p:sldId id="535" r:id="rId79"/>
+    <p:sldId id="539" r:id="rId80"/>
+    <p:sldId id="536" r:id="rId81"/>
+    <p:sldId id="537" r:id="rId82"/>
+    <p:sldId id="538" r:id="rId83"/>
+    <p:sldId id="529" r:id="rId84"/>
   </p:sldIdLst>
   <p:sldSz cx="9144000" cy="5143500" type="screen16x9"/>
   <p:notesSz cx="6858000" cy="9144000"/>
@@ -11730,6 +11731,14 @@
             <a:rPr lang="en-US" b="1" i="1" dirty="0"/>
             <a:t>same page</a:t>
           </a:r>
+        </a:p>
+        <a:p>
+          <a:r>
+            <a:rPr lang="en-US" b="0" i="0" dirty="0"/>
+            <a:t>Or Fd Pointer must be NULL</a:t>
+          </a:r>
+        </a:p>
+        <a:p>
           <a:endParaRPr lang="en-US" dirty="0"/>
         </a:p>
       </dgm:t>
@@ -16800,8 +16809,8 @@
       </dsp:nvSpPr>
       <dsp:spPr>
         <a:xfrm>
-          <a:off x="1180121" y="432079"/>
-          <a:ext cx="1268367" cy="1268367"/>
+          <a:off x="1182819" y="158872"/>
+          <a:ext cx="1267128" cy="1267128"/>
         </a:xfrm>
         <a:prstGeom prst="rect">
           <a:avLst/>
@@ -16850,8 +16859,8 @@
       </dsp:nvSpPr>
       <dsp:spPr>
         <a:xfrm>
-          <a:off x="2351" y="1803618"/>
-          <a:ext cx="3623906" cy="543585"/>
+          <a:off x="6200" y="1552668"/>
+          <a:ext cx="3620367" cy="543055"/>
         </a:xfrm>
         <a:prstGeom prst="rect">
           <a:avLst/>
@@ -16900,8 +16909,8 @@
         </a:p>
       </dsp:txBody>
       <dsp:txXfrm>
-        <a:off x="2351" y="1803618"/>
-        <a:ext cx="3623906" cy="543585"/>
+        <a:off x="6200" y="1552668"/>
+        <a:ext cx="3620367" cy="543055"/>
       </dsp:txXfrm>
     </dsp:sp>
     <dsp:sp modelId="{04660520-9B68-4533-8D4C-EB872D4B1069}">
@@ -16911,8 +16920,8 @@
       </dsp:nvSpPr>
       <dsp:spPr>
         <a:xfrm>
-          <a:off x="2351" y="2395191"/>
-          <a:ext cx="3623906" cy="436232"/>
+          <a:off x="6200" y="2154639"/>
+          <a:ext cx="3620367" cy="949992"/>
         </a:xfrm>
         <a:prstGeom prst="rect">
           <a:avLst/>
@@ -16961,12 +16970,44 @@
             <a:rPr lang="en-US" sz="1400" b="1" i="1" kern="1200" dirty="0"/>
             <a:t>same page</a:t>
           </a:r>
+        </a:p>
+        <a:p>
+          <a:pPr marL="0" lvl="0" indent="0" algn="ctr" defTabSz="622300">
+            <a:lnSpc>
+              <a:spcPct val="90000"/>
+            </a:lnSpc>
+            <a:spcBef>
+              <a:spcPct val="0"/>
+            </a:spcBef>
+            <a:spcAft>
+              <a:spcPct val="35000"/>
+            </a:spcAft>
+            <a:buNone/>
+          </a:pPr>
+          <a:r>
+            <a:rPr lang="en-US" sz="1400" b="0" i="0" kern="1200" dirty="0"/>
+            <a:t>Or Fd Pointer must be NULL</a:t>
+          </a:r>
+        </a:p>
+        <a:p>
+          <a:pPr marL="0" lvl="0" indent="0" algn="ctr" defTabSz="622300">
+            <a:lnSpc>
+              <a:spcPct val="90000"/>
+            </a:lnSpc>
+            <a:spcBef>
+              <a:spcPct val="0"/>
+            </a:spcBef>
+            <a:spcAft>
+              <a:spcPct val="35000"/>
+            </a:spcAft>
+            <a:buNone/>
+          </a:pPr>
           <a:endParaRPr lang="en-US" sz="1400" kern="1200" dirty="0"/>
         </a:p>
       </dsp:txBody>
       <dsp:txXfrm>
-        <a:off x="2351" y="2395191"/>
-        <a:ext cx="3623906" cy="436232"/>
+        <a:off x="6200" y="2154639"/>
+        <a:ext cx="3620367" cy="949992"/>
       </dsp:txXfrm>
     </dsp:sp>
     <dsp:sp modelId="{FAF93089-58BE-4C1A-A700-DDD6578740FE}">
@@ -16976,8 +17017,8 @@
       </dsp:nvSpPr>
       <dsp:spPr>
         <a:xfrm>
-          <a:off x="5438211" y="432079"/>
-          <a:ext cx="1268367" cy="1268367"/>
+          <a:off x="5436751" y="158872"/>
+          <a:ext cx="1267128" cy="1267128"/>
         </a:xfrm>
         <a:prstGeom prst="rect">
           <a:avLst/>
@@ -17026,8 +17067,8 @@
       </dsp:nvSpPr>
       <dsp:spPr>
         <a:xfrm>
-          <a:off x="4260441" y="1803618"/>
-          <a:ext cx="3623906" cy="543585"/>
+          <a:off x="4260132" y="1552668"/>
+          <a:ext cx="3620367" cy="543055"/>
         </a:xfrm>
         <a:prstGeom prst="rect">
           <a:avLst/>
@@ -17084,8 +17125,8 @@
         </a:p>
       </dsp:txBody>
       <dsp:txXfrm>
-        <a:off x="4260441" y="1803618"/>
-        <a:ext cx="3623906" cy="543585"/>
+        <a:off x="4260132" y="1552668"/>
+        <a:ext cx="3620367" cy="543055"/>
       </dsp:txXfrm>
     </dsp:sp>
     <dsp:sp modelId="{1782A48B-88DD-4A76-B942-D5C5717E651A}">
@@ -17095,8 +17136,8 @@
       </dsp:nvSpPr>
       <dsp:spPr>
         <a:xfrm>
-          <a:off x="4260441" y="2395191"/>
-          <a:ext cx="3623906" cy="436232"/>
+          <a:off x="4260132" y="2154639"/>
+          <a:ext cx="3620367" cy="949992"/>
         </a:xfrm>
         <a:prstGeom prst="rect">
           <a:avLst/>
@@ -32002,7 +32043,7 @@
           <a:p>
             <a:fld id="{2DA23E8D-1792-1541-9147-970A8DD8A355}" type="datetimeFigureOut">
               <a:rPr lang="en-US" smtClean="0"/>
-              <a:t>3/27/21</a:t>
+              <a:t>4/21/21</a:t>
             </a:fld>
             <a:endParaRPr lang="en-US" dirty="0"/>
           </a:p>
@@ -32689,6 +32730,90 @@
 </p:notes>
 </file>
 
+<file path=ppt/notesSlides/notesSlide6.xml><?xml version="1.0" encoding="utf-8"?>
+<p:notes xmlns:a="http://schemas.openxmlformats.org/drawingml/2006/main" xmlns:r="http://schemas.openxmlformats.org/officeDocument/2006/relationships" xmlns:p="http://schemas.openxmlformats.org/presentationml/2006/main">
+  <p:cSld>
+    <p:spTree>
+      <p:nvGrpSpPr>
+        <p:cNvPr id="1" name=""/>
+        <p:cNvGrpSpPr/>
+        <p:nvPr/>
+      </p:nvGrpSpPr>
+      <p:grpSpPr>
+        <a:xfrm>
+          <a:off x="0" y="0"/>
+          <a:ext cx="0" cy="0"/>
+          <a:chOff x="0" y="0"/>
+          <a:chExt cx="0" cy="0"/>
+        </a:xfrm>
+      </p:grpSpPr>
+      <p:sp>
+        <p:nvSpPr>
+          <p:cNvPr id="2" name="Slide Image Placeholder 1"/>
+          <p:cNvSpPr>
+            <a:spLocks noGrp="1" noRot="1" noChangeAspect="1"/>
+          </p:cNvSpPr>
+          <p:nvPr>
+            <p:ph type="sldImg"/>
+          </p:nvPr>
+        </p:nvSpPr>
+        <p:spPr/>
+      </p:sp>
+      <p:sp>
+        <p:nvSpPr>
+          <p:cNvPr id="3" name="Notes Placeholder 2"/>
+          <p:cNvSpPr>
+            <a:spLocks noGrp="1"/>
+          </p:cNvSpPr>
+          <p:nvPr>
+            <p:ph type="body" idx="1"/>
+          </p:nvPr>
+        </p:nvSpPr>
+        <p:spPr/>
+        <p:txBody>
+          <a:bodyPr/>
+          <a:lstStyle/>
+          <a:p>
+            <a:endParaRPr lang="en-US" dirty="0"/>
+          </a:p>
+        </p:txBody>
+      </p:sp>
+      <p:sp>
+        <p:nvSpPr>
+          <p:cNvPr id="4" name="Slide Number Placeholder 3"/>
+          <p:cNvSpPr>
+            <a:spLocks noGrp="1"/>
+          </p:cNvSpPr>
+          <p:nvPr>
+            <p:ph type="sldNum" sz="quarter" idx="5"/>
+          </p:nvPr>
+        </p:nvSpPr>
+        <p:spPr/>
+        <p:txBody>
+          <a:bodyPr/>
+          <a:lstStyle/>
+          <a:p>
+            <a:fld id="{AC55928C-CD14-454C-B617-1AFCF9A58596}" type="slidenum">
+              <a:rPr lang="en-US" smtClean="0"/>
+              <a:t>77</a:t>
+            </a:fld>
+            <a:endParaRPr lang="en-US" dirty="0"/>
+          </a:p>
+        </p:txBody>
+      </p:sp>
+    </p:spTree>
+    <p:extLst>
+      <p:ext uri="{BB962C8B-B14F-4D97-AF65-F5344CB8AC3E}">
+        <p14:creationId xmlns:p14="http://schemas.microsoft.com/office/powerpoint/2010/main" val="2333726025"/>
+      </p:ext>
+    </p:extLst>
+  </p:cSld>
+  <p:clrMapOvr>
+    <a:masterClrMapping/>
+  </p:clrMapOvr>
+</p:notes>
+</file>
+
 <file path=ppt/slideLayouts/slideLayout1.xml><?xml version="1.0" encoding="utf-8"?>
 <p:sldLayout xmlns:a="http://schemas.openxmlformats.org/drawingml/2006/main" xmlns:r="http://schemas.openxmlformats.org/officeDocument/2006/relationships" xmlns:p="http://schemas.openxmlformats.org/presentationml/2006/main" type="title" preserve="1">
   <p:cSld name="Title Slide">
@@ -32892,7 +33017,7 @@
                 <a:latin typeface="Calibri"/>
               </a:rPr>
               <a:pPr/>
-              <a:t>3/27/21</a:t>
+              <a:t>4/21/21</a:t>
             </a:fld>
             <a:endParaRPr lang="en-US" dirty="0">
               <a:solidFill>
@@ -33145,7 +33270,7 @@
                 <a:latin typeface="Calibri"/>
               </a:rPr>
               <a:pPr/>
-              <a:t>3/27/21</a:t>
+              <a:t>4/21/21</a:t>
             </a:fld>
             <a:endParaRPr lang="en-US" dirty="0">
               <a:solidFill>
@@ -33360,7 +33485,7 @@
                 <a:latin typeface="Calibri"/>
               </a:rPr>
               <a:pPr/>
-              <a:t>3/27/21</a:t>
+              <a:t>4/21/21</a:t>
             </a:fld>
             <a:endParaRPr lang="en-US" dirty="0">
               <a:solidFill>
@@ -33758,7 +33883,7 @@
                 <a:latin typeface="Calibri"/>
               </a:rPr>
               <a:pPr/>
-              <a:t>3/27/21</a:t>
+              <a:t>4/21/21</a:t>
             </a:fld>
             <a:endParaRPr lang="en-US" dirty="0">
               <a:solidFill>
@@ -34100,7 +34225,7 @@
                 <a:latin typeface="Calibri"/>
               </a:rPr>
               <a:pPr/>
-              <a:t>3/27/21</a:t>
+              <a:t>4/21/21</a:t>
             </a:fld>
             <a:endParaRPr lang="en-US" dirty="0">
               <a:solidFill>
@@ -34428,7 +34553,7 @@
                 <a:latin typeface="Calibri"/>
               </a:rPr>
               <a:pPr/>
-              <a:t>3/27/21</a:t>
+              <a:t>4/21/21</a:t>
             </a:fld>
             <a:endParaRPr lang="en-US" dirty="0">
               <a:solidFill>
@@ -34917,7 +35042,7 @@
                 <a:latin typeface="Calibri"/>
               </a:rPr>
               <a:pPr/>
-              <a:t>3/27/21</a:t>
+              <a:t>4/21/21</a:t>
             </a:fld>
             <a:endParaRPr lang="en-US" dirty="0">
               <a:solidFill>
@@ -35100,7 +35225,7 @@
                 <a:latin typeface="Calibri"/>
               </a:rPr>
               <a:pPr/>
-              <a:t>3/27/21</a:t>
+              <a:t>4/21/21</a:t>
             </a:fld>
             <a:endParaRPr lang="en-US" dirty="0">
               <a:solidFill>
@@ -35346,7 +35471,7 @@
                 <a:latin typeface="Calibri"/>
               </a:rPr>
               <a:pPr/>
-              <a:t>3/27/21</a:t>
+              <a:t>4/21/21</a:t>
             </a:fld>
             <a:endParaRPr lang="en-US" dirty="0">
               <a:solidFill>
@@ -35688,7 +35813,7 @@
                 <a:latin typeface="Calibri"/>
               </a:rPr>
               <a:pPr/>
-              <a:t>3/27/21</a:t>
+              <a:t>4/21/21</a:t>
             </a:fld>
             <a:endParaRPr lang="en-US" dirty="0">
               <a:solidFill>
@@ -35980,7 +36105,7 @@
                 <a:latin typeface="Calibri"/>
               </a:rPr>
               <a:pPr/>
-              <a:t>3/27/21</a:t>
+              <a:t>4/21/21</a:t>
             </a:fld>
             <a:endParaRPr lang="en-US" dirty="0">
               <a:solidFill>
@@ -36230,7 +36355,7 @@
                 <a:latin typeface="Calibri"/>
               </a:rPr>
               <a:pPr defTabSz="914400"/>
-              <a:t>3/27/21</a:t>
+              <a:t>4/21/21</a:t>
             </a:fld>
             <a:endParaRPr lang="en-US" dirty="0">
               <a:solidFill>
@@ -55378,6 +55503,862 @@
       </p:grpSpPr>
       <p:sp>
         <p:nvSpPr>
+          <p:cNvPr id="71" name="Title 1">
+            <a:extLst>
+              <a:ext uri="{FF2B5EF4-FFF2-40B4-BE49-F238E27FC236}">
+                <a16:creationId xmlns:a16="http://schemas.microsoft.com/office/drawing/2014/main" id="{DF5690BF-289F-47F1-A7CF-463D71951913}"/>
+              </a:ext>
+            </a:extLst>
+          </p:cNvPr>
+          <p:cNvSpPr>
+            <a:spLocks noGrp="1"/>
+          </p:cNvSpPr>
+          <p:nvPr>
+            <p:ph type="title"/>
+          </p:nvPr>
+        </p:nvSpPr>
+        <p:spPr>
+          <a:xfrm>
+            <a:off x="208787" y="285697"/>
+            <a:ext cx="9068375" cy="994172"/>
+          </a:xfrm>
+        </p:spPr>
+        <p:txBody>
+          <a:bodyPr>
+            <a:normAutofit fontScale="90000"/>
+          </a:bodyPr>
+          <a:lstStyle/>
+          <a:p>
+            <a:r>
+              <a:rPr lang="en-US" dirty="0"/>
+              <a:t>Decoding via Mangled Pointer Leak – Null </a:t>
+            </a:r>
+          </a:p>
+        </p:txBody>
+      </p:sp>
+      <p:sp>
+        <p:nvSpPr>
+          <p:cNvPr id="4" name="TextBox 3">
+            <a:extLst>
+              <a:ext uri="{FF2B5EF4-FFF2-40B4-BE49-F238E27FC236}">
+                <a16:creationId xmlns:a16="http://schemas.microsoft.com/office/drawing/2014/main" id="{5D9F051C-C6F1-734B-935D-8A727AE265CE}"/>
+              </a:ext>
+            </a:extLst>
+          </p:cNvPr>
+          <p:cNvSpPr txBox="1"/>
+          <p:nvPr/>
+        </p:nvSpPr>
+        <p:spPr>
+          <a:xfrm>
+            <a:off x="208787" y="2651057"/>
+            <a:ext cx="2488557" cy="369332"/>
+          </a:xfrm>
+          <a:prstGeom prst="rect">
+            <a:avLst/>
+          </a:prstGeom>
+          <a:noFill/>
+        </p:spPr>
+        <p:txBody>
+          <a:bodyPr wrap="square" rtlCol="0">
+            <a:spAutoFit/>
+          </a:bodyPr>
+          <a:lstStyle/>
+          <a:p>
+            <a:r>
+              <a:rPr lang="en-US" b="1" dirty="0">
+                <a:solidFill>
+                  <a:schemeClr val="bg2">
+                    <a:lumMod val="50000"/>
+                  </a:schemeClr>
+                </a:solidFill>
+              </a:rPr>
+              <a:t>P (Pointer to </a:t>
+            </a:r>
+            <a:r>
+              <a:rPr lang="en-US" b="1" dirty="0" err="1">
+                <a:solidFill>
+                  <a:schemeClr val="bg2">
+                    <a:lumMod val="50000"/>
+                  </a:schemeClr>
+                </a:solidFill>
+              </a:rPr>
+              <a:t>Unmangle</a:t>
+            </a:r>
+            <a:r>
+              <a:rPr lang="en-US" b="1" dirty="0">
+                <a:solidFill>
+                  <a:schemeClr val="bg2">
+                    <a:lumMod val="50000"/>
+                  </a:schemeClr>
+                </a:solidFill>
+              </a:rPr>
+              <a:t>) </a:t>
+            </a:r>
+          </a:p>
+        </p:txBody>
+      </p:sp>
+      <p:sp>
+        <p:nvSpPr>
+          <p:cNvPr id="7" name="TextBox 6">
+            <a:extLst>
+              <a:ext uri="{FF2B5EF4-FFF2-40B4-BE49-F238E27FC236}">
+                <a16:creationId xmlns:a16="http://schemas.microsoft.com/office/drawing/2014/main" id="{ED904C9F-4C84-2E48-B7EB-33B27FCB24C6}"/>
+              </a:ext>
+            </a:extLst>
+          </p:cNvPr>
+          <p:cNvSpPr txBox="1"/>
+          <p:nvPr/>
+        </p:nvSpPr>
+        <p:spPr>
+          <a:xfrm>
+            <a:off x="231997" y="3210823"/>
+            <a:ext cx="2488557" cy="369332"/>
+          </a:xfrm>
+          <a:prstGeom prst="rect">
+            <a:avLst/>
+          </a:prstGeom>
+          <a:noFill/>
+        </p:spPr>
+        <p:txBody>
+          <a:bodyPr wrap="square" rtlCol="0">
+            <a:spAutoFit/>
+          </a:bodyPr>
+          <a:lstStyle/>
+          <a:p>
+            <a:r>
+              <a:rPr lang="en-US" b="1" dirty="0">
+                <a:solidFill>
+                  <a:schemeClr val="bg2">
+                    <a:lumMod val="50000"/>
+                  </a:schemeClr>
+                </a:solidFill>
+              </a:rPr>
+              <a:t>L (Storage Location)</a:t>
+            </a:r>
+          </a:p>
+        </p:txBody>
+      </p:sp>
+      <p:cxnSp>
+        <p:nvCxnSpPr>
+          <p:cNvPr id="8" name="Straight Connector 7">
+            <a:extLst>
+              <a:ext uri="{FF2B5EF4-FFF2-40B4-BE49-F238E27FC236}">
+                <a16:creationId xmlns:a16="http://schemas.microsoft.com/office/drawing/2014/main" id="{99B4315D-6411-8847-9ED3-EAE9764D3889}"/>
+              </a:ext>
+            </a:extLst>
+          </p:cNvPr>
+          <p:cNvCxnSpPr>
+            <a:cxnSpLocks/>
+          </p:cNvCxnSpPr>
+          <p:nvPr/>
+        </p:nvCxnSpPr>
+        <p:spPr>
+          <a:xfrm>
+            <a:off x="2520175" y="3122341"/>
+            <a:ext cx="2297153" cy="0"/>
+          </a:xfrm>
+          <a:prstGeom prst="line">
+            <a:avLst/>
+          </a:prstGeom>
+          <a:ln w="34925">
+            <a:solidFill>
+              <a:schemeClr val="tx1"/>
+            </a:solidFill>
+          </a:ln>
+        </p:spPr>
+        <p:style>
+          <a:lnRef idx="1">
+            <a:schemeClr val="accent1"/>
+          </a:lnRef>
+          <a:fillRef idx="0">
+            <a:schemeClr val="accent1"/>
+          </a:fillRef>
+          <a:effectRef idx="0">
+            <a:schemeClr val="accent1"/>
+          </a:effectRef>
+          <a:fontRef idx="minor">
+            <a:schemeClr val="tx1"/>
+          </a:fontRef>
+        </p:style>
+      </p:cxnSp>
+      <p:sp>
+        <p:nvSpPr>
+          <p:cNvPr id="9" name="TextBox 8">
+            <a:extLst>
+              <a:ext uri="{FF2B5EF4-FFF2-40B4-BE49-F238E27FC236}">
+                <a16:creationId xmlns:a16="http://schemas.microsoft.com/office/drawing/2014/main" id="{DB41B0FD-A944-FB45-8C47-4165FA36186C}"/>
+              </a:ext>
+            </a:extLst>
+          </p:cNvPr>
+          <p:cNvSpPr txBox="1"/>
+          <p:nvPr/>
+        </p:nvSpPr>
+        <p:spPr>
+          <a:xfrm>
+            <a:off x="2529657" y="2546937"/>
+            <a:ext cx="2754351" cy="584775"/>
+          </a:xfrm>
+          <a:prstGeom prst="rect">
+            <a:avLst/>
+          </a:prstGeom>
+          <a:noFill/>
+        </p:spPr>
+        <p:txBody>
+          <a:bodyPr wrap="square" rtlCol="0">
+            <a:spAutoFit/>
+          </a:bodyPr>
+          <a:lstStyle/>
+          <a:p>
+            <a:r>
+              <a:rPr lang="en-US" sz="3200" dirty="0"/>
+              <a:t>0x000000000</a:t>
+            </a:r>
+          </a:p>
+        </p:txBody>
+      </p:sp>
+      <p:sp>
+        <p:nvSpPr>
+          <p:cNvPr id="10" name="TextBox 9">
+            <a:extLst>
+              <a:ext uri="{FF2B5EF4-FFF2-40B4-BE49-F238E27FC236}">
+                <a16:creationId xmlns:a16="http://schemas.microsoft.com/office/drawing/2014/main" id="{EE77FD63-27BB-7B4A-BF72-43DF84CE3167}"/>
+              </a:ext>
+            </a:extLst>
+          </p:cNvPr>
+          <p:cNvSpPr txBox="1"/>
+          <p:nvPr/>
+        </p:nvSpPr>
+        <p:spPr>
+          <a:xfrm>
+            <a:off x="2198899" y="3106066"/>
+            <a:ext cx="2754351" cy="584775"/>
+          </a:xfrm>
+          <a:prstGeom prst="rect">
+            <a:avLst/>
+          </a:prstGeom>
+          <a:noFill/>
+        </p:spPr>
+        <p:txBody>
+          <a:bodyPr wrap="square" rtlCol="0">
+            <a:spAutoFit/>
+          </a:bodyPr>
+          <a:lstStyle/>
+          <a:p>
+            <a:pPr algn="r"/>
+            <a:r>
+              <a:rPr lang="en-US" sz="3200" dirty="0"/>
+              <a:t>0x000987654</a:t>
+            </a:r>
+          </a:p>
+        </p:txBody>
+      </p:sp>
+      <p:sp>
+        <p:nvSpPr>
+          <p:cNvPr id="11" name="TextBox 10">
+            <a:extLst>
+              <a:ext uri="{FF2B5EF4-FFF2-40B4-BE49-F238E27FC236}">
+                <a16:creationId xmlns:a16="http://schemas.microsoft.com/office/drawing/2014/main" id="{9C544459-F090-9C46-9A39-0768AF7EADB3}"/>
+              </a:ext>
+            </a:extLst>
+          </p:cNvPr>
+          <p:cNvSpPr txBox="1"/>
+          <p:nvPr/>
+        </p:nvSpPr>
+        <p:spPr>
+          <a:xfrm>
+            <a:off x="1722738" y="2829953"/>
+            <a:ext cx="952322" cy="584775"/>
+          </a:xfrm>
+          <a:prstGeom prst="rect">
+            <a:avLst/>
+          </a:prstGeom>
+          <a:noFill/>
+        </p:spPr>
+        <p:txBody>
+          <a:bodyPr wrap="square" rtlCol="0">
+            <a:spAutoFit/>
+          </a:bodyPr>
+          <a:lstStyle/>
+          <a:p>
+            <a:r>
+              <a:rPr lang="en-US" sz="3200" dirty="0"/>
+              <a:t>XOR</a:t>
+            </a:r>
+          </a:p>
+        </p:txBody>
+      </p:sp>
+      <p:sp>
+        <p:nvSpPr>
+          <p:cNvPr id="12" name="TextBox 11">
+            <a:extLst>
+              <a:ext uri="{FF2B5EF4-FFF2-40B4-BE49-F238E27FC236}">
+                <a16:creationId xmlns:a16="http://schemas.microsoft.com/office/drawing/2014/main" id="{64A51502-035F-5643-A34B-8F3515C23174}"/>
+              </a:ext>
+            </a:extLst>
+          </p:cNvPr>
+          <p:cNvSpPr txBox="1"/>
+          <p:nvPr/>
+        </p:nvSpPr>
+        <p:spPr>
+          <a:xfrm>
+            <a:off x="4817328" y="2811802"/>
+            <a:ext cx="3192352" cy="1569660"/>
+          </a:xfrm>
+          <a:prstGeom prst="rect">
+            <a:avLst/>
+          </a:prstGeom>
+          <a:noFill/>
+        </p:spPr>
+        <p:txBody>
+          <a:bodyPr wrap="square" rtlCol="0">
+            <a:spAutoFit/>
+          </a:bodyPr>
+          <a:lstStyle/>
+          <a:p>
+            <a:r>
+              <a:rPr lang="en-US" sz="3200" dirty="0"/>
+              <a:t> = 0x000987654</a:t>
+            </a:r>
+          </a:p>
+          <a:p>
+            <a:endParaRPr lang="en-US" sz="3200" dirty="0"/>
+          </a:p>
+          <a:p>
+            <a:endParaRPr lang="en-US" sz="3200" dirty="0"/>
+          </a:p>
+        </p:txBody>
+      </p:sp>
+      <p:cxnSp>
+        <p:nvCxnSpPr>
+          <p:cNvPr id="16" name="Straight Connector 15">
+            <a:extLst>
+              <a:ext uri="{FF2B5EF4-FFF2-40B4-BE49-F238E27FC236}">
+                <a16:creationId xmlns:a16="http://schemas.microsoft.com/office/drawing/2014/main" id="{55F0AF83-2A6F-C644-A025-5CD49B79D88A}"/>
+              </a:ext>
+            </a:extLst>
+          </p:cNvPr>
+          <p:cNvCxnSpPr>
+            <a:cxnSpLocks/>
+          </p:cNvCxnSpPr>
+          <p:nvPr/>
+        </p:nvCxnSpPr>
+        <p:spPr>
+          <a:xfrm>
+            <a:off x="2996336" y="3014030"/>
+            <a:ext cx="579738" cy="0"/>
+          </a:xfrm>
+          <a:prstGeom prst="line">
+            <a:avLst/>
+          </a:prstGeom>
+          <a:ln w="38100"/>
+        </p:spPr>
+        <p:style>
+          <a:lnRef idx="1">
+            <a:schemeClr val="accent1"/>
+          </a:lnRef>
+          <a:fillRef idx="0">
+            <a:schemeClr val="accent1"/>
+          </a:fillRef>
+          <a:effectRef idx="0">
+            <a:schemeClr val="accent1"/>
+          </a:effectRef>
+          <a:fontRef idx="minor">
+            <a:schemeClr val="tx1"/>
+          </a:fontRef>
+        </p:style>
+      </p:cxnSp>
+      <p:cxnSp>
+        <p:nvCxnSpPr>
+          <p:cNvPr id="17" name="Straight Connector 16">
+            <a:extLst>
+              <a:ext uri="{FF2B5EF4-FFF2-40B4-BE49-F238E27FC236}">
+                <a16:creationId xmlns:a16="http://schemas.microsoft.com/office/drawing/2014/main" id="{1E578C33-84AC-D948-840B-BA2423CC2AC2}"/>
+              </a:ext>
+            </a:extLst>
+          </p:cNvPr>
+          <p:cNvCxnSpPr>
+            <a:cxnSpLocks/>
+          </p:cNvCxnSpPr>
+          <p:nvPr/>
+        </p:nvCxnSpPr>
+        <p:spPr>
+          <a:xfrm>
+            <a:off x="3637166" y="3627943"/>
+            <a:ext cx="579738" cy="0"/>
+          </a:xfrm>
+          <a:prstGeom prst="line">
+            <a:avLst/>
+          </a:prstGeom>
+          <a:ln w="38100"/>
+        </p:spPr>
+        <p:style>
+          <a:lnRef idx="1">
+            <a:schemeClr val="accent1"/>
+          </a:lnRef>
+          <a:fillRef idx="0">
+            <a:schemeClr val="accent1"/>
+          </a:fillRef>
+          <a:effectRef idx="0">
+            <a:schemeClr val="accent1"/>
+          </a:effectRef>
+          <a:fontRef idx="minor">
+            <a:schemeClr val="tx1"/>
+          </a:fontRef>
+        </p:style>
+      </p:cxnSp>
+      <p:cxnSp>
+        <p:nvCxnSpPr>
+          <p:cNvPr id="19" name="Straight Connector 18">
+            <a:extLst>
+              <a:ext uri="{FF2B5EF4-FFF2-40B4-BE49-F238E27FC236}">
+                <a16:creationId xmlns:a16="http://schemas.microsoft.com/office/drawing/2014/main" id="{864B4970-8BDE-6A45-BC7C-05EDFDB5BFA6}"/>
+              </a:ext>
+            </a:extLst>
+          </p:cNvPr>
+          <p:cNvCxnSpPr>
+            <a:cxnSpLocks/>
+          </p:cNvCxnSpPr>
+          <p:nvPr/>
+        </p:nvCxnSpPr>
+        <p:spPr>
+          <a:xfrm>
+            <a:off x="3617424" y="2309695"/>
+            <a:ext cx="0" cy="1570327"/>
+          </a:xfrm>
+          <a:prstGeom prst="line">
+            <a:avLst/>
+          </a:prstGeom>
+          <a:ln>
+            <a:solidFill>
+              <a:srgbClr val="FF0000"/>
+            </a:solidFill>
+          </a:ln>
+        </p:spPr>
+        <p:style>
+          <a:lnRef idx="1">
+            <a:schemeClr val="accent1"/>
+          </a:lnRef>
+          <a:fillRef idx="0">
+            <a:schemeClr val="accent1"/>
+          </a:fillRef>
+          <a:effectRef idx="0">
+            <a:schemeClr val="accent1"/>
+          </a:effectRef>
+          <a:fontRef idx="minor">
+            <a:schemeClr val="tx1"/>
+          </a:fontRef>
+        </p:style>
+      </p:cxnSp>
+      <p:cxnSp>
+        <p:nvCxnSpPr>
+          <p:cNvPr id="20" name="Straight Connector 19">
+            <a:extLst>
+              <a:ext uri="{FF2B5EF4-FFF2-40B4-BE49-F238E27FC236}">
+                <a16:creationId xmlns:a16="http://schemas.microsoft.com/office/drawing/2014/main" id="{E275B8B8-7CE8-8149-B839-8BF6964683D9}"/>
+              </a:ext>
+            </a:extLst>
+          </p:cNvPr>
+          <p:cNvCxnSpPr>
+            <a:cxnSpLocks/>
+          </p:cNvCxnSpPr>
+          <p:nvPr/>
+        </p:nvCxnSpPr>
+        <p:spPr>
+          <a:xfrm>
+            <a:off x="4233524" y="2309693"/>
+            <a:ext cx="0" cy="1570327"/>
+          </a:xfrm>
+          <a:prstGeom prst="line">
+            <a:avLst/>
+          </a:prstGeom>
+          <a:ln>
+            <a:solidFill>
+              <a:srgbClr val="FF0000"/>
+            </a:solidFill>
+          </a:ln>
+        </p:spPr>
+        <p:style>
+          <a:lnRef idx="1">
+            <a:schemeClr val="accent1"/>
+          </a:lnRef>
+          <a:fillRef idx="0">
+            <a:schemeClr val="accent1"/>
+          </a:fillRef>
+          <a:effectRef idx="0">
+            <a:schemeClr val="accent1"/>
+          </a:effectRef>
+          <a:fontRef idx="minor">
+            <a:schemeClr val="tx1"/>
+          </a:fontRef>
+        </p:style>
+      </p:cxnSp>
+      <p:cxnSp>
+        <p:nvCxnSpPr>
+          <p:cNvPr id="21" name="Straight Connector 20">
+            <a:extLst>
+              <a:ext uri="{FF2B5EF4-FFF2-40B4-BE49-F238E27FC236}">
+                <a16:creationId xmlns:a16="http://schemas.microsoft.com/office/drawing/2014/main" id="{F4CCE0AA-E10B-EE4A-8E90-7857CA543BDE}"/>
+              </a:ext>
+            </a:extLst>
+          </p:cNvPr>
+          <p:cNvCxnSpPr>
+            <a:cxnSpLocks/>
+          </p:cNvCxnSpPr>
+          <p:nvPr/>
+        </p:nvCxnSpPr>
+        <p:spPr>
+          <a:xfrm>
+            <a:off x="2996336" y="2309693"/>
+            <a:ext cx="0" cy="1570327"/>
+          </a:xfrm>
+          <a:prstGeom prst="line">
+            <a:avLst/>
+          </a:prstGeom>
+          <a:ln>
+            <a:solidFill>
+              <a:srgbClr val="FF0000"/>
+            </a:solidFill>
+          </a:ln>
+        </p:spPr>
+        <p:style>
+          <a:lnRef idx="1">
+            <a:schemeClr val="accent1"/>
+          </a:lnRef>
+          <a:fillRef idx="0">
+            <a:schemeClr val="accent1"/>
+          </a:fillRef>
+          <a:effectRef idx="0">
+            <a:schemeClr val="accent1"/>
+          </a:effectRef>
+          <a:fontRef idx="minor">
+            <a:schemeClr val="tx1"/>
+          </a:fontRef>
+        </p:style>
+      </p:cxnSp>
+      <p:cxnSp>
+        <p:nvCxnSpPr>
+          <p:cNvPr id="22" name="Straight Connector 21">
+            <a:extLst>
+              <a:ext uri="{FF2B5EF4-FFF2-40B4-BE49-F238E27FC236}">
+                <a16:creationId xmlns:a16="http://schemas.microsoft.com/office/drawing/2014/main" id="{89FBC80B-5C0F-7A42-83AD-B9E7AA95AE7E}"/>
+              </a:ext>
+            </a:extLst>
+          </p:cNvPr>
+          <p:cNvCxnSpPr>
+            <a:cxnSpLocks/>
+          </p:cNvCxnSpPr>
+          <p:nvPr/>
+        </p:nvCxnSpPr>
+        <p:spPr>
+          <a:xfrm>
+            <a:off x="4951013" y="2309694"/>
+            <a:ext cx="0" cy="1570327"/>
+          </a:xfrm>
+          <a:prstGeom prst="line">
+            <a:avLst/>
+          </a:prstGeom>
+          <a:ln>
+            <a:solidFill>
+              <a:srgbClr val="FF0000"/>
+            </a:solidFill>
+          </a:ln>
+        </p:spPr>
+        <p:style>
+          <a:lnRef idx="1">
+            <a:schemeClr val="accent1"/>
+          </a:lnRef>
+          <a:fillRef idx="0">
+            <a:schemeClr val="accent1"/>
+          </a:fillRef>
+          <a:effectRef idx="0">
+            <a:schemeClr val="accent1"/>
+          </a:effectRef>
+          <a:fontRef idx="minor">
+            <a:schemeClr val="tx1"/>
+          </a:fontRef>
+        </p:style>
+      </p:cxnSp>
+      <p:sp>
+        <p:nvSpPr>
+          <p:cNvPr id="23" name="TextBox 22">
+            <a:extLst>
+              <a:ext uri="{FF2B5EF4-FFF2-40B4-BE49-F238E27FC236}">
+                <a16:creationId xmlns:a16="http://schemas.microsoft.com/office/drawing/2014/main" id="{F65EB2E8-B71B-1741-BBBC-EA9AF347C86F}"/>
+              </a:ext>
+            </a:extLst>
+          </p:cNvPr>
+          <p:cNvSpPr txBox="1"/>
+          <p:nvPr/>
+        </p:nvSpPr>
+        <p:spPr>
+          <a:xfrm>
+            <a:off x="2999076" y="2255938"/>
+            <a:ext cx="650645" cy="369332"/>
+          </a:xfrm>
+          <a:prstGeom prst="rect">
+            <a:avLst/>
+          </a:prstGeom>
+          <a:noFill/>
+          <a:ln>
+            <a:noFill/>
+          </a:ln>
+        </p:spPr>
+        <p:txBody>
+          <a:bodyPr wrap="square" rtlCol="0">
+            <a:spAutoFit/>
+          </a:bodyPr>
+          <a:lstStyle/>
+          <a:p>
+            <a:r>
+              <a:rPr lang="en-US" dirty="0"/>
+              <a:t>Set 1</a:t>
+            </a:r>
+          </a:p>
+        </p:txBody>
+      </p:sp>
+      <p:sp>
+        <p:nvSpPr>
+          <p:cNvPr id="24" name="TextBox 23">
+            <a:extLst>
+              <a:ext uri="{FF2B5EF4-FFF2-40B4-BE49-F238E27FC236}">
+                <a16:creationId xmlns:a16="http://schemas.microsoft.com/office/drawing/2014/main" id="{DA6B0663-4401-E547-855C-90E0DC527F02}"/>
+              </a:ext>
+            </a:extLst>
+          </p:cNvPr>
+          <p:cNvSpPr txBox="1"/>
+          <p:nvPr/>
+        </p:nvSpPr>
+        <p:spPr>
+          <a:xfrm>
+            <a:off x="3613378" y="2263330"/>
+            <a:ext cx="650645" cy="369332"/>
+          </a:xfrm>
+          <a:prstGeom prst="rect">
+            <a:avLst/>
+          </a:prstGeom>
+          <a:noFill/>
+          <a:ln>
+            <a:noFill/>
+          </a:ln>
+        </p:spPr>
+        <p:txBody>
+          <a:bodyPr wrap="square" rtlCol="0">
+            <a:spAutoFit/>
+          </a:bodyPr>
+          <a:lstStyle/>
+          <a:p>
+            <a:r>
+              <a:rPr lang="en-US" dirty="0"/>
+              <a:t>Set 2</a:t>
+            </a:r>
+          </a:p>
+        </p:txBody>
+      </p:sp>
+      <p:sp>
+        <p:nvSpPr>
+          <p:cNvPr id="25" name="TextBox 24">
+            <a:extLst>
+              <a:ext uri="{FF2B5EF4-FFF2-40B4-BE49-F238E27FC236}">
+                <a16:creationId xmlns:a16="http://schemas.microsoft.com/office/drawing/2014/main" id="{2D6A6741-BF62-7745-88F9-AD83B082640D}"/>
+              </a:ext>
+            </a:extLst>
+          </p:cNvPr>
+          <p:cNvSpPr txBox="1"/>
+          <p:nvPr/>
+        </p:nvSpPr>
+        <p:spPr>
+          <a:xfrm>
+            <a:off x="4297030" y="2255938"/>
+            <a:ext cx="650645" cy="369332"/>
+          </a:xfrm>
+          <a:prstGeom prst="rect">
+            <a:avLst/>
+          </a:prstGeom>
+          <a:noFill/>
+          <a:ln>
+            <a:noFill/>
+          </a:ln>
+        </p:spPr>
+        <p:txBody>
+          <a:bodyPr wrap="square" rtlCol="0">
+            <a:spAutoFit/>
+          </a:bodyPr>
+          <a:lstStyle/>
+          <a:p>
+            <a:r>
+              <a:rPr lang="en-US" dirty="0"/>
+              <a:t>Set 3</a:t>
+            </a:r>
+          </a:p>
+        </p:txBody>
+      </p:sp>
+      <p:sp>
+        <p:nvSpPr>
+          <p:cNvPr id="26" name="TextBox 25">
+            <a:extLst>
+              <a:ext uri="{FF2B5EF4-FFF2-40B4-BE49-F238E27FC236}">
+                <a16:creationId xmlns:a16="http://schemas.microsoft.com/office/drawing/2014/main" id="{B897A530-1FDB-534E-9C12-09917E082637}"/>
+              </a:ext>
+            </a:extLst>
+          </p:cNvPr>
+          <p:cNvSpPr txBox="1"/>
+          <p:nvPr/>
+        </p:nvSpPr>
+        <p:spPr>
+          <a:xfrm>
+            <a:off x="5194273" y="2226649"/>
+            <a:ext cx="3238136" cy="369332"/>
+          </a:xfrm>
+          <a:prstGeom prst="rect">
+            <a:avLst/>
+          </a:prstGeom>
+          <a:solidFill>
+            <a:schemeClr val="bg1"/>
+          </a:solidFill>
+          <a:ln>
+            <a:solidFill>
+              <a:schemeClr val="accent1"/>
+            </a:solidFill>
+          </a:ln>
+        </p:spPr>
+        <p:txBody>
+          <a:bodyPr wrap="square" rtlCol="0">
+            <a:spAutoFit/>
+          </a:bodyPr>
+          <a:lstStyle/>
+          <a:p>
+            <a:r>
+              <a:rPr lang="en-US" dirty="0"/>
+              <a:t>Heap Base!</a:t>
+            </a:r>
+          </a:p>
+        </p:txBody>
+      </p:sp>
+      <p:cxnSp>
+        <p:nvCxnSpPr>
+          <p:cNvPr id="27" name="Straight Arrow Connector 26">
+            <a:extLst>
+              <a:ext uri="{FF2B5EF4-FFF2-40B4-BE49-F238E27FC236}">
+                <a16:creationId xmlns:a16="http://schemas.microsoft.com/office/drawing/2014/main" id="{2D5F19F5-17B0-6746-AED4-EB9168667D5B}"/>
+              </a:ext>
+            </a:extLst>
+          </p:cNvPr>
+          <p:cNvCxnSpPr>
+            <a:cxnSpLocks/>
+          </p:cNvCxnSpPr>
+          <p:nvPr/>
+        </p:nvCxnSpPr>
+        <p:spPr>
+          <a:xfrm>
+            <a:off x="5634202" y="2595981"/>
+            <a:ext cx="546808" cy="294265"/>
+          </a:xfrm>
+          <a:prstGeom prst="straightConnector1">
+            <a:avLst/>
+          </a:prstGeom>
+          <a:ln>
+            <a:tailEnd type="triangle"/>
+          </a:ln>
+        </p:spPr>
+        <p:style>
+          <a:lnRef idx="1">
+            <a:schemeClr val="accent1"/>
+          </a:lnRef>
+          <a:fillRef idx="0">
+            <a:schemeClr val="accent1"/>
+          </a:fillRef>
+          <a:effectRef idx="0">
+            <a:schemeClr val="accent1"/>
+          </a:effectRef>
+          <a:fontRef idx="minor">
+            <a:schemeClr val="tx1"/>
+          </a:fontRef>
+        </p:style>
+      </p:cxnSp>
+      <p:sp>
+        <p:nvSpPr>
+          <p:cNvPr id="28" name="Content Placeholder 2">
+            <a:extLst>
+              <a:ext uri="{FF2B5EF4-FFF2-40B4-BE49-F238E27FC236}">
+                <a16:creationId xmlns:a16="http://schemas.microsoft.com/office/drawing/2014/main" id="{E942E4D3-DB84-4B4F-85E7-D328F82CED27}"/>
+              </a:ext>
+            </a:extLst>
+          </p:cNvPr>
+          <p:cNvSpPr>
+            <a:spLocks noGrp="1"/>
+          </p:cNvSpPr>
+          <p:nvPr>
+            <p:ph sz="half" idx="1"/>
+          </p:nvPr>
+        </p:nvSpPr>
+        <p:spPr>
+          <a:xfrm>
+            <a:off x="628650" y="1369219"/>
+            <a:ext cx="7797720" cy="3263504"/>
+          </a:xfrm>
+        </p:spPr>
+        <p:txBody>
+          <a:bodyPr>
+            <a:normAutofit/>
+          </a:bodyPr>
+          <a:lstStyle/>
+          <a:p>
+            <a:r>
+              <a:rPr lang="en-US" dirty="0"/>
+              <a:t>What if the ‘fd’ pointer is NULL?</a:t>
+            </a:r>
+          </a:p>
+          <a:p>
+            <a:r>
+              <a:rPr lang="en-US" dirty="0"/>
+              <a:t>Heap Base </a:t>
+            </a:r>
+            <a:r>
+              <a:rPr lang="en-US"/>
+              <a:t>leak for free </a:t>
+            </a:r>
+            <a:r>
+              <a:rPr lang="en-US">
+                <a:sym typeface="Wingdings" pitchFamily="2" charset="2"/>
+              </a:rPr>
+              <a:t> </a:t>
+            </a:r>
+            <a:endParaRPr lang="en-US" dirty="0"/>
+          </a:p>
+        </p:txBody>
+      </p:sp>
+    </p:spTree>
+    <p:extLst>
+      <p:ext uri="{BB962C8B-B14F-4D97-AF65-F5344CB8AC3E}">
+        <p14:creationId xmlns:p14="http://schemas.microsoft.com/office/powerpoint/2010/main" val="3383089323"/>
+      </p:ext>
+    </p:extLst>
+  </p:cSld>
+  <p:clrMapOvr>
+    <a:masterClrMapping/>
+  </p:clrMapOvr>
+</p:sld>
+</file>
+
+<file path=ppt/slides/slide78.xml><?xml version="1.0" encoding="utf-8"?>
+<p:sld xmlns:a="http://schemas.openxmlformats.org/drawingml/2006/main" xmlns:r="http://schemas.openxmlformats.org/officeDocument/2006/relationships" xmlns:p="http://schemas.openxmlformats.org/presentationml/2006/main">
+  <p:cSld>
+    <p:spTree>
+      <p:nvGrpSpPr>
+        <p:cNvPr id="1" name=""/>
+        <p:cNvGrpSpPr/>
+        <p:nvPr/>
+      </p:nvGrpSpPr>
+      <p:grpSpPr>
+        <a:xfrm>
+          <a:off x="0" y="0"/>
+          <a:ext cx="0" cy="0"/>
+          <a:chOff x="0" y="0"/>
+          <a:chExt cx="0" cy="0"/>
+        </a:xfrm>
+      </p:grpSpPr>
+      <p:sp>
+        <p:nvSpPr>
           <p:cNvPr id="2" name="Title 1">
             <a:extLst>
               <a:ext uri="{FF2B5EF4-FFF2-40B4-BE49-F238E27FC236}">
@@ -55427,7 +56408,7 @@
             <p:ph idx="1"/>
             <p:extLst>
               <p:ext uri="{D42A27DB-BD31-4B8C-83A1-F6EECF244321}">
-                <p14:modId xmlns:p14="http://schemas.microsoft.com/office/powerpoint/2010/main" val="1001311639"/>
+                <p14:modId xmlns:p14="http://schemas.microsoft.com/office/powerpoint/2010/main" val="1326297340"/>
               </p:ext>
             </p:extLst>
           </p:nvPr>
@@ -55455,7 +56436,7 @@
 </p:sld>
 </file>
 
-<file path=ppt/slides/slide78.xml><?xml version="1.0" encoding="utf-8"?>
+<file path=ppt/slides/slide79.xml><?xml version="1.0" encoding="utf-8"?>
 <p:sld xmlns:a="http://schemas.openxmlformats.org/drawingml/2006/main" xmlns:r="http://schemas.openxmlformats.org/officeDocument/2006/relationships" xmlns:p="http://schemas.openxmlformats.org/presentationml/2006/main">
   <p:cSld>
     <p:spTree>
@@ -55542,102 +56523,6 @@
     <p:extLst>
       <p:ext uri="{BB962C8B-B14F-4D97-AF65-F5344CB8AC3E}">
         <p14:creationId xmlns:p14="http://schemas.microsoft.com/office/powerpoint/2010/main" val="3252936194"/>
-      </p:ext>
-    </p:extLst>
-  </p:cSld>
-  <p:clrMapOvr>
-    <a:masterClrMapping/>
-  </p:clrMapOvr>
-</p:sld>
-</file>
-
-<file path=ppt/slides/slide79.xml><?xml version="1.0" encoding="utf-8"?>
-<p:sld xmlns:a="http://schemas.openxmlformats.org/drawingml/2006/main" xmlns:r="http://schemas.openxmlformats.org/officeDocument/2006/relationships" xmlns:p="http://schemas.openxmlformats.org/presentationml/2006/main">
-  <p:cSld>
-    <p:spTree>
-      <p:nvGrpSpPr>
-        <p:cNvPr id="1" name=""/>
-        <p:cNvGrpSpPr/>
-        <p:nvPr/>
-      </p:nvGrpSpPr>
-      <p:grpSpPr>
-        <a:xfrm>
-          <a:off x="0" y="0"/>
-          <a:ext cx="0" cy="0"/>
-          <a:chOff x="0" y="0"/>
-          <a:chExt cx="0" cy="0"/>
-        </a:xfrm>
-      </p:grpSpPr>
-      <p:sp>
-        <p:nvSpPr>
-          <p:cNvPr id="2" name="Title 1">
-            <a:extLst>
-              <a:ext uri="{FF2B5EF4-FFF2-40B4-BE49-F238E27FC236}">
-                <a16:creationId xmlns:a16="http://schemas.microsoft.com/office/drawing/2014/main" id="{A8D1A044-C0AD-E646-BFE8-52A12343E5F6}"/>
-              </a:ext>
-            </a:extLst>
-          </p:cNvPr>
-          <p:cNvSpPr>
-            <a:spLocks noGrp="1"/>
-          </p:cNvSpPr>
-          <p:nvPr>
-            <p:ph type="title"/>
-          </p:nvPr>
-        </p:nvSpPr>
-        <p:spPr>
-          <a:xfrm>
-            <a:off x="628650" y="273847"/>
-            <a:ext cx="7886700" cy="994172"/>
-          </a:xfrm>
-        </p:spPr>
-        <p:txBody>
-          <a:bodyPr anchor="ctr">
-            <a:normAutofit/>
-          </a:bodyPr>
-          <a:lstStyle/>
-          <a:p>
-            <a:r>
-              <a:rPr lang="en-US" dirty="0"/>
-              <a:t>Mangling In Practice</a:t>
-            </a:r>
-          </a:p>
-        </p:txBody>
-      </p:sp>
-      <p:graphicFrame>
-        <p:nvGraphicFramePr>
-          <p:cNvPr id="5" name="Content Placeholder 2">
-            <a:extLst>
-              <a:ext uri="{FF2B5EF4-FFF2-40B4-BE49-F238E27FC236}">
-                <a16:creationId xmlns:a16="http://schemas.microsoft.com/office/drawing/2014/main" id="{AD9BF0C8-19FF-42DA-B311-4F0A17FBEAE4}"/>
-              </a:ext>
-            </a:extLst>
-          </p:cNvPr>
-          <p:cNvGraphicFramePr>
-            <a:graphicFrameLocks noGrp="1"/>
-          </p:cNvGraphicFramePr>
-          <p:nvPr>
-            <p:ph idx="1"/>
-            <p:extLst>
-              <p:ext uri="{D42A27DB-BD31-4B8C-83A1-F6EECF244321}">
-                <p14:modId xmlns:p14="http://schemas.microsoft.com/office/powerpoint/2010/main" val="389904848"/>
-              </p:ext>
-            </p:extLst>
-          </p:nvPr>
-        </p:nvGraphicFramePr>
-        <p:xfrm>
-          <a:off x="628650" y="1236541"/>
-          <a:ext cx="7886700" cy="3263504"/>
-        </p:xfrm>
-        <a:graphic>
-          <a:graphicData uri="http://schemas.openxmlformats.org/drawingml/2006/diagram">
-            <dgm:relIds xmlns:dgm="http://schemas.openxmlformats.org/drawingml/2006/diagram" xmlns:r="http://schemas.openxmlformats.org/officeDocument/2006/relationships" r:dm="rId2" r:lo="rId3" r:qs="rId4" r:cs="rId5"/>
-          </a:graphicData>
-        </a:graphic>
-      </p:graphicFrame>
-    </p:spTree>
-    <p:extLst>
-      <p:ext uri="{BB962C8B-B14F-4D97-AF65-F5344CB8AC3E}">
-        <p14:creationId xmlns:p14="http://schemas.microsoft.com/office/powerpoint/2010/main" val="4004216154"/>
       </p:ext>
     </p:extLst>
   </p:cSld>
@@ -55899,6 +56784,102 @@
           <p:cNvPr id="2" name="Title 1">
             <a:extLst>
               <a:ext uri="{FF2B5EF4-FFF2-40B4-BE49-F238E27FC236}">
+                <a16:creationId xmlns:a16="http://schemas.microsoft.com/office/drawing/2014/main" id="{A8D1A044-C0AD-E646-BFE8-52A12343E5F6}"/>
+              </a:ext>
+            </a:extLst>
+          </p:cNvPr>
+          <p:cNvSpPr>
+            <a:spLocks noGrp="1"/>
+          </p:cNvSpPr>
+          <p:nvPr>
+            <p:ph type="title"/>
+          </p:nvPr>
+        </p:nvSpPr>
+        <p:spPr>
+          <a:xfrm>
+            <a:off x="628650" y="273847"/>
+            <a:ext cx="7886700" cy="994172"/>
+          </a:xfrm>
+        </p:spPr>
+        <p:txBody>
+          <a:bodyPr anchor="ctr">
+            <a:normAutofit/>
+          </a:bodyPr>
+          <a:lstStyle/>
+          <a:p>
+            <a:r>
+              <a:rPr lang="en-US" dirty="0"/>
+              <a:t>Mangling In Practice</a:t>
+            </a:r>
+          </a:p>
+        </p:txBody>
+      </p:sp>
+      <p:graphicFrame>
+        <p:nvGraphicFramePr>
+          <p:cNvPr id="5" name="Content Placeholder 2">
+            <a:extLst>
+              <a:ext uri="{FF2B5EF4-FFF2-40B4-BE49-F238E27FC236}">
+                <a16:creationId xmlns:a16="http://schemas.microsoft.com/office/drawing/2014/main" id="{AD9BF0C8-19FF-42DA-B311-4F0A17FBEAE4}"/>
+              </a:ext>
+            </a:extLst>
+          </p:cNvPr>
+          <p:cNvGraphicFramePr>
+            <a:graphicFrameLocks noGrp="1"/>
+          </p:cNvGraphicFramePr>
+          <p:nvPr>
+            <p:ph idx="1"/>
+            <p:extLst>
+              <p:ext uri="{D42A27DB-BD31-4B8C-83A1-F6EECF244321}">
+                <p14:modId xmlns:p14="http://schemas.microsoft.com/office/powerpoint/2010/main" val="389904848"/>
+              </p:ext>
+            </p:extLst>
+          </p:nvPr>
+        </p:nvGraphicFramePr>
+        <p:xfrm>
+          <a:off x="628650" y="1236541"/>
+          <a:ext cx="7886700" cy="3263504"/>
+        </p:xfrm>
+        <a:graphic>
+          <a:graphicData uri="http://schemas.openxmlformats.org/drawingml/2006/diagram">
+            <dgm:relIds xmlns:dgm="http://schemas.openxmlformats.org/drawingml/2006/diagram" xmlns:r="http://schemas.openxmlformats.org/officeDocument/2006/relationships" r:dm="rId2" r:lo="rId3" r:qs="rId4" r:cs="rId5"/>
+          </a:graphicData>
+        </a:graphic>
+      </p:graphicFrame>
+    </p:spTree>
+    <p:extLst>
+      <p:ext uri="{BB962C8B-B14F-4D97-AF65-F5344CB8AC3E}">
+        <p14:creationId xmlns:p14="http://schemas.microsoft.com/office/powerpoint/2010/main" val="4004216154"/>
+      </p:ext>
+    </p:extLst>
+  </p:cSld>
+  <p:clrMapOvr>
+    <a:masterClrMapping/>
+  </p:clrMapOvr>
+</p:sld>
+</file>
+
+<file path=ppt/slides/slide81.xml><?xml version="1.0" encoding="utf-8"?>
+<p:sld xmlns:a="http://schemas.openxmlformats.org/drawingml/2006/main" xmlns:r="http://schemas.openxmlformats.org/officeDocument/2006/relationships" xmlns:p="http://schemas.openxmlformats.org/presentationml/2006/main">
+  <p:cSld>
+    <p:spTree>
+      <p:nvGrpSpPr>
+        <p:cNvPr id="1" name=""/>
+        <p:cNvGrpSpPr/>
+        <p:nvPr/>
+      </p:nvGrpSpPr>
+      <p:grpSpPr>
+        <a:xfrm>
+          <a:off x="0" y="0"/>
+          <a:ext cx="0" cy="0"/>
+          <a:chOff x="0" y="0"/>
+          <a:chExt cx="0" cy="0"/>
+        </a:xfrm>
+      </p:grpSpPr>
+      <p:sp>
+        <p:nvSpPr>
+          <p:cNvPr id="2" name="Title 1">
+            <a:extLst>
+              <a:ext uri="{FF2B5EF4-FFF2-40B4-BE49-F238E27FC236}">
                 <a16:creationId xmlns:a16="http://schemas.microsoft.com/office/drawing/2014/main" id="{7A792517-8D65-884E-9726-F3DE3A6B45AE}"/>
               </a:ext>
             </a:extLst>
@@ -55973,7 +56954,7 @@
 </p:sld>
 </file>
 
-<file path=ppt/slides/slide81.xml><?xml version="1.0" encoding="utf-8"?>
+<file path=ppt/slides/slide82.xml><?xml version="1.0" encoding="utf-8"?>
 <p:sld xmlns:a="http://schemas.openxmlformats.org/drawingml/2006/main" xmlns:r="http://schemas.openxmlformats.org/officeDocument/2006/relationships" xmlns:p="http://schemas.openxmlformats.org/presentationml/2006/main">
   <p:cSld>
     <p:spTree>
@@ -56066,7 +57047,7 @@
 </p:sld>
 </file>
 
-<file path=ppt/slides/slide82.xml><?xml version="1.0" encoding="utf-8"?>
+<file path=ppt/slides/slide83.xml><?xml version="1.0" encoding="utf-8"?>
 <p:sld xmlns:a="http://schemas.openxmlformats.org/drawingml/2006/main" xmlns:r="http://schemas.openxmlformats.org/officeDocument/2006/relationships" xmlns:p="http://schemas.openxmlformats.org/presentationml/2006/main">
   <p:cSld>
     <p:spTree>

--- a/challenges/fd_poison/FdOverwrite.pptx
+++ b/challenges/fd_poison/FdOverwrite.pptx
@@ -32043,7 +32043,7 @@
           <a:p>
             <a:fld id="{2DA23E8D-1792-1541-9147-970A8DD8A355}" type="datetimeFigureOut">
               <a:rPr lang="en-US" smtClean="0"/>
-              <a:t>4/21/21</a:t>
+              <a:t>5/23/21</a:t>
             </a:fld>
             <a:endParaRPr lang="en-US" dirty="0"/>
           </a:p>
@@ -33017,7 +33017,7 @@
                 <a:latin typeface="Calibri"/>
               </a:rPr>
               <a:pPr/>
-              <a:t>4/21/21</a:t>
+              <a:t>5/23/21</a:t>
             </a:fld>
             <a:endParaRPr lang="en-US" dirty="0">
               <a:solidFill>
@@ -33270,7 +33270,7 @@
                 <a:latin typeface="Calibri"/>
               </a:rPr>
               <a:pPr/>
-              <a:t>4/21/21</a:t>
+              <a:t>5/23/21</a:t>
             </a:fld>
             <a:endParaRPr lang="en-US" dirty="0">
               <a:solidFill>
@@ -33485,7 +33485,7 @@
                 <a:latin typeface="Calibri"/>
               </a:rPr>
               <a:pPr/>
-              <a:t>4/21/21</a:t>
+              <a:t>5/23/21</a:t>
             </a:fld>
             <a:endParaRPr lang="en-US" dirty="0">
               <a:solidFill>
@@ -33883,7 +33883,7 @@
                 <a:latin typeface="Calibri"/>
               </a:rPr>
               <a:pPr/>
-              <a:t>4/21/21</a:t>
+              <a:t>5/23/21</a:t>
             </a:fld>
             <a:endParaRPr lang="en-US" dirty="0">
               <a:solidFill>
@@ -34225,7 +34225,7 @@
                 <a:latin typeface="Calibri"/>
               </a:rPr>
               <a:pPr/>
-              <a:t>4/21/21</a:t>
+              <a:t>5/23/21</a:t>
             </a:fld>
             <a:endParaRPr lang="en-US" dirty="0">
               <a:solidFill>
@@ -34553,7 +34553,7 @@
                 <a:latin typeface="Calibri"/>
               </a:rPr>
               <a:pPr/>
-              <a:t>4/21/21</a:t>
+              <a:t>5/23/21</a:t>
             </a:fld>
             <a:endParaRPr lang="en-US" dirty="0">
               <a:solidFill>
@@ -35042,7 +35042,7 @@
                 <a:latin typeface="Calibri"/>
               </a:rPr>
               <a:pPr/>
-              <a:t>4/21/21</a:t>
+              <a:t>5/23/21</a:t>
             </a:fld>
             <a:endParaRPr lang="en-US" dirty="0">
               <a:solidFill>
@@ -35225,7 +35225,7 @@
                 <a:latin typeface="Calibri"/>
               </a:rPr>
               <a:pPr/>
-              <a:t>4/21/21</a:t>
+              <a:t>5/23/21</a:t>
             </a:fld>
             <a:endParaRPr lang="en-US" dirty="0">
               <a:solidFill>
@@ -35471,7 +35471,7 @@
                 <a:latin typeface="Calibri"/>
               </a:rPr>
               <a:pPr/>
-              <a:t>4/21/21</a:t>
+              <a:t>5/23/21</a:t>
             </a:fld>
             <a:endParaRPr lang="en-US" dirty="0">
               <a:solidFill>
@@ -35813,7 +35813,7 @@
                 <a:latin typeface="Calibri"/>
               </a:rPr>
               <a:pPr/>
-              <a:t>4/21/21</a:t>
+              <a:t>5/23/21</a:t>
             </a:fld>
             <a:endParaRPr lang="en-US" dirty="0">
               <a:solidFill>
@@ -36105,7 +36105,7 @@
                 <a:latin typeface="Calibri"/>
               </a:rPr>
               <a:pPr/>
-              <a:t>4/21/21</a:t>
+              <a:t>5/23/21</a:t>
             </a:fld>
             <a:endParaRPr lang="en-US" dirty="0">
               <a:solidFill>
@@ -36355,7 +36355,7 @@
                 <a:latin typeface="Calibri"/>
               </a:rPr>
               <a:pPr defTabSz="914400"/>
-              <a:t>4/21/21</a:t>
+              <a:t>5/23/21</a:t>
             </a:fld>
             <a:endParaRPr lang="en-US" dirty="0">
               <a:solidFill>

--- a/challenges/fd_poison/FdOverwrite.pptx
+++ b/challenges/fd_poison/FdOverwrite.pptx
@@ -5,7 +5,7 @@
     <p:sldMasterId id="2147483660" r:id="rId1"/>
   </p:sldMasterIdLst>
   <p:notesMasterIdLst>
-    <p:notesMasterId r:id="rId85"/>
+    <p:notesMasterId r:id="rId97"/>
   </p:notesMasterIdLst>
   <p:sldIdLst>
     <p:sldId id="327" r:id="rId2"/>
@@ -23,74 +23,86 @@
     <p:sldId id="486" r:id="rId14"/>
     <p:sldId id="448" r:id="rId15"/>
     <p:sldId id="449" r:id="rId16"/>
-    <p:sldId id="453" r:id="rId17"/>
-    <p:sldId id="452" r:id="rId18"/>
-    <p:sldId id="454" r:id="rId19"/>
+    <p:sldId id="452" r:id="rId17"/>
+    <p:sldId id="454" r:id="rId18"/>
+    <p:sldId id="453" r:id="rId19"/>
     <p:sldId id="447" r:id="rId20"/>
     <p:sldId id="446" r:id="rId21"/>
     <p:sldId id="499" r:id="rId22"/>
     <p:sldId id="492" r:id="rId23"/>
     <p:sldId id="493" r:id="rId24"/>
-    <p:sldId id="494" r:id="rId25"/>
-    <p:sldId id="495" r:id="rId26"/>
-    <p:sldId id="497" r:id="rId27"/>
-    <p:sldId id="498" r:id="rId28"/>
-    <p:sldId id="500" r:id="rId29"/>
-    <p:sldId id="473" r:id="rId30"/>
-    <p:sldId id="456" r:id="rId31"/>
-    <p:sldId id="455" r:id="rId32"/>
-    <p:sldId id="457" r:id="rId33"/>
-    <p:sldId id="458" r:id="rId34"/>
-    <p:sldId id="459" r:id="rId35"/>
-    <p:sldId id="463" r:id="rId36"/>
-    <p:sldId id="461" r:id="rId37"/>
-    <p:sldId id="462" r:id="rId38"/>
-    <p:sldId id="460" r:id="rId39"/>
-    <p:sldId id="464" r:id="rId40"/>
-    <p:sldId id="466" r:id="rId41"/>
-    <p:sldId id="465" r:id="rId42"/>
-    <p:sldId id="467" r:id="rId43"/>
-    <p:sldId id="468" r:id="rId44"/>
-    <p:sldId id="469" r:id="rId45"/>
-    <p:sldId id="470" r:id="rId46"/>
-    <p:sldId id="472" r:id="rId47"/>
-    <p:sldId id="474" r:id="rId48"/>
-    <p:sldId id="475" r:id="rId49"/>
-    <p:sldId id="502" r:id="rId50"/>
-    <p:sldId id="491" r:id="rId51"/>
-    <p:sldId id="503" r:id="rId52"/>
-    <p:sldId id="505" r:id="rId53"/>
-    <p:sldId id="507" r:id="rId54"/>
-    <p:sldId id="508" r:id="rId55"/>
-    <p:sldId id="504" r:id="rId56"/>
-    <p:sldId id="509" r:id="rId57"/>
-    <p:sldId id="510" r:id="rId58"/>
-    <p:sldId id="519" r:id="rId59"/>
-    <p:sldId id="512" r:id="rId60"/>
-    <p:sldId id="522" r:id="rId61"/>
-    <p:sldId id="515" r:id="rId62"/>
-    <p:sldId id="517" r:id="rId63"/>
-    <p:sldId id="514" r:id="rId64"/>
-    <p:sldId id="523" r:id="rId65"/>
-    <p:sldId id="524" r:id="rId66"/>
-    <p:sldId id="518" r:id="rId67"/>
-    <p:sldId id="526" r:id="rId68"/>
-    <p:sldId id="525" r:id="rId69"/>
-    <p:sldId id="527" r:id="rId70"/>
-    <p:sldId id="528" r:id="rId71"/>
-    <p:sldId id="521" r:id="rId72"/>
-    <p:sldId id="531" r:id="rId73"/>
-    <p:sldId id="532" r:id="rId74"/>
-    <p:sldId id="533" r:id="rId75"/>
-    <p:sldId id="530" r:id="rId76"/>
-    <p:sldId id="534" r:id="rId77"/>
-    <p:sldId id="541" r:id="rId78"/>
-    <p:sldId id="535" r:id="rId79"/>
-    <p:sldId id="539" r:id="rId80"/>
-    <p:sldId id="536" r:id="rId81"/>
-    <p:sldId id="537" r:id="rId82"/>
-    <p:sldId id="538" r:id="rId83"/>
-    <p:sldId id="529" r:id="rId84"/>
+    <p:sldId id="547" r:id="rId25"/>
+    <p:sldId id="494" r:id="rId26"/>
+    <p:sldId id="495" r:id="rId27"/>
+    <p:sldId id="497" r:id="rId28"/>
+    <p:sldId id="498" r:id="rId29"/>
+    <p:sldId id="500" r:id="rId30"/>
+    <p:sldId id="473" r:id="rId31"/>
+    <p:sldId id="456" r:id="rId32"/>
+    <p:sldId id="455" r:id="rId33"/>
+    <p:sldId id="457" r:id="rId34"/>
+    <p:sldId id="458" r:id="rId35"/>
+    <p:sldId id="459" r:id="rId36"/>
+    <p:sldId id="463" r:id="rId37"/>
+    <p:sldId id="461" r:id="rId38"/>
+    <p:sldId id="462" r:id="rId39"/>
+    <p:sldId id="460" r:id="rId40"/>
+    <p:sldId id="464" r:id="rId41"/>
+    <p:sldId id="466" r:id="rId42"/>
+    <p:sldId id="465" r:id="rId43"/>
+    <p:sldId id="467" r:id="rId44"/>
+    <p:sldId id="468" r:id="rId45"/>
+    <p:sldId id="469" r:id="rId46"/>
+    <p:sldId id="470" r:id="rId47"/>
+    <p:sldId id="472" r:id="rId48"/>
+    <p:sldId id="474" r:id="rId49"/>
+    <p:sldId id="475" r:id="rId50"/>
+    <p:sldId id="502" r:id="rId51"/>
+    <p:sldId id="491" r:id="rId52"/>
+    <p:sldId id="503" r:id="rId53"/>
+    <p:sldId id="505" r:id="rId54"/>
+    <p:sldId id="507" r:id="rId55"/>
+    <p:sldId id="508" r:id="rId56"/>
+    <p:sldId id="504" r:id="rId57"/>
+    <p:sldId id="509" r:id="rId58"/>
+    <p:sldId id="510" r:id="rId59"/>
+    <p:sldId id="519" r:id="rId60"/>
+    <p:sldId id="512" r:id="rId61"/>
+    <p:sldId id="522" r:id="rId62"/>
+    <p:sldId id="515" r:id="rId63"/>
+    <p:sldId id="517" r:id="rId64"/>
+    <p:sldId id="514" r:id="rId65"/>
+    <p:sldId id="523" r:id="rId66"/>
+    <p:sldId id="524" r:id="rId67"/>
+    <p:sldId id="518" r:id="rId68"/>
+    <p:sldId id="526" r:id="rId69"/>
+    <p:sldId id="525" r:id="rId70"/>
+    <p:sldId id="527" r:id="rId71"/>
+    <p:sldId id="528" r:id="rId72"/>
+    <p:sldId id="521" r:id="rId73"/>
+    <p:sldId id="531" r:id="rId74"/>
+    <p:sldId id="532" r:id="rId75"/>
+    <p:sldId id="533" r:id="rId76"/>
+    <p:sldId id="530" r:id="rId77"/>
+    <p:sldId id="534" r:id="rId78"/>
+    <p:sldId id="541" r:id="rId79"/>
+    <p:sldId id="535" r:id="rId80"/>
+    <p:sldId id="539" r:id="rId81"/>
+    <p:sldId id="536" r:id="rId82"/>
+    <p:sldId id="537" r:id="rId83"/>
+    <p:sldId id="538" r:id="rId84"/>
+    <p:sldId id="548" r:id="rId85"/>
+    <p:sldId id="542" r:id="rId86"/>
+    <p:sldId id="543" r:id="rId87"/>
+    <p:sldId id="544" r:id="rId88"/>
+    <p:sldId id="549" r:id="rId89"/>
+    <p:sldId id="551" r:id="rId90"/>
+    <p:sldId id="552" r:id="rId91"/>
+    <p:sldId id="553" r:id="rId92"/>
+    <p:sldId id="554" r:id="rId93"/>
+    <p:sldId id="545" r:id="rId94"/>
+    <p:sldId id="546" r:id="rId95"/>
+    <p:sldId id="529" r:id="rId96"/>
   </p:sldIdLst>
   <p:sldSz cx="9144000" cy="5143500" type="screen16x9"/>
   <p:notesSz cx="6858000" cy="9144000"/>
@@ -32043,7 +32055,7 @@
           <a:p>
             <a:fld id="{2DA23E8D-1792-1541-9147-970A8DD8A355}" type="datetimeFigureOut">
               <a:rPr lang="en-US" smtClean="0"/>
-              <a:t>5/23/21</a:t>
+              <a:t>6/1/21</a:t>
             </a:fld>
             <a:endParaRPr lang="en-US" dirty="0"/>
           </a:p>
@@ -32375,7 +32387,7 @@
           <a:p>
             <a:fld id="{AC55928C-CD14-454C-B617-1AFCF9A58596}" type="slidenum">
               <a:rPr lang="en-US" smtClean="0"/>
-              <a:t>66</a:t>
+              <a:t>67</a:t>
             </a:fld>
             <a:endParaRPr lang="en-US" dirty="0"/>
           </a:p>
@@ -32459,7 +32471,7 @@
           <a:p>
             <a:fld id="{AC55928C-CD14-454C-B617-1AFCF9A58596}" type="slidenum">
               <a:rPr lang="en-US" smtClean="0"/>
-              <a:t>71</a:t>
+              <a:t>72</a:t>
             </a:fld>
             <a:endParaRPr lang="en-US" dirty="0"/>
           </a:p>
@@ -32543,7 +32555,7 @@
           <a:p>
             <a:fld id="{AC55928C-CD14-454C-B617-1AFCF9A58596}" type="slidenum">
               <a:rPr lang="en-US" smtClean="0"/>
-              <a:t>72</a:t>
+              <a:t>73</a:t>
             </a:fld>
             <a:endParaRPr lang="en-US" dirty="0"/>
           </a:p>
@@ -32627,7 +32639,7 @@
           <a:p>
             <a:fld id="{AC55928C-CD14-454C-B617-1AFCF9A58596}" type="slidenum">
               <a:rPr lang="en-US" smtClean="0"/>
-              <a:t>73</a:t>
+              <a:t>74</a:t>
             </a:fld>
             <a:endParaRPr lang="en-US" dirty="0"/>
           </a:p>
@@ -32711,7 +32723,7 @@
           <a:p>
             <a:fld id="{AC55928C-CD14-454C-B617-1AFCF9A58596}" type="slidenum">
               <a:rPr lang="en-US" smtClean="0"/>
-              <a:t>75</a:t>
+              <a:t>76</a:t>
             </a:fld>
             <a:endParaRPr lang="en-US" dirty="0"/>
           </a:p>
@@ -32795,7 +32807,7 @@
           <a:p>
             <a:fld id="{AC55928C-CD14-454C-B617-1AFCF9A58596}" type="slidenum">
               <a:rPr lang="en-US" smtClean="0"/>
-              <a:t>77</a:t>
+              <a:t>78</a:t>
             </a:fld>
             <a:endParaRPr lang="en-US" dirty="0"/>
           </a:p>
@@ -33017,7 +33029,7 @@
                 <a:latin typeface="Calibri"/>
               </a:rPr>
               <a:pPr/>
-              <a:t>5/23/21</a:t>
+              <a:t>6/1/21</a:t>
             </a:fld>
             <a:endParaRPr lang="en-US" dirty="0">
               <a:solidFill>
@@ -33270,7 +33282,7 @@
                 <a:latin typeface="Calibri"/>
               </a:rPr>
               <a:pPr/>
-              <a:t>5/23/21</a:t>
+              <a:t>6/1/21</a:t>
             </a:fld>
             <a:endParaRPr lang="en-US" dirty="0">
               <a:solidFill>
@@ -33485,7 +33497,7 @@
                 <a:latin typeface="Calibri"/>
               </a:rPr>
               <a:pPr/>
-              <a:t>5/23/21</a:t>
+              <a:t>6/1/21</a:t>
             </a:fld>
             <a:endParaRPr lang="en-US" dirty="0">
               <a:solidFill>
@@ -33883,7 +33895,7 @@
                 <a:latin typeface="Calibri"/>
               </a:rPr>
               <a:pPr/>
-              <a:t>5/23/21</a:t>
+              <a:t>6/1/21</a:t>
             </a:fld>
             <a:endParaRPr lang="en-US" dirty="0">
               <a:solidFill>
@@ -34225,7 +34237,7 @@
                 <a:latin typeface="Calibri"/>
               </a:rPr>
               <a:pPr/>
-              <a:t>5/23/21</a:t>
+              <a:t>6/1/21</a:t>
             </a:fld>
             <a:endParaRPr lang="en-US" dirty="0">
               <a:solidFill>
@@ -34553,7 +34565,7 @@
                 <a:latin typeface="Calibri"/>
               </a:rPr>
               <a:pPr/>
-              <a:t>5/23/21</a:t>
+              <a:t>6/1/21</a:t>
             </a:fld>
             <a:endParaRPr lang="en-US" dirty="0">
               <a:solidFill>
@@ -35042,7 +35054,7 @@
                 <a:latin typeface="Calibri"/>
               </a:rPr>
               <a:pPr/>
-              <a:t>5/23/21</a:t>
+              <a:t>6/1/21</a:t>
             </a:fld>
             <a:endParaRPr lang="en-US" dirty="0">
               <a:solidFill>
@@ -35225,7 +35237,7 @@
                 <a:latin typeface="Calibri"/>
               </a:rPr>
               <a:pPr/>
-              <a:t>5/23/21</a:t>
+              <a:t>6/1/21</a:t>
             </a:fld>
             <a:endParaRPr lang="en-US" dirty="0">
               <a:solidFill>
@@ -35471,7 +35483,7 @@
                 <a:latin typeface="Calibri"/>
               </a:rPr>
               <a:pPr/>
-              <a:t>5/23/21</a:t>
+              <a:t>6/1/21</a:t>
             </a:fld>
             <a:endParaRPr lang="en-US" dirty="0">
               <a:solidFill>
@@ -35813,7 +35825,7 @@
                 <a:latin typeface="Calibri"/>
               </a:rPr>
               <a:pPr/>
-              <a:t>5/23/21</a:t>
+              <a:t>6/1/21</a:t>
             </a:fld>
             <a:endParaRPr lang="en-US" dirty="0">
               <a:solidFill>
@@ -36105,7 +36117,7 @@
                 <a:latin typeface="Calibri"/>
               </a:rPr>
               <a:pPr/>
-              <a:t>5/23/21</a:t>
+              <a:t>6/1/21</a:t>
             </a:fld>
             <a:endParaRPr lang="en-US" dirty="0">
               <a:solidFill>
@@ -36355,7 +36367,7 @@
                 <a:latin typeface="Calibri"/>
               </a:rPr>
               <a:pPr defTabSz="914400"/>
-              <a:t>5/23/21</a:t>
+              <a:t>6/1/21</a:t>
             </a:fld>
             <a:endParaRPr lang="en-US" dirty="0">
               <a:solidFill>
@@ -38316,6 +38328,248 @@
           <p:cNvPr id="2" name="Title 1">
             <a:extLst>
               <a:ext uri="{FF2B5EF4-FFF2-40B4-BE49-F238E27FC236}">
+                <a16:creationId xmlns:a16="http://schemas.microsoft.com/office/drawing/2014/main" id="{9EBDC6FF-3E9B-5748-BA22-A6EB8D256838}"/>
+              </a:ext>
+            </a:extLst>
+          </p:cNvPr>
+          <p:cNvSpPr>
+            <a:spLocks noGrp="1"/>
+          </p:cNvSpPr>
+          <p:nvPr>
+            <p:ph type="title"/>
+          </p:nvPr>
+        </p:nvSpPr>
+        <p:spPr/>
+        <p:txBody>
+          <a:bodyPr/>
+          <a:lstStyle/>
+          <a:p>
+            <a:r>
+              <a:rPr lang="en-US" dirty="0"/>
+              <a:t>Requirements</a:t>
+            </a:r>
+          </a:p>
+        </p:txBody>
+      </p:sp>
+      <p:sp>
+        <p:nvSpPr>
+          <p:cNvPr id="3" name="Content Placeholder 2">
+            <a:extLst>
+              <a:ext uri="{FF2B5EF4-FFF2-40B4-BE49-F238E27FC236}">
+                <a16:creationId xmlns:a16="http://schemas.microsoft.com/office/drawing/2014/main" id="{F9E96AD3-8C89-E146-B359-D105E74652C1}"/>
+              </a:ext>
+            </a:extLst>
+          </p:cNvPr>
+          <p:cNvSpPr>
+            <a:spLocks noGrp="1"/>
+          </p:cNvSpPr>
+          <p:nvPr>
+            <p:ph idx="1"/>
+          </p:nvPr>
+        </p:nvSpPr>
+        <p:spPr/>
+        <p:txBody>
+          <a:bodyPr/>
+          <a:lstStyle/>
+          <a:p>
+            <a:r>
+              <a:rPr lang="en-US" dirty="0"/>
+              <a:t>Control </a:t>
+            </a:r>
+            <a:r>
+              <a:rPr lang="en-US" b="1" dirty="0"/>
+              <a:t>fd</a:t>
+            </a:r>
+            <a:r>
+              <a:rPr lang="en-US" dirty="0"/>
+              <a:t> pointer of </a:t>
+            </a:r>
+            <a:r>
+              <a:rPr lang="en-US" i="1" dirty="0"/>
+              <a:t>TCache</a:t>
+            </a:r>
+            <a:r>
+              <a:rPr lang="en-US" dirty="0"/>
+              <a:t> or</a:t>
+            </a:r>
+            <a:r>
+              <a:rPr lang="en-US" i="1" dirty="0"/>
+              <a:t> </a:t>
+            </a:r>
+            <a:r>
+              <a:rPr lang="en-US" i="1" dirty="0" err="1"/>
+              <a:t>Fastbin</a:t>
+            </a:r>
+            <a:r>
+              <a:rPr lang="en-US" i="1" dirty="0"/>
+              <a:t> </a:t>
+            </a:r>
+            <a:r>
+              <a:rPr lang="en-US" dirty="0"/>
+              <a:t>free chunk</a:t>
+            </a:r>
+          </a:p>
+          <a:p>
+            <a:r>
+              <a:rPr lang="en-US" dirty="0"/>
+              <a:t>Known locations to write (may require leak) </a:t>
+            </a:r>
+          </a:p>
+          <a:p>
+            <a:r>
+              <a:rPr lang="en-US" dirty="0"/>
+              <a:t>A call to </a:t>
+            </a:r>
+            <a:r>
+              <a:rPr lang="en-US" b="1" dirty="0"/>
+              <a:t>Malloc</a:t>
+            </a:r>
+            <a:r>
+              <a:rPr lang="en-US" dirty="0"/>
+              <a:t> to give the chunk to the user</a:t>
+            </a:r>
+            <a:endParaRPr lang="en-US" b="1" dirty="0"/>
+          </a:p>
+        </p:txBody>
+      </p:sp>
+    </p:spTree>
+    <p:extLst>
+      <p:ext uri="{BB962C8B-B14F-4D97-AF65-F5344CB8AC3E}">
+        <p14:creationId xmlns:p14="http://schemas.microsoft.com/office/powerpoint/2010/main" val="4077889794"/>
+      </p:ext>
+    </p:extLst>
+  </p:cSld>
+  <p:clrMapOvr>
+    <a:masterClrMapping/>
+  </p:clrMapOvr>
+</p:sld>
+</file>
+
+<file path=ppt/slides/slide17.xml><?xml version="1.0" encoding="utf-8"?>
+<p:sld xmlns:a="http://schemas.openxmlformats.org/drawingml/2006/main" xmlns:r="http://schemas.openxmlformats.org/officeDocument/2006/relationships" xmlns:p="http://schemas.openxmlformats.org/presentationml/2006/main">
+  <p:cSld>
+    <p:spTree>
+      <p:nvGrpSpPr>
+        <p:cNvPr id="1" name=""/>
+        <p:cNvGrpSpPr/>
+        <p:nvPr/>
+      </p:nvGrpSpPr>
+      <p:grpSpPr>
+        <a:xfrm>
+          <a:off x="0" y="0"/>
+          <a:ext cx="0" cy="0"/>
+          <a:chOff x="0" y="0"/>
+          <a:chExt cx="0" cy="0"/>
+        </a:xfrm>
+      </p:grpSpPr>
+      <p:sp>
+        <p:nvSpPr>
+          <p:cNvPr id="2" name="Title 1">
+            <a:extLst>
+              <a:ext uri="{FF2B5EF4-FFF2-40B4-BE49-F238E27FC236}">
+                <a16:creationId xmlns:a16="http://schemas.microsoft.com/office/drawing/2014/main" id="{74BDA9AB-E555-6843-BAC8-5E9271074C5D}"/>
+              </a:ext>
+            </a:extLst>
+          </p:cNvPr>
+          <p:cNvSpPr>
+            <a:spLocks noGrp="1"/>
+          </p:cNvSpPr>
+          <p:nvPr>
+            <p:ph type="title"/>
+          </p:nvPr>
+        </p:nvSpPr>
+        <p:spPr/>
+        <p:txBody>
+          <a:bodyPr/>
+          <a:lstStyle/>
+          <a:p>
+            <a:r>
+              <a:rPr lang="en-US" dirty="0"/>
+              <a:t>Drawbacks</a:t>
+            </a:r>
+          </a:p>
+        </p:txBody>
+      </p:sp>
+      <p:sp>
+        <p:nvSpPr>
+          <p:cNvPr id="3" name="Content Placeholder 2">
+            <a:extLst>
+              <a:ext uri="{FF2B5EF4-FFF2-40B4-BE49-F238E27FC236}">
+                <a16:creationId xmlns:a16="http://schemas.microsoft.com/office/drawing/2014/main" id="{A3B3E05F-4870-CD4C-A810-49BE2170DB6F}"/>
+              </a:ext>
+            </a:extLst>
+          </p:cNvPr>
+          <p:cNvSpPr>
+            <a:spLocks noGrp="1"/>
+          </p:cNvSpPr>
+          <p:nvPr>
+            <p:ph idx="1"/>
+          </p:nvPr>
+        </p:nvSpPr>
+        <p:spPr/>
+        <p:txBody>
+          <a:bodyPr/>
+          <a:lstStyle/>
+          <a:p>
+            <a:r>
+              <a:rPr lang="en-US" dirty="0"/>
+              <a:t>Mitigations in 2.32+ make this </a:t>
+            </a:r>
+            <a:r>
+              <a:rPr lang="en-US" b="1" dirty="0"/>
+              <a:t>significantly</a:t>
+            </a:r>
+            <a:r>
+              <a:rPr lang="en-US" dirty="0"/>
+              <a:t> harder to do</a:t>
+            </a:r>
+          </a:p>
+          <a:p>
+            <a:r>
+              <a:rPr lang="en-US" dirty="0"/>
+              <a:t>Requires some good control over allocation sizes and the amount of allocations</a:t>
+            </a:r>
+          </a:p>
+          <a:p>
+            <a:endParaRPr lang="en-US" dirty="0"/>
+          </a:p>
+        </p:txBody>
+      </p:sp>
+    </p:spTree>
+    <p:extLst>
+      <p:ext uri="{BB962C8B-B14F-4D97-AF65-F5344CB8AC3E}">
+        <p14:creationId xmlns:p14="http://schemas.microsoft.com/office/powerpoint/2010/main" val="261838232"/>
+      </p:ext>
+    </p:extLst>
+  </p:cSld>
+  <p:clrMapOvr>
+    <a:masterClrMapping/>
+  </p:clrMapOvr>
+</p:sld>
+</file>
+
+<file path=ppt/slides/slide18.xml><?xml version="1.0" encoding="utf-8"?>
+<p:sld xmlns:a="http://schemas.openxmlformats.org/drawingml/2006/main" xmlns:r="http://schemas.openxmlformats.org/officeDocument/2006/relationships" xmlns:p="http://schemas.openxmlformats.org/presentationml/2006/main">
+  <p:cSld>
+    <p:spTree>
+      <p:nvGrpSpPr>
+        <p:cNvPr id="1" name=""/>
+        <p:cNvGrpSpPr/>
+        <p:nvPr/>
+      </p:nvGrpSpPr>
+      <p:grpSpPr>
+        <a:xfrm>
+          <a:off x="0" y="0"/>
+          <a:ext cx="0" cy="0"/>
+          <a:chOff x="0" y="0"/>
+          <a:chExt cx="0" cy="0"/>
+        </a:xfrm>
+      </p:grpSpPr>
+      <p:sp>
+        <p:nvSpPr>
+          <p:cNvPr id="2" name="Title 1">
+            <a:extLst>
+              <a:ext uri="{FF2B5EF4-FFF2-40B4-BE49-F238E27FC236}">
                 <a16:creationId xmlns:a16="http://schemas.microsoft.com/office/drawing/2014/main" id="{3E8CF0C1-27ED-664E-B169-2FDB11782122}"/>
               </a:ext>
             </a:extLst>
@@ -38507,250 +38761,8 @@
 </p:sld>
 </file>
 
-<file path=ppt/slides/slide17.xml><?xml version="1.0" encoding="utf-8"?>
-<p:sld xmlns:a="http://schemas.openxmlformats.org/drawingml/2006/main" xmlns:r="http://schemas.openxmlformats.org/officeDocument/2006/relationships" xmlns:p="http://schemas.openxmlformats.org/presentationml/2006/main">
-  <p:cSld>
-    <p:spTree>
-      <p:nvGrpSpPr>
-        <p:cNvPr id="1" name=""/>
-        <p:cNvGrpSpPr/>
-        <p:nvPr/>
-      </p:nvGrpSpPr>
-      <p:grpSpPr>
-        <a:xfrm>
-          <a:off x="0" y="0"/>
-          <a:ext cx="0" cy="0"/>
-          <a:chOff x="0" y="0"/>
-          <a:chExt cx="0" cy="0"/>
-        </a:xfrm>
-      </p:grpSpPr>
-      <p:sp>
-        <p:nvSpPr>
-          <p:cNvPr id="2" name="Title 1">
-            <a:extLst>
-              <a:ext uri="{FF2B5EF4-FFF2-40B4-BE49-F238E27FC236}">
-                <a16:creationId xmlns:a16="http://schemas.microsoft.com/office/drawing/2014/main" id="{9EBDC6FF-3E9B-5748-BA22-A6EB8D256838}"/>
-              </a:ext>
-            </a:extLst>
-          </p:cNvPr>
-          <p:cNvSpPr>
-            <a:spLocks noGrp="1"/>
-          </p:cNvSpPr>
-          <p:nvPr>
-            <p:ph type="title"/>
-          </p:nvPr>
-        </p:nvSpPr>
-        <p:spPr/>
-        <p:txBody>
-          <a:bodyPr/>
-          <a:lstStyle/>
-          <a:p>
-            <a:r>
-              <a:rPr lang="en-US" dirty="0"/>
-              <a:t>Requirements</a:t>
-            </a:r>
-          </a:p>
-        </p:txBody>
-      </p:sp>
-      <p:sp>
-        <p:nvSpPr>
-          <p:cNvPr id="3" name="Content Placeholder 2">
-            <a:extLst>
-              <a:ext uri="{FF2B5EF4-FFF2-40B4-BE49-F238E27FC236}">
-                <a16:creationId xmlns:a16="http://schemas.microsoft.com/office/drawing/2014/main" id="{F9E96AD3-8C89-E146-B359-D105E74652C1}"/>
-              </a:ext>
-            </a:extLst>
-          </p:cNvPr>
-          <p:cNvSpPr>
-            <a:spLocks noGrp="1"/>
-          </p:cNvSpPr>
-          <p:nvPr>
-            <p:ph idx="1"/>
-          </p:nvPr>
-        </p:nvSpPr>
-        <p:spPr/>
-        <p:txBody>
-          <a:bodyPr/>
-          <a:lstStyle/>
-          <a:p>
-            <a:r>
-              <a:rPr lang="en-US" dirty="0"/>
-              <a:t>Control </a:t>
-            </a:r>
-            <a:r>
-              <a:rPr lang="en-US" b="1" dirty="0"/>
-              <a:t>fd</a:t>
-            </a:r>
-            <a:r>
-              <a:rPr lang="en-US" dirty="0"/>
-              <a:t> pointer of </a:t>
-            </a:r>
-            <a:r>
-              <a:rPr lang="en-US" i="1" dirty="0"/>
-              <a:t>TCache</a:t>
-            </a:r>
-            <a:r>
-              <a:rPr lang="en-US" dirty="0"/>
-              <a:t> or</a:t>
-            </a:r>
-            <a:r>
-              <a:rPr lang="en-US" i="1" dirty="0"/>
-              <a:t> </a:t>
-            </a:r>
-            <a:r>
-              <a:rPr lang="en-US" i="1" dirty="0" err="1"/>
-              <a:t>Fastbin</a:t>
-            </a:r>
-            <a:r>
-              <a:rPr lang="en-US" i="1" dirty="0"/>
-              <a:t> </a:t>
-            </a:r>
-            <a:r>
-              <a:rPr lang="en-US" dirty="0"/>
-              <a:t>free chunk</a:t>
-            </a:r>
-          </a:p>
-          <a:p>
-            <a:r>
-              <a:rPr lang="en-US" dirty="0"/>
-              <a:t>Known locations to write (may require leak) </a:t>
-            </a:r>
-          </a:p>
-          <a:p>
-            <a:r>
-              <a:rPr lang="en-US" dirty="0"/>
-              <a:t>A call to </a:t>
-            </a:r>
-            <a:r>
-              <a:rPr lang="en-US" b="1" dirty="0"/>
-              <a:t>Malloc</a:t>
-            </a:r>
-            <a:r>
-              <a:rPr lang="en-US" dirty="0"/>
-              <a:t> to give the chunk to the user</a:t>
-            </a:r>
-            <a:endParaRPr lang="en-US" b="1" dirty="0"/>
-          </a:p>
-        </p:txBody>
-      </p:sp>
-    </p:spTree>
-    <p:extLst>
-      <p:ext uri="{BB962C8B-B14F-4D97-AF65-F5344CB8AC3E}">
-        <p14:creationId xmlns:p14="http://schemas.microsoft.com/office/powerpoint/2010/main" val="4077889794"/>
-      </p:ext>
-    </p:extLst>
-  </p:cSld>
-  <p:clrMapOvr>
-    <a:masterClrMapping/>
-  </p:clrMapOvr>
-</p:sld>
-</file>
-
-<file path=ppt/slides/slide18.xml><?xml version="1.0" encoding="utf-8"?>
-<p:sld xmlns:a="http://schemas.openxmlformats.org/drawingml/2006/main" xmlns:r="http://schemas.openxmlformats.org/officeDocument/2006/relationships" xmlns:p="http://schemas.openxmlformats.org/presentationml/2006/main">
-  <p:cSld>
-    <p:spTree>
-      <p:nvGrpSpPr>
-        <p:cNvPr id="1" name=""/>
-        <p:cNvGrpSpPr/>
-        <p:nvPr/>
-      </p:nvGrpSpPr>
-      <p:grpSpPr>
-        <a:xfrm>
-          <a:off x="0" y="0"/>
-          <a:ext cx="0" cy="0"/>
-          <a:chOff x="0" y="0"/>
-          <a:chExt cx="0" cy="0"/>
-        </a:xfrm>
-      </p:grpSpPr>
-      <p:sp>
-        <p:nvSpPr>
-          <p:cNvPr id="2" name="Title 1">
-            <a:extLst>
-              <a:ext uri="{FF2B5EF4-FFF2-40B4-BE49-F238E27FC236}">
-                <a16:creationId xmlns:a16="http://schemas.microsoft.com/office/drawing/2014/main" id="{74BDA9AB-E555-6843-BAC8-5E9271074C5D}"/>
-              </a:ext>
-            </a:extLst>
-          </p:cNvPr>
-          <p:cNvSpPr>
-            <a:spLocks noGrp="1"/>
-          </p:cNvSpPr>
-          <p:nvPr>
-            <p:ph type="title"/>
-          </p:nvPr>
-        </p:nvSpPr>
-        <p:spPr/>
-        <p:txBody>
-          <a:bodyPr/>
-          <a:lstStyle/>
-          <a:p>
-            <a:r>
-              <a:rPr lang="en-US" dirty="0"/>
-              <a:t>Drawbacks</a:t>
-            </a:r>
-          </a:p>
-        </p:txBody>
-      </p:sp>
-      <p:sp>
-        <p:nvSpPr>
-          <p:cNvPr id="3" name="Content Placeholder 2">
-            <a:extLst>
-              <a:ext uri="{FF2B5EF4-FFF2-40B4-BE49-F238E27FC236}">
-                <a16:creationId xmlns:a16="http://schemas.microsoft.com/office/drawing/2014/main" id="{A3B3E05F-4870-CD4C-A810-49BE2170DB6F}"/>
-              </a:ext>
-            </a:extLst>
-          </p:cNvPr>
-          <p:cNvSpPr>
-            <a:spLocks noGrp="1"/>
-          </p:cNvSpPr>
-          <p:nvPr>
-            <p:ph idx="1"/>
-          </p:nvPr>
-        </p:nvSpPr>
-        <p:spPr/>
-        <p:txBody>
-          <a:bodyPr/>
-          <a:lstStyle/>
-          <a:p>
-            <a:r>
-              <a:rPr lang="en-US" dirty="0"/>
-              <a:t>Mitigations in 2.32+ make this </a:t>
-            </a:r>
-            <a:r>
-              <a:rPr lang="en-US" b="1" dirty="0"/>
-              <a:t>significantly</a:t>
-            </a:r>
-            <a:r>
-              <a:rPr lang="en-US" dirty="0"/>
-              <a:t> harder to do</a:t>
-            </a:r>
-          </a:p>
-          <a:p>
-            <a:r>
-              <a:rPr lang="en-US" dirty="0"/>
-              <a:t>Requires some good control over allocation sizes and the amount of allocations</a:t>
-            </a:r>
-          </a:p>
-          <a:p>
-            <a:endParaRPr lang="en-US" dirty="0"/>
-          </a:p>
-        </p:txBody>
-      </p:sp>
-    </p:spTree>
-    <p:extLst>
-      <p:ext uri="{BB962C8B-B14F-4D97-AF65-F5344CB8AC3E}">
-        <p14:creationId xmlns:p14="http://schemas.microsoft.com/office/powerpoint/2010/main" val="261838232"/>
-      </p:ext>
-    </p:extLst>
-  </p:cSld>
-  <p:clrMapOvr>
-    <a:masterClrMapping/>
-  </p:clrMapOvr>
-</p:sld>
-</file>
-
 <file path=ppt/slides/slide19.xml><?xml version="1.0" encoding="utf-8"?>
-<p:sld xmlns:a="http://schemas.openxmlformats.org/drawingml/2006/main" xmlns:r="http://schemas.openxmlformats.org/officeDocument/2006/relationships" xmlns:p="http://schemas.openxmlformats.org/presentationml/2006/main">
+<p:sld xmlns:a="http://schemas.openxmlformats.org/drawingml/2006/main" xmlns:r="http://schemas.openxmlformats.org/officeDocument/2006/relationships" xmlns:p="http://schemas.openxmlformats.org/presentationml/2006/main" show="0">
   <p:cSld>
     <p:spTree>
       <p:nvGrpSpPr>
@@ -39095,21 +39107,6 @@
           <a:p>
             <a:r>
               <a:rPr lang="en-US" dirty="0"/>
-              <a:t>TCache/</a:t>
-            </a:r>
-            <a:r>
-              <a:rPr lang="en-US" dirty="0" err="1"/>
-              <a:t>Fastbin</a:t>
-            </a:r>
-            <a:r>
-              <a:rPr lang="en-US" dirty="0"/>
-              <a:t> </a:t>
-            </a:r>
-            <a:br>
-              <a:rPr lang="en-US" dirty="0"/>
-            </a:br>
-            <a:r>
-              <a:rPr lang="en-US" dirty="0"/>
               <a:t>Fd Poisoning</a:t>
             </a:r>
           </a:p>
@@ -39157,7 +39154,7 @@
 </file>
 
 <file path=ppt/slides/slide20.xml><?xml version="1.0" encoding="utf-8"?>
-<p:sld xmlns:a="http://schemas.openxmlformats.org/drawingml/2006/main" xmlns:r="http://schemas.openxmlformats.org/officeDocument/2006/relationships" xmlns:p="http://schemas.openxmlformats.org/presentationml/2006/main">
+<p:sld xmlns:a="http://schemas.openxmlformats.org/drawingml/2006/main" xmlns:r="http://schemas.openxmlformats.org/officeDocument/2006/relationships" xmlns:p="http://schemas.openxmlformats.org/presentationml/2006/main" show="0">
   <p:cSld>
     <p:spTree>
       <p:nvGrpSpPr>
@@ -39920,6 +39917,197 @@
       </p:grpSpPr>
       <p:sp>
         <p:nvSpPr>
+          <p:cNvPr id="2" name="Title 1">
+            <a:extLst>
+              <a:ext uri="{FF2B5EF4-FFF2-40B4-BE49-F238E27FC236}">
+                <a16:creationId xmlns:a16="http://schemas.microsoft.com/office/drawing/2014/main" id="{BDE2AD65-DD29-4842-AAF6-380C9DBBD792}"/>
+              </a:ext>
+            </a:extLst>
+          </p:cNvPr>
+          <p:cNvSpPr>
+            <a:spLocks noGrp="1"/>
+          </p:cNvSpPr>
+          <p:nvPr>
+            <p:ph type="title"/>
+          </p:nvPr>
+        </p:nvSpPr>
+        <p:spPr/>
+        <p:txBody>
+          <a:bodyPr/>
+          <a:lstStyle/>
+          <a:p>
+            <a:r>
+              <a:rPr lang="en-US" dirty="0"/>
+              <a:t>Vulnerability</a:t>
+            </a:r>
+          </a:p>
+        </p:txBody>
+      </p:sp>
+      <p:sp>
+        <p:nvSpPr>
+          <p:cNvPr id="3" name="Content Placeholder 2">
+            <a:extLst>
+              <a:ext uri="{FF2B5EF4-FFF2-40B4-BE49-F238E27FC236}">
+                <a16:creationId xmlns:a16="http://schemas.microsoft.com/office/drawing/2014/main" id="{950850E9-BECB-E54C-84DB-CA401A9EFDFD}"/>
+              </a:ext>
+            </a:extLst>
+          </p:cNvPr>
+          <p:cNvSpPr>
+            <a:spLocks noGrp="1"/>
+          </p:cNvSpPr>
+          <p:nvPr>
+            <p:ph idx="1"/>
+          </p:nvPr>
+        </p:nvSpPr>
+        <p:spPr>
+          <a:xfrm>
+            <a:off x="628650" y="1236541"/>
+            <a:ext cx="5430627" cy="3263504"/>
+          </a:xfrm>
+        </p:spPr>
+        <p:txBody>
+          <a:bodyPr/>
+          <a:lstStyle/>
+          <a:p>
+            <a:r>
+              <a:rPr lang="en-US" dirty="0"/>
+              <a:t>Use after free on </a:t>
+            </a:r>
+            <a:r>
+              <a:rPr lang="en-US" b="1" i="1" dirty="0"/>
+              <a:t>data</a:t>
+            </a:r>
+          </a:p>
+          <a:p>
+            <a:r>
+              <a:rPr lang="en-US" dirty="0"/>
+              <a:t>Allows for editing of</a:t>
+            </a:r>
+            <a:br>
+              <a:rPr lang="en-US" dirty="0"/>
+            </a:br>
+            <a:r>
+              <a:rPr lang="en-US" dirty="0"/>
+              <a:t>a free chunks </a:t>
+            </a:r>
+            <a:r>
+              <a:rPr lang="en-US" b="1" i="1" dirty="0"/>
+              <a:t>fd</a:t>
+            </a:r>
+            <a:r>
+              <a:rPr lang="en-US" dirty="0"/>
+              <a:t> pointer</a:t>
+            </a:r>
+          </a:p>
+          <a:p>
+            <a:pPr lvl="1"/>
+            <a:r>
+              <a:rPr lang="en-US" dirty="0"/>
+              <a:t>Control all fields after the </a:t>
+            </a:r>
+            <a:r>
+              <a:rPr lang="en-US" i="1" dirty="0"/>
+              <a:t>memory</a:t>
+            </a:r>
+            <a:r>
+              <a:rPr lang="en-US" dirty="0"/>
+              <a:t> in the diagram</a:t>
+            </a:r>
+          </a:p>
+        </p:txBody>
+      </p:sp>
+      <p:pic>
+        <p:nvPicPr>
+          <p:cNvPr id="5" name="Picture 4" descr="Use after free on data">
+            <a:extLst>
+              <a:ext uri="{FF2B5EF4-FFF2-40B4-BE49-F238E27FC236}">
+                <a16:creationId xmlns:a16="http://schemas.microsoft.com/office/drawing/2014/main" id="{251B79A6-34E2-644F-9C3B-D4E8F73DA865}"/>
+              </a:ext>
+            </a:extLst>
+          </p:cNvPr>
+          <p:cNvPicPr>
+            <a:picLocks noChangeAspect="1"/>
+          </p:cNvPicPr>
+          <p:nvPr/>
+        </p:nvPicPr>
+        <p:blipFill>
+          <a:blip r:embed="rId2"/>
+          <a:stretch>
+            <a:fillRect/>
+          </a:stretch>
+        </p:blipFill>
+        <p:spPr>
+          <a:xfrm>
+            <a:off x="3935098" y="770933"/>
+            <a:ext cx="4744519" cy="1193985"/>
+          </a:xfrm>
+          <a:prstGeom prst="rect">
+            <a:avLst/>
+          </a:prstGeom>
+        </p:spPr>
+      </p:pic>
+      <p:pic>
+        <p:nvPicPr>
+          <p:cNvPr id="6" name="Picture 5" descr="TCache Chunk">
+            <a:extLst>
+              <a:ext uri="{FF2B5EF4-FFF2-40B4-BE49-F238E27FC236}">
+                <a16:creationId xmlns:a16="http://schemas.microsoft.com/office/drawing/2014/main" id="{8E6AF62F-C19D-9341-8F6D-D88EF3FB60A3}"/>
+              </a:ext>
+            </a:extLst>
+          </p:cNvPr>
+          <p:cNvPicPr>
+            <a:picLocks noChangeAspect="1"/>
+          </p:cNvPicPr>
+          <p:nvPr/>
+        </p:nvPicPr>
+        <p:blipFill>
+          <a:blip r:embed="rId3"/>
+          <a:stretch>
+            <a:fillRect/>
+          </a:stretch>
+        </p:blipFill>
+        <p:spPr>
+          <a:xfrm>
+            <a:off x="6514568" y="2307400"/>
+            <a:ext cx="1857563" cy="1742365"/>
+          </a:xfrm>
+          <a:prstGeom prst="rect">
+            <a:avLst/>
+          </a:prstGeom>
+        </p:spPr>
+      </p:pic>
+    </p:spTree>
+    <p:extLst>
+      <p:ext uri="{BB962C8B-B14F-4D97-AF65-F5344CB8AC3E}">
+        <p14:creationId xmlns:p14="http://schemas.microsoft.com/office/powerpoint/2010/main" val="3846356108"/>
+      </p:ext>
+    </p:extLst>
+  </p:cSld>
+  <p:clrMapOvr>
+    <a:masterClrMapping/>
+  </p:clrMapOvr>
+</p:sld>
+</file>
+
+<file path=ppt/slides/slide25.xml><?xml version="1.0" encoding="utf-8"?>
+<p:sld xmlns:a="http://schemas.openxmlformats.org/drawingml/2006/main" xmlns:r="http://schemas.openxmlformats.org/officeDocument/2006/relationships" xmlns:p="http://schemas.openxmlformats.org/presentationml/2006/main">
+  <p:cSld>
+    <p:spTree>
+      <p:nvGrpSpPr>
+        <p:cNvPr id="1" name=""/>
+        <p:cNvGrpSpPr/>
+        <p:nvPr/>
+      </p:nvGrpSpPr>
+      <p:grpSpPr>
+        <a:xfrm>
+          <a:off x="0" y="0"/>
+          <a:ext cx="0" cy="0"/>
+          <a:chOff x="0" y="0"/>
+          <a:chExt cx="0" cy="0"/>
+        </a:xfrm>
+      </p:grpSpPr>
+      <p:sp>
+        <p:nvSpPr>
           <p:cNvPr id="10" name="Title 1">
             <a:extLst>
               <a:ext uri="{FF2B5EF4-FFF2-40B4-BE49-F238E27FC236}">
@@ -40040,7 +40228,7 @@
 </p:sld>
 </file>
 
-<file path=ppt/slides/slide25.xml><?xml version="1.0" encoding="utf-8"?>
+<file path=ppt/slides/slide26.xml><?xml version="1.0" encoding="utf-8"?>
 <p:sld xmlns:a="http://schemas.openxmlformats.org/drawingml/2006/main" xmlns:r="http://schemas.openxmlformats.org/officeDocument/2006/relationships" xmlns:p="http://schemas.openxmlformats.org/presentationml/2006/main">
   <p:cSld>
     <p:spTree>
@@ -40194,7 +40382,7 @@
 </p:sld>
 </file>
 
-<file path=ppt/slides/slide26.xml><?xml version="1.0" encoding="utf-8"?>
+<file path=ppt/slides/slide27.xml><?xml version="1.0" encoding="utf-8"?>
 <p:sld xmlns:a="http://schemas.openxmlformats.org/drawingml/2006/main" xmlns:r="http://schemas.openxmlformats.org/officeDocument/2006/relationships" xmlns:p="http://schemas.openxmlformats.org/presentationml/2006/main">
   <p:cSld>
     <p:spTree>
@@ -40328,6 +40516,36 @@
           </a:p>
         </p:txBody>
       </p:sp>
+      <p:pic>
+        <p:nvPicPr>
+          <p:cNvPr id="6" name="Picture 5" descr="Allocate the filler chunk in fd poision attack">
+            <a:extLst>
+              <a:ext uri="{FF2B5EF4-FFF2-40B4-BE49-F238E27FC236}">
+                <a16:creationId xmlns:a16="http://schemas.microsoft.com/office/drawing/2014/main" id="{0EB44BCF-5F29-F042-B9AE-4B6EDBEF6A20}"/>
+              </a:ext>
+            </a:extLst>
+          </p:cNvPr>
+          <p:cNvPicPr>
+            <a:picLocks noChangeAspect="1"/>
+          </p:cNvPicPr>
+          <p:nvPr/>
+        </p:nvPicPr>
+        <p:blipFill>
+          <a:blip r:embed="rId3"/>
+          <a:stretch>
+            <a:fillRect/>
+          </a:stretch>
+        </p:blipFill>
+        <p:spPr>
+          <a:xfrm>
+            <a:off x="4053288" y="3231232"/>
+            <a:ext cx="4035551" cy="856026"/>
+          </a:xfrm>
+          <a:prstGeom prst="rect">
+            <a:avLst/>
+          </a:prstGeom>
+        </p:spPr>
+      </p:pic>
     </p:spTree>
     <p:extLst>
       <p:ext uri="{BB962C8B-B14F-4D97-AF65-F5344CB8AC3E}">
@@ -40341,7 +40559,7 @@
 </p:sld>
 </file>
 
-<file path=ppt/slides/slide27.xml><?xml version="1.0" encoding="utf-8"?>
+<file path=ppt/slides/slide28.xml><?xml version="1.0" encoding="utf-8"?>
 <p:sld xmlns:a="http://schemas.openxmlformats.org/drawingml/2006/main" xmlns:r="http://schemas.openxmlformats.org/officeDocument/2006/relationships" xmlns:p="http://schemas.openxmlformats.org/presentationml/2006/main">
   <p:cSld>
     <p:spTree>
@@ -40466,6 +40684,36 @@
           </a:p>
         </p:txBody>
       </p:sp>
+      <p:pic>
+        <p:nvPicPr>
+          <p:cNvPr id="4" name="Picture 3" descr="Allocate the chunk and overwrite the data inside ofit">
+            <a:extLst>
+              <a:ext uri="{FF2B5EF4-FFF2-40B4-BE49-F238E27FC236}">
+                <a16:creationId xmlns:a16="http://schemas.microsoft.com/office/drawing/2014/main" id="{D857E359-E74E-B544-840A-85464DF8761C}"/>
+              </a:ext>
+            </a:extLst>
+          </p:cNvPr>
+          <p:cNvPicPr>
+            <a:picLocks noChangeAspect="1"/>
+          </p:cNvPicPr>
+          <p:nvPr/>
+        </p:nvPicPr>
+        <p:blipFill>
+          <a:blip r:embed="rId3"/>
+          <a:stretch>
+            <a:fillRect/>
+          </a:stretch>
+        </p:blipFill>
+        <p:spPr>
+          <a:xfrm>
+            <a:off x="4895390" y="2626320"/>
+            <a:ext cx="4085551" cy="1516022"/>
+          </a:xfrm>
+          <a:prstGeom prst="rect">
+            <a:avLst/>
+          </a:prstGeom>
+        </p:spPr>
+      </p:pic>
     </p:spTree>
     <p:extLst>
       <p:ext uri="{BB962C8B-B14F-4D97-AF65-F5344CB8AC3E}">
@@ -40479,7 +40727,7 @@
 </p:sld>
 </file>
 
-<file path=ppt/slides/slide28.xml><?xml version="1.0" encoding="utf-8"?>
+<file path=ppt/slides/slide29.xml><?xml version="1.0" encoding="utf-8"?>
 <p:sld xmlns:a="http://schemas.openxmlformats.org/drawingml/2006/main" xmlns:r="http://schemas.openxmlformats.org/officeDocument/2006/relationships" xmlns:p="http://schemas.openxmlformats.org/presentationml/2006/main" show="0">
   <p:cSld>
     <p:spTree>
@@ -40610,115 +40858,6 @@
     <p:extLst>
       <p:ext uri="{BB962C8B-B14F-4D97-AF65-F5344CB8AC3E}">
         <p14:creationId xmlns:p14="http://schemas.microsoft.com/office/powerpoint/2010/main" val="2783967685"/>
-      </p:ext>
-    </p:extLst>
-  </p:cSld>
-  <p:clrMapOvr>
-    <a:masterClrMapping/>
-  </p:clrMapOvr>
-</p:sld>
-</file>
-
-<file path=ppt/slides/slide29.xml><?xml version="1.0" encoding="utf-8"?>
-<p:sld xmlns:a="http://schemas.openxmlformats.org/drawingml/2006/main" xmlns:r="http://schemas.openxmlformats.org/officeDocument/2006/relationships" xmlns:p="http://schemas.openxmlformats.org/presentationml/2006/main" show="0">
-  <p:cSld>
-    <p:spTree>
-      <p:nvGrpSpPr>
-        <p:cNvPr id="1" name=""/>
-        <p:cNvGrpSpPr/>
-        <p:nvPr/>
-      </p:nvGrpSpPr>
-      <p:grpSpPr>
-        <a:xfrm>
-          <a:off x="0" y="0"/>
-          <a:ext cx="0" cy="0"/>
-          <a:chOff x="0" y="0"/>
-          <a:chExt cx="0" cy="0"/>
-        </a:xfrm>
-      </p:grpSpPr>
-      <p:sp>
-        <p:nvSpPr>
-          <p:cNvPr id="2" name="Title 1">
-            <a:extLst>
-              <a:ext uri="{FF2B5EF4-FFF2-40B4-BE49-F238E27FC236}">
-                <a16:creationId xmlns:a16="http://schemas.microsoft.com/office/drawing/2014/main" id="{49C5C544-7A79-4948-930E-3F325F194F9A}"/>
-              </a:ext>
-            </a:extLst>
-          </p:cNvPr>
-          <p:cNvSpPr>
-            <a:spLocks noGrp="1"/>
-          </p:cNvSpPr>
-          <p:nvPr>
-            <p:ph type="title"/>
-          </p:nvPr>
-        </p:nvSpPr>
-        <p:spPr/>
-        <p:txBody>
-          <a:bodyPr/>
-          <a:lstStyle/>
-          <a:p>
-            <a:r>
-              <a:rPr lang="en-US" dirty="0" err="1"/>
-              <a:t>Pwntools</a:t>
-            </a:r>
-            <a:r>
-              <a:rPr lang="en-US" dirty="0"/>
-              <a:t> (Packing)</a:t>
-            </a:r>
-          </a:p>
-        </p:txBody>
-      </p:sp>
-      <p:sp>
-        <p:nvSpPr>
-          <p:cNvPr id="3" name="Content Placeholder 2">
-            <a:extLst>
-              <a:ext uri="{FF2B5EF4-FFF2-40B4-BE49-F238E27FC236}">
-                <a16:creationId xmlns:a16="http://schemas.microsoft.com/office/drawing/2014/main" id="{6A51F9B0-6FAF-4541-BAD3-E3AA65ECBF2B}"/>
-              </a:ext>
-            </a:extLst>
-          </p:cNvPr>
-          <p:cNvSpPr>
-            <a:spLocks noGrp="1"/>
-          </p:cNvSpPr>
-          <p:nvPr>
-            <p:ph idx="1"/>
-          </p:nvPr>
-        </p:nvSpPr>
-        <p:spPr/>
-        <p:txBody>
-          <a:bodyPr/>
-          <a:lstStyle/>
-          <a:p>
-            <a:r>
-              <a:rPr lang="en-US" dirty="0"/>
-              <a:t>p64(address): </a:t>
-            </a:r>
-          </a:p>
-          <a:p>
-            <a:pPr lvl="1"/>
-            <a:r>
-              <a:rPr lang="en-US" dirty="0"/>
-              <a:t>Will put ‘expected’ value into memory</a:t>
-            </a:r>
-          </a:p>
-          <a:p>
-            <a:r>
-              <a:rPr lang="en-US" dirty="0"/>
-              <a:t>Changes the endianness (little vs. big) </a:t>
-            </a:r>
-          </a:p>
-          <a:p>
-            <a:r>
-              <a:rPr lang="en-US" dirty="0"/>
-              <a:t>Turns into ‘bytes’</a:t>
-            </a:r>
-          </a:p>
-        </p:txBody>
-      </p:sp>
-    </p:spTree>
-    <p:extLst>
-      <p:ext uri="{BB962C8B-B14F-4D97-AF65-F5344CB8AC3E}">
-        <p14:creationId xmlns:p14="http://schemas.microsoft.com/office/powerpoint/2010/main" val="134052906"/>
       </p:ext>
     </p:extLst>
   </p:cSld>
@@ -40861,6 +41000,115 @@
           <p:cNvPr id="2" name="Title 1">
             <a:extLst>
               <a:ext uri="{FF2B5EF4-FFF2-40B4-BE49-F238E27FC236}">
+                <a16:creationId xmlns:a16="http://schemas.microsoft.com/office/drawing/2014/main" id="{49C5C544-7A79-4948-930E-3F325F194F9A}"/>
+              </a:ext>
+            </a:extLst>
+          </p:cNvPr>
+          <p:cNvSpPr>
+            <a:spLocks noGrp="1"/>
+          </p:cNvSpPr>
+          <p:nvPr>
+            <p:ph type="title"/>
+          </p:nvPr>
+        </p:nvSpPr>
+        <p:spPr/>
+        <p:txBody>
+          <a:bodyPr/>
+          <a:lstStyle/>
+          <a:p>
+            <a:r>
+              <a:rPr lang="en-US" dirty="0" err="1"/>
+              <a:t>Pwntools</a:t>
+            </a:r>
+            <a:r>
+              <a:rPr lang="en-US" dirty="0"/>
+              <a:t> (Packing)</a:t>
+            </a:r>
+          </a:p>
+        </p:txBody>
+      </p:sp>
+      <p:sp>
+        <p:nvSpPr>
+          <p:cNvPr id="3" name="Content Placeholder 2">
+            <a:extLst>
+              <a:ext uri="{FF2B5EF4-FFF2-40B4-BE49-F238E27FC236}">
+                <a16:creationId xmlns:a16="http://schemas.microsoft.com/office/drawing/2014/main" id="{6A51F9B0-6FAF-4541-BAD3-E3AA65ECBF2B}"/>
+              </a:ext>
+            </a:extLst>
+          </p:cNvPr>
+          <p:cNvSpPr>
+            <a:spLocks noGrp="1"/>
+          </p:cNvSpPr>
+          <p:nvPr>
+            <p:ph idx="1"/>
+          </p:nvPr>
+        </p:nvSpPr>
+        <p:spPr/>
+        <p:txBody>
+          <a:bodyPr/>
+          <a:lstStyle/>
+          <a:p>
+            <a:r>
+              <a:rPr lang="en-US" dirty="0"/>
+              <a:t>p64(address): </a:t>
+            </a:r>
+          </a:p>
+          <a:p>
+            <a:pPr lvl="1"/>
+            <a:r>
+              <a:rPr lang="en-US" dirty="0"/>
+              <a:t>Will put ‘expected’ value into memory</a:t>
+            </a:r>
+          </a:p>
+          <a:p>
+            <a:r>
+              <a:rPr lang="en-US" dirty="0"/>
+              <a:t>Changes the endianness (little vs. big) </a:t>
+            </a:r>
+          </a:p>
+          <a:p>
+            <a:r>
+              <a:rPr lang="en-US" dirty="0"/>
+              <a:t>Turns into ‘bytes’</a:t>
+            </a:r>
+          </a:p>
+        </p:txBody>
+      </p:sp>
+    </p:spTree>
+    <p:extLst>
+      <p:ext uri="{BB962C8B-B14F-4D97-AF65-F5344CB8AC3E}">
+        <p14:creationId xmlns:p14="http://schemas.microsoft.com/office/powerpoint/2010/main" val="134052906"/>
+      </p:ext>
+    </p:extLst>
+  </p:cSld>
+  <p:clrMapOvr>
+    <a:masterClrMapping/>
+  </p:clrMapOvr>
+</p:sld>
+</file>
+
+<file path=ppt/slides/slide31.xml><?xml version="1.0" encoding="utf-8"?>
+<p:sld xmlns:a="http://schemas.openxmlformats.org/drawingml/2006/main" xmlns:r="http://schemas.openxmlformats.org/officeDocument/2006/relationships" xmlns:p="http://schemas.openxmlformats.org/presentationml/2006/main" show="0">
+  <p:cSld>
+    <p:spTree>
+      <p:nvGrpSpPr>
+        <p:cNvPr id="1" name=""/>
+        <p:cNvGrpSpPr/>
+        <p:nvPr/>
+      </p:nvGrpSpPr>
+      <p:grpSpPr>
+        <a:xfrm>
+          <a:off x="0" y="0"/>
+          <a:ext cx="0" cy="0"/>
+          <a:chOff x="0" y="0"/>
+          <a:chExt cx="0" cy="0"/>
+        </a:xfrm>
+      </p:grpSpPr>
+      <p:sp>
+        <p:nvSpPr>
+          <p:cNvPr id="2" name="Title 1">
+            <a:extLst>
+              <a:ext uri="{FF2B5EF4-FFF2-40B4-BE49-F238E27FC236}">
                 <a16:creationId xmlns:a16="http://schemas.microsoft.com/office/drawing/2014/main" id="{68FA92F8-C0D3-1D4E-AFA2-374BCB48A24F}"/>
               </a:ext>
             </a:extLst>
@@ -40935,7 +41183,7 @@
 </p:sld>
 </file>
 
-<file path=ppt/slides/slide31.xml><?xml version="1.0" encoding="utf-8"?>
+<file path=ppt/slides/slide32.xml><?xml version="1.0" encoding="utf-8"?>
 <p:sld xmlns:a="http://schemas.openxmlformats.org/drawingml/2006/main" xmlns:r="http://schemas.openxmlformats.org/officeDocument/2006/relationships" xmlns:p="http://schemas.openxmlformats.org/presentationml/2006/main" show="0">
   <p:cSld>
     <p:spTree>
@@ -41031,7 +41279,7 @@
 </p:sld>
 </file>
 
-<file path=ppt/slides/slide32.xml><?xml version="1.0" encoding="utf-8"?>
+<file path=ppt/slides/slide33.xml><?xml version="1.0" encoding="utf-8"?>
 <p:sld xmlns:a="http://schemas.openxmlformats.org/drawingml/2006/main" xmlns:r="http://schemas.openxmlformats.org/officeDocument/2006/relationships" xmlns:p="http://schemas.openxmlformats.org/presentationml/2006/main" show="0">
   <p:cSld>
     <p:spTree>
@@ -41179,7 +41427,7 @@
 </p:sld>
 </file>
 
-<file path=ppt/slides/slide33.xml><?xml version="1.0" encoding="utf-8"?>
+<file path=ppt/slides/slide34.xml><?xml version="1.0" encoding="utf-8"?>
 <p:sld xmlns:a="http://schemas.openxmlformats.org/drawingml/2006/main" xmlns:r="http://schemas.openxmlformats.org/officeDocument/2006/relationships" xmlns:p="http://schemas.openxmlformats.org/presentationml/2006/main" show="0">
   <p:cSld>
     <p:spTree>
@@ -41380,7 +41628,7 @@
 </p:sld>
 </file>
 
-<file path=ppt/slides/slide34.xml><?xml version="1.0" encoding="utf-8"?>
+<file path=ppt/slides/slide35.xml><?xml version="1.0" encoding="utf-8"?>
 <p:sld xmlns:a="http://schemas.openxmlformats.org/drawingml/2006/main" xmlns:r="http://schemas.openxmlformats.org/officeDocument/2006/relationships" xmlns:p="http://schemas.openxmlformats.org/presentationml/2006/main" show="0">
   <p:cSld>
     <p:spTree>
@@ -41571,7 +41819,7 @@
 </p:sld>
 </file>
 
-<file path=ppt/slides/slide35.xml><?xml version="1.0" encoding="utf-8"?>
+<file path=ppt/slides/slide36.xml><?xml version="1.0" encoding="utf-8"?>
 <p:sld xmlns:a="http://schemas.openxmlformats.org/drawingml/2006/main" xmlns:r="http://schemas.openxmlformats.org/officeDocument/2006/relationships" xmlns:p="http://schemas.openxmlformats.org/presentationml/2006/main" show="0">
   <p:cSld>
     <p:spTree>
@@ -41937,7 +42185,7 @@
 </p:sld>
 </file>
 
-<file path=ppt/slides/slide36.xml><?xml version="1.0" encoding="utf-8"?>
+<file path=ppt/slides/slide37.xml><?xml version="1.0" encoding="utf-8"?>
 <p:sld xmlns:a="http://schemas.openxmlformats.org/drawingml/2006/main" xmlns:r="http://schemas.openxmlformats.org/officeDocument/2006/relationships" xmlns:p="http://schemas.openxmlformats.org/presentationml/2006/main" show="0">
   <p:cSld>
     <p:spTree>
@@ -42239,7 +42487,7 @@
 </p:sld>
 </file>
 
-<file path=ppt/slides/slide37.xml><?xml version="1.0" encoding="utf-8"?>
+<file path=ppt/slides/slide38.xml><?xml version="1.0" encoding="utf-8"?>
 <p:sld xmlns:a="http://schemas.openxmlformats.org/drawingml/2006/main" xmlns:r="http://schemas.openxmlformats.org/officeDocument/2006/relationships" xmlns:p="http://schemas.openxmlformats.org/presentationml/2006/main" show="0">
   <p:cSld>
     <p:spTree>
@@ -42545,7 +42793,7 @@
 </p:sld>
 </file>
 
-<file path=ppt/slides/slide38.xml><?xml version="1.0" encoding="utf-8"?>
+<file path=ppt/slides/slide39.xml><?xml version="1.0" encoding="utf-8"?>
 <p:sld xmlns:a="http://schemas.openxmlformats.org/drawingml/2006/main" xmlns:r="http://schemas.openxmlformats.org/officeDocument/2006/relationships" xmlns:p="http://schemas.openxmlformats.org/presentationml/2006/main" show="0">
   <p:cSld>
     <p:spTree>
@@ -42731,7 +42979,136 @@
 </p:sld>
 </file>
 
-<file path=ppt/slides/slide39.xml><?xml version="1.0" encoding="utf-8"?>
+<file path=ppt/slides/slide4.xml><?xml version="1.0" encoding="utf-8"?>
+<p:sld xmlns:a="http://schemas.openxmlformats.org/drawingml/2006/main" xmlns:r="http://schemas.openxmlformats.org/officeDocument/2006/relationships" xmlns:p="http://schemas.openxmlformats.org/presentationml/2006/main">
+  <p:cSld>
+    <p:spTree>
+      <p:nvGrpSpPr>
+        <p:cNvPr id="1" name=""/>
+        <p:cNvGrpSpPr/>
+        <p:nvPr/>
+      </p:nvGrpSpPr>
+      <p:grpSpPr>
+        <a:xfrm>
+          <a:off x="0" y="0"/>
+          <a:ext cx="0" cy="0"/>
+          <a:chOff x="0" y="0"/>
+          <a:chExt cx="0" cy="0"/>
+        </a:xfrm>
+      </p:grpSpPr>
+      <p:sp>
+        <p:nvSpPr>
+          <p:cNvPr id="2" name="Title 1">
+            <a:extLst>
+              <a:ext uri="{FF2B5EF4-FFF2-40B4-BE49-F238E27FC236}">
+                <a16:creationId xmlns:a16="http://schemas.microsoft.com/office/drawing/2014/main" id="{D3226B31-8E27-9B42-BD86-BB21545EE327}"/>
+              </a:ext>
+            </a:extLst>
+          </p:cNvPr>
+          <p:cNvSpPr>
+            <a:spLocks noGrp="1"/>
+          </p:cNvSpPr>
+          <p:nvPr>
+            <p:ph type="title"/>
+          </p:nvPr>
+        </p:nvSpPr>
+        <p:spPr/>
+        <p:txBody>
+          <a:bodyPr/>
+          <a:lstStyle/>
+          <a:p>
+            <a:r>
+              <a:rPr lang="en-US" dirty="0"/>
+              <a:t>Three Sections</a:t>
+            </a:r>
+          </a:p>
+        </p:txBody>
+      </p:sp>
+      <p:sp>
+        <p:nvSpPr>
+          <p:cNvPr id="3" name="Content Placeholder 2">
+            <a:extLst>
+              <a:ext uri="{FF2B5EF4-FFF2-40B4-BE49-F238E27FC236}">
+                <a16:creationId xmlns:a16="http://schemas.microsoft.com/office/drawing/2014/main" id="{74482978-8512-934C-89F9-3C551896ECDF}"/>
+              </a:ext>
+            </a:extLst>
+          </p:cNvPr>
+          <p:cNvSpPr>
+            <a:spLocks noGrp="1"/>
+          </p:cNvSpPr>
+          <p:nvPr>
+            <p:ph idx="1"/>
+          </p:nvPr>
+        </p:nvSpPr>
+        <p:spPr/>
+        <p:txBody>
+          <a:bodyPr/>
+          <a:lstStyle/>
+          <a:p>
+            <a:r>
+              <a:rPr lang="en-US" b="1" dirty="0"/>
+              <a:t>TCache (No Validations) </a:t>
+            </a:r>
+            <a:r>
+              <a:rPr lang="en-US" b="1" dirty="0">
+                <a:sym typeface="Wingdings" pitchFamily="2" charset="2"/>
+              </a:rPr>
+              <a:t> </a:t>
+            </a:r>
+            <a:r>
+              <a:rPr lang="en-US" dirty="0">
+                <a:sym typeface="Wingdings" pitchFamily="2" charset="2"/>
+              </a:rPr>
+              <a:t>Right now</a:t>
+            </a:r>
+            <a:endParaRPr lang="en-US" dirty="0"/>
+          </a:p>
+          <a:p>
+            <a:r>
+              <a:rPr lang="en-US" dirty="0" err="1"/>
+              <a:t>Fastbin</a:t>
+            </a:r>
+            <a:r>
+              <a:rPr lang="en-US" dirty="0"/>
+              <a:t> (Very few Validations) </a:t>
+            </a:r>
+          </a:p>
+          <a:p>
+            <a:r>
+              <a:rPr lang="en-US" dirty="0"/>
+              <a:t>2.32+</a:t>
+            </a:r>
+          </a:p>
+          <a:p>
+            <a:pPr lvl="1"/>
+            <a:r>
+              <a:rPr lang="en-US" dirty="0"/>
+              <a:t>Pointer Mangling (later) </a:t>
+            </a:r>
+          </a:p>
+          <a:p>
+            <a:pPr lvl="1"/>
+            <a:r>
+              <a:rPr lang="en-US" dirty="0"/>
+              <a:t>Chunk alignment</a:t>
+            </a:r>
+          </a:p>
+        </p:txBody>
+      </p:sp>
+    </p:spTree>
+    <p:extLst>
+      <p:ext uri="{BB962C8B-B14F-4D97-AF65-F5344CB8AC3E}">
+        <p14:creationId xmlns:p14="http://schemas.microsoft.com/office/powerpoint/2010/main" val="1887160673"/>
+      </p:ext>
+    </p:extLst>
+  </p:cSld>
+  <p:clrMapOvr>
+    <a:masterClrMapping/>
+  </p:clrMapOvr>
+</p:sld>
+</file>
+
+<file path=ppt/slides/slide40.xml><?xml version="1.0" encoding="utf-8"?>
 <p:sld xmlns:a="http://schemas.openxmlformats.org/drawingml/2006/main" xmlns:r="http://schemas.openxmlformats.org/officeDocument/2006/relationships" xmlns:p="http://schemas.openxmlformats.org/presentationml/2006/main" show="0">
   <p:cSld>
     <p:spTree>
@@ -42827,136 +43204,7 @@
 </p:sld>
 </file>
 
-<file path=ppt/slides/slide4.xml><?xml version="1.0" encoding="utf-8"?>
-<p:sld xmlns:a="http://schemas.openxmlformats.org/drawingml/2006/main" xmlns:r="http://schemas.openxmlformats.org/officeDocument/2006/relationships" xmlns:p="http://schemas.openxmlformats.org/presentationml/2006/main">
-  <p:cSld>
-    <p:spTree>
-      <p:nvGrpSpPr>
-        <p:cNvPr id="1" name=""/>
-        <p:cNvGrpSpPr/>
-        <p:nvPr/>
-      </p:nvGrpSpPr>
-      <p:grpSpPr>
-        <a:xfrm>
-          <a:off x="0" y="0"/>
-          <a:ext cx="0" cy="0"/>
-          <a:chOff x="0" y="0"/>
-          <a:chExt cx="0" cy="0"/>
-        </a:xfrm>
-      </p:grpSpPr>
-      <p:sp>
-        <p:nvSpPr>
-          <p:cNvPr id="2" name="Title 1">
-            <a:extLst>
-              <a:ext uri="{FF2B5EF4-FFF2-40B4-BE49-F238E27FC236}">
-                <a16:creationId xmlns:a16="http://schemas.microsoft.com/office/drawing/2014/main" id="{D3226B31-8E27-9B42-BD86-BB21545EE327}"/>
-              </a:ext>
-            </a:extLst>
-          </p:cNvPr>
-          <p:cNvSpPr>
-            <a:spLocks noGrp="1"/>
-          </p:cNvSpPr>
-          <p:nvPr>
-            <p:ph type="title"/>
-          </p:nvPr>
-        </p:nvSpPr>
-        <p:spPr/>
-        <p:txBody>
-          <a:bodyPr/>
-          <a:lstStyle/>
-          <a:p>
-            <a:r>
-              <a:rPr lang="en-US" dirty="0"/>
-              <a:t>Three Sections</a:t>
-            </a:r>
-          </a:p>
-        </p:txBody>
-      </p:sp>
-      <p:sp>
-        <p:nvSpPr>
-          <p:cNvPr id="3" name="Content Placeholder 2">
-            <a:extLst>
-              <a:ext uri="{FF2B5EF4-FFF2-40B4-BE49-F238E27FC236}">
-                <a16:creationId xmlns:a16="http://schemas.microsoft.com/office/drawing/2014/main" id="{74482978-8512-934C-89F9-3C551896ECDF}"/>
-              </a:ext>
-            </a:extLst>
-          </p:cNvPr>
-          <p:cNvSpPr>
-            <a:spLocks noGrp="1"/>
-          </p:cNvSpPr>
-          <p:nvPr>
-            <p:ph idx="1"/>
-          </p:nvPr>
-        </p:nvSpPr>
-        <p:spPr/>
-        <p:txBody>
-          <a:bodyPr/>
-          <a:lstStyle/>
-          <a:p>
-            <a:r>
-              <a:rPr lang="en-US" b="1" dirty="0"/>
-              <a:t>TCache (No Validations) </a:t>
-            </a:r>
-            <a:r>
-              <a:rPr lang="en-US" b="1" dirty="0">
-                <a:sym typeface="Wingdings" pitchFamily="2" charset="2"/>
-              </a:rPr>
-              <a:t> </a:t>
-            </a:r>
-            <a:r>
-              <a:rPr lang="en-US" dirty="0">
-                <a:sym typeface="Wingdings" pitchFamily="2" charset="2"/>
-              </a:rPr>
-              <a:t>Right now</a:t>
-            </a:r>
-            <a:endParaRPr lang="en-US" dirty="0"/>
-          </a:p>
-          <a:p>
-            <a:r>
-              <a:rPr lang="en-US" dirty="0" err="1"/>
-              <a:t>Fastbin</a:t>
-            </a:r>
-            <a:r>
-              <a:rPr lang="en-US" dirty="0"/>
-              <a:t> (Very few Validations) </a:t>
-            </a:r>
-          </a:p>
-          <a:p>
-            <a:r>
-              <a:rPr lang="en-US" dirty="0"/>
-              <a:t>2.32+</a:t>
-            </a:r>
-          </a:p>
-          <a:p>
-            <a:pPr lvl="1"/>
-            <a:r>
-              <a:rPr lang="en-US" dirty="0"/>
-              <a:t>Pointer Mangling (later) </a:t>
-            </a:r>
-          </a:p>
-          <a:p>
-            <a:pPr lvl="1"/>
-            <a:r>
-              <a:rPr lang="en-US" dirty="0"/>
-              <a:t>Chunk alignment</a:t>
-            </a:r>
-          </a:p>
-        </p:txBody>
-      </p:sp>
-    </p:spTree>
-    <p:extLst>
-      <p:ext uri="{BB962C8B-B14F-4D97-AF65-F5344CB8AC3E}">
-        <p14:creationId xmlns:p14="http://schemas.microsoft.com/office/powerpoint/2010/main" val="1887160673"/>
-      </p:ext>
-    </p:extLst>
-  </p:cSld>
-  <p:clrMapOvr>
-    <a:masterClrMapping/>
-  </p:clrMapOvr>
-</p:sld>
-</file>
-
-<file path=ppt/slides/slide40.xml><?xml version="1.0" encoding="utf-8"?>
+<file path=ppt/slides/slide41.xml><?xml version="1.0" encoding="utf-8"?>
 <p:sld xmlns:a="http://schemas.openxmlformats.org/drawingml/2006/main" xmlns:r="http://schemas.openxmlformats.org/officeDocument/2006/relationships" xmlns:p="http://schemas.openxmlformats.org/presentationml/2006/main" show="0">
   <p:cSld>
     <p:spTree>
@@ -43052,7 +43300,7 @@
 </p:sld>
 </file>
 
-<file path=ppt/slides/slide41.xml><?xml version="1.0" encoding="utf-8"?>
+<file path=ppt/slides/slide42.xml><?xml version="1.0" encoding="utf-8"?>
 <p:sld xmlns:a="http://schemas.openxmlformats.org/drawingml/2006/main" xmlns:r="http://schemas.openxmlformats.org/officeDocument/2006/relationships" xmlns:p="http://schemas.openxmlformats.org/presentationml/2006/main" show="0">
   <p:cSld>
     <p:spTree>
@@ -43181,8 +43429,8 @@
 </p:sld>
 </file>
 
-<file path=ppt/slides/slide42.xml><?xml version="1.0" encoding="utf-8"?>
-<p:sld xmlns:a="http://schemas.openxmlformats.org/drawingml/2006/main" xmlns:r="http://schemas.openxmlformats.org/officeDocument/2006/relationships" xmlns:p="http://schemas.openxmlformats.org/presentationml/2006/main">
+<file path=ppt/slides/slide43.xml><?xml version="1.0" encoding="utf-8"?>
+<p:sld xmlns:a="http://schemas.openxmlformats.org/drawingml/2006/main" xmlns:r="http://schemas.openxmlformats.org/officeDocument/2006/relationships" xmlns:p="http://schemas.openxmlformats.org/presentationml/2006/main" show="0">
   <p:cSld>
     <p:spTree>
       <p:nvGrpSpPr>
@@ -43317,7 +43565,7 @@
 </p:sld>
 </file>
 
-<file path=ppt/slides/slide43.xml><?xml version="1.0" encoding="utf-8"?>
+<file path=ppt/slides/slide44.xml><?xml version="1.0" encoding="utf-8"?>
 <p:sld xmlns:a="http://schemas.openxmlformats.org/drawingml/2006/main" xmlns:r="http://schemas.openxmlformats.org/officeDocument/2006/relationships" xmlns:p="http://schemas.openxmlformats.org/presentationml/2006/main" show="0">
   <p:cSld>
     <p:spTree>
@@ -43466,8 +43714,8 @@
 </p:sld>
 </file>
 
-<file path=ppt/slides/slide44.xml><?xml version="1.0" encoding="utf-8"?>
-<p:sld xmlns:a="http://schemas.openxmlformats.org/drawingml/2006/main" xmlns:r="http://schemas.openxmlformats.org/officeDocument/2006/relationships" xmlns:p="http://schemas.openxmlformats.org/presentationml/2006/main">
+<file path=ppt/slides/slide45.xml><?xml version="1.0" encoding="utf-8"?>
+<p:sld xmlns:a="http://schemas.openxmlformats.org/drawingml/2006/main" xmlns:r="http://schemas.openxmlformats.org/officeDocument/2006/relationships" xmlns:p="http://schemas.openxmlformats.org/presentationml/2006/main" show="0">
   <p:cSld>
     <p:spTree>
       <p:nvGrpSpPr>
@@ -43683,8 +43931,8 @@
 </p:sld>
 </file>
 
-<file path=ppt/slides/slide45.xml><?xml version="1.0" encoding="utf-8"?>
-<p:sld xmlns:a="http://schemas.openxmlformats.org/drawingml/2006/main" xmlns:r="http://schemas.openxmlformats.org/officeDocument/2006/relationships" xmlns:p="http://schemas.openxmlformats.org/presentationml/2006/main">
+<file path=ppt/slides/slide46.xml><?xml version="1.0" encoding="utf-8"?>
+<p:sld xmlns:a="http://schemas.openxmlformats.org/drawingml/2006/main" xmlns:r="http://schemas.openxmlformats.org/officeDocument/2006/relationships" xmlns:p="http://schemas.openxmlformats.org/presentationml/2006/main" show="0">
   <p:cSld>
     <p:spTree>
       <p:nvGrpSpPr>
@@ -43888,7 +44136,7 @@
 </p:sld>
 </file>
 
-<file path=ppt/slides/slide46.xml><?xml version="1.0" encoding="utf-8"?>
+<file path=ppt/slides/slide47.xml><?xml version="1.0" encoding="utf-8"?>
 <p:sld xmlns:a="http://schemas.openxmlformats.org/drawingml/2006/main" xmlns:r="http://schemas.openxmlformats.org/officeDocument/2006/relationships" xmlns:p="http://schemas.openxmlformats.org/presentationml/2006/main" show="0">
   <p:cSld>
     <p:spTree>
@@ -44070,7 +44318,7 @@
 </p:sld>
 </file>
 
-<file path=ppt/slides/slide47.xml><?xml version="1.0" encoding="utf-8"?>
+<file path=ppt/slides/slide48.xml><?xml version="1.0" encoding="utf-8"?>
 <p:sld xmlns:a="http://schemas.openxmlformats.org/drawingml/2006/main" xmlns:r="http://schemas.openxmlformats.org/officeDocument/2006/relationships" xmlns:p="http://schemas.openxmlformats.org/presentationml/2006/main" show="0">
   <p:cSld>
     <p:spTree>
@@ -44245,7 +44493,7 @@
 </p:sld>
 </file>
 
-<file path=ppt/slides/slide48.xml><?xml version="1.0" encoding="utf-8"?>
+<file path=ppt/slides/slide49.xml><?xml version="1.0" encoding="utf-8"?>
 <p:sld xmlns:a="http://schemas.openxmlformats.org/drawingml/2006/main" xmlns:r="http://schemas.openxmlformats.org/officeDocument/2006/relationships" xmlns:p="http://schemas.openxmlformats.org/presentationml/2006/main" show="0">
   <p:cSld>
     <p:spTree>
@@ -44700,144 +44948,6 @@
 </p:sld>
 </file>
 
-<file path=ppt/slides/slide49.xml><?xml version="1.0" encoding="utf-8"?>
-<p:sld xmlns:a="http://schemas.openxmlformats.org/drawingml/2006/main" xmlns:r="http://schemas.openxmlformats.org/officeDocument/2006/relationships" xmlns:p="http://schemas.openxmlformats.org/presentationml/2006/main">
-  <p:cSld>
-    <p:spTree>
-      <p:nvGrpSpPr>
-        <p:cNvPr id="1" name=""/>
-        <p:cNvGrpSpPr/>
-        <p:nvPr/>
-      </p:nvGrpSpPr>
-      <p:grpSpPr>
-        <a:xfrm>
-          <a:off x="0" y="0"/>
-          <a:ext cx="0" cy="0"/>
-          <a:chOff x="0" y="0"/>
-          <a:chExt cx="0" cy="0"/>
-        </a:xfrm>
-      </p:grpSpPr>
-      <p:sp>
-        <p:nvSpPr>
-          <p:cNvPr id="2" name="Title 1">
-            <a:extLst>
-              <a:ext uri="{FF2B5EF4-FFF2-40B4-BE49-F238E27FC236}">
-                <a16:creationId xmlns:a16="http://schemas.microsoft.com/office/drawing/2014/main" id="{D3226B31-8E27-9B42-BD86-BB21545EE327}"/>
-              </a:ext>
-            </a:extLst>
-          </p:cNvPr>
-          <p:cNvSpPr>
-            <a:spLocks noGrp="1"/>
-          </p:cNvSpPr>
-          <p:nvPr>
-            <p:ph type="title"/>
-          </p:nvPr>
-        </p:nvSpPr>
-        <p:spPr/>
-        <p:txBody>
-          <a:bodyPr/>
-          <a:lstStyle/>
-          <a:p>
-            <a:r>
-              <a:rPr lang="en-US" dirty="0"/>
-              <a:t>Three Sections</a:t>
-            </a:r>
-          </a:p>
-        </p:txBody>
-      </p:sp>
-      <p:sp>
-        <p:nvSpPr>
-          <p:cNvPr id="3" name="Content Placeholder 2">
-            <a:extLst>
-              <a:ext uri="{FF2B5EF4-FFF2-40B4-BE49-F238E27FC236}">
-                <a16:creationId xmlns:a16="http://schemas.microsoft.com/office/drawing/2014/main" id="{74482978-8512-934C-89F9-3C551896ECDF}"/>
-              </a:ext>
-            </a:extLst>
-          </p:cNvPr>
-          <p:cNvSpPr>
-            <a:spLocks noGrp="1"/>
-          </p:cNvSpPr>
-          <p:nvPr>
-            <p:ph idx="1"/>
-          </p:nvPr>
-        </p:nvSpPr>
-        <p:spPr/>
-        <p:txBody>
-          <a:bodyPr/>
-          <a:lstStyle/>
-          <a:p>
-            <a:r>
-              <a:rPr lang="en-US" dirty="0"/>
-              <a:t>TCache (No Validations) </a:t>
-            </a:r>
-            <a:r>
-              <a:rPr lang="en-US" b="1" dirty="0">
-                <a:sym typeface="Wingdings" pitchFamily="2" charset="2"/>
-              </a:rPr>
-              <a:t> </a:t>
-            </a:r>
-            <a:r>
-              <a:rPr lang="en-US" dirty="0">
-                <a:sym typeface="Wingdings" pitchFamily="2" charset="2"/>
-              </a:rPr>
-              <a:t>Old News</a:t>
-            </a:r>
-            <a:endParaRPr lang="en-US" dirty="0"/>
-          </a:p>
-          <a:p>
-            <a:r>
-              <a:rPr lang="en-US" dirty="0" err="1"/>
-              <a:t>Fastbin</a:t>
-            </a:r>
-            <a:r>
-              <a:rPr lang="en-US" dirty="0"/>
-              <a:t> (Very few Validations) </a:t>
-            </a:r>
-            <a:r>
-              <a:rPr lang="en-US" b="1" dirty="0">
-                <a:sym typeface="Wingdings" pitchFamily="2" charset="2"/>
-              </a:rPr>
-              <a:t> </a:t>
-            </a:r>
-            <a:r>
-              <a:rPr lang="en-US" dirty="0">
-                <a:sym typeface="Wingdings" pitchFamily="2" charset="2"/>
-              </a:rPr>
-              <a:t>Just Did!</a:t>
-            </a:r>
-            <a:endParaRPr lang="en-US" dirty="0"/>
-          </a:p>
-          <a:p>
-            <a:r>
-              <a:rPr lang="en-US" b="1" dirty="0"/>
-              <a:t>Pointer Mangling </a:t>
-            </a:r>
-            <a:r>
-              <a:rPr lang="en-US" b="1" dirty="0">
-                <a:sym typeface="Wingdings" pitchFamily="2" charset="2"/>
-              </a:rPr>
-              <a:t> Now!</a:t>
-            </a:r>
-            <a:endParaRPr lang="en-US" b="1" dirty="0"/>
-          </a:p>
-          <a:p>
-            <a:endParaRPr lang="en-US" dirty="0"/>
-          </a:p>
-        </p:txBody>
-      </p:sp>
-    </p:spTree>
-    <p:extLst>
-      <p:ext uri="{BB962C8B-B14F-4D97-AF65-F5344CB8AC3E}">
-        <p14:creationId xmlns:p14="http://schemas.microsoft.com/office/powerpoint/2010/main" val="1050021284"/>
-      </p:ext>
-    </p:extLst>
-  </p:cSld>
-  <p:clrMapOvr>
-    <a:masterClrMapping/>
-  </p:clrMapOvr>
-</p:sld>
-</file>
-
 <file path=ppt/slides/slide5.xml><?xml version="1.0" encoding="utf-8"?>
 <p:sld xmlns:a="http://schemas.openxmlformats.org/drawingml/2006/main" xmlns:r="http://schemas.openxmlformats.org/officeDocument/2006/relationships" xmlns:p="http://schemas.openxmlformats.org/presentationml/2006/main">
   <p:cSld>
@@ -44965,7 +45075,7 @@
             <a:pPr lvl="1"/>
             <a:r>
               <a:rPr lang="en-US" dirty="0"/>
-              <a:t>FIFO chunks</a:t>
+              <a:t>LIFO chunks</a:t>
             </a:r>
           </a:p>
           <a:p>
@@ -44994,6 +45104,144 @@
 </file>
 
 <file path=ppt/slides/slide50.xml><?xml version="1.0" encoding="utf-8"?>
+<p:sld xmlns:a="http://schemas.openxmlformats.org/drawingml/2006/main" xmlns:r="http://schemas.openxmlformats.org/officeDocument/2006/relationships" xmlns:p="http://schemas.openxmlformats.org/presentationml/2006/main">
+  <p:cSld>
+    <p:spTree>
+      <p:nvGrpSpPr>
+        <p:cNvPr id="1" name=""/>
+        <p:cNvGrpSpPr/>
+        <p:nvPr/>
+      </p:nvGrpSpPr>
+      <p:grpSpPr>
+        <a:xfrm>
+          <a:off x="0" y="0"/>
+          <a:ext cx="0" cy="0"/>
+          <a:chOff x="0" y="0"/>
+          <a:chExt cx="0" cy="0"/>
+        </a:xfrm>
+      </p:grpSpPr>
+      <p:sp>
+        <p:nvSpPr>
+          <p:cNvPr id="2" name="Title 1">
+            <a:extLst>
+              <a:ext uri="{FF2B5EF4-FFF2-40B4-BE49-F238E27FC236}">
+                <a16:creationId xmlns:a16="http://schemas.microsoft.com/office/drawing/2014/main" id="{D3226B31-8E27-9B42-BD86-BB21545EE327}"/>
+              </a:ext>
+            </a:extLst>
+          </p:cNvPr>
+          <p:cNvSpPr>
+            <a:spLocks noGrp="1"/>
+          </p:cNvSpPr>
+          <p:nvPr>
+            <p:ph type="title"/>
+          </p:nvPr>
+        </p:nvSpPr>
+        <p:spPr/>
+        <p:txBody>
+          <a:bodyPr/>
+          <a:lstStyle/>
+          <a:p>
+            <a:r>
+              <a:rPr lang="en-US" dirty="0"/>
+              <a:t>Three Sections</a:t>
+            </a:r>
+          </a:p>
+        </p:txBody>
+      </p:sp>
+      <p:sp>
+        <p:nvSpPr>
+          <p:cNvPr id="3" name="Content Placeholder 2">
+            <a:extLst>
+              <a:ext uri="{FF2B5EF4-FFF2-40B4-BE49-F238E27FC236}">
+                <a16:creationId xmlns:a16="http://schemas.microsoft.com/office/drawing/2014/main" id="{74482978-8512-934C-89F9-3C551896ECDF}"/>
+              </a:ext>
+            </a:extLst>
+          </p:cNvPr>
+          <p:cNvSpPr>
+            <a:spLocks noGrp="1"/>
+          </p:cNvSpPr>
+          <p:nvPr>
+            <p:ph idx="1"/>
+          </p:nvPr>
+        </p:nvSpPr>
+        <p:spPr/>
+        <p:txBody>
+          <a:bodyPr/>
+          <a:lstStyle/>
+          <a:p>
+            <a:r>
+              <a:rPr lang="en-US" dirty="0"/>
+              <a:t>TCache (No Validations) </a:t>
+            </a:r>
+            <a:r>
+              <a:rPr lang="en-US" b="1" dirty="0">
+                <a:sym typeface="Wingdings" pitchFamily="2" charset="2"/>
+              </a:rPr>
+              <a:t> </a:t>
+            </a:r>
+            <a:r>
+              <a:rPr lang="en-US" dirty="0">
+                <a:sym typeface="Wingdings" pitchFamily="2" charset="2"/>
+              </a:rPr>
+              <a:t>Old News</a:t>
+            </a:r>
+            <a:endParaRPr lang="en-US" dirty="0"/>
+          </a:p>
+          <a:p>
+            <a:r>
+              <a:rPr lang="en-US" dirty="0" err="1"/>
+              <a:t>Fastbin</a:t>
+            </a:r>
+            <a:r>
+              <a:rPr lang="en-US" dirty="0"/>
+              <a:t> (Very few Validations) </a:t>
+            </a:r>
+            <a:r>
+              <a:rPr lang="en-US" b="1" dirty="0">
+                <a:sym typeface="Wingdings" pitchFamily="2" charset="2"/>
+              </a:rPr>
+              <a:t> </a:t>
+            </a:r>
+            <a:r>
+              <a:rPr lang="en-US" dirty="0">
+                <a:sym typeface="Wingdings" pitchFamily="2" charset="2"/>
+              </a:rPr>
+              <a:t>Just Did!</a:t>
+            </a:r>
+            <a:endParaRPr lang="en-US" dirty="0"/>
+          </a:p>
+          <a:p>
+            <a:r>
+              <a:rPr lang="en-US" b="1" dirty="0"/>
+              <a:t>Pointer Mangling </a:t>
+            </a:r>
+            <a:r>
+              <a:rPr lang="en-US" b="1" dirty="0">
+                <a:sym typeface="Wingdings" pitchFamily="2" charset="2"/>
+              </a:rPr>
+              <a:t> Now!</a:t>
+            </a:r>
+            <a:endParaRPr lang="en-US" b="1" dirty="0"/>
+          </a:p>
+          <a:p>
+            <a:endParaRPr lang="en-US" dirty="0"/>
+          </a:p>
+        </p:txBody>
+      </p:sp>
+    </p:spTree>
+    <p:extLst>
+      <p:ext uri="{BB962C8B-B14F-4D97-AF65-F5344CB8AC3E}">
+        <p14:creationId xmlns:p14="http://schemas.microsoft.com/office/powerpoint/2010/main" val="1050021284"/>
+      </p:ext>
+    </p:extLst>
+  </p:cSld>
+  <p:clrMapOvr>
+    <a:masterClrMapping/>
+  </p:clrMapOvr>
+</p:sld>
+</file>
+
+<file path=ppt/slides/slide51.xml><?xml version="1.0" encoding="utf-8"?>
 <p:sld xmlns:a="http://schemas.openxmlformats.org/drawingml/2006/main" xmlns:r="http://schemas.openxmlformats.org/officeDocument/2006/relationships" xmlns:p="http://schemas.openxmlformats.org/presentationml/2006/main">
   <p:cSld>
     <p:spTree>
@@ -45162,7 +45410,7 @@
 </p:sld>
 </file>
 
-<file path=ppt/slides/slide51.xml><?xml version="1.0" encoding="utf-8"?>
+<file path=ppt/slides/slide52.xml><?xml version="1.0" encoding="utf-8"?>
 <p:sld xmlns:a="http://schemas.openxmlformats.org/drawingml/2006/main" xmlns:r="http://schemas.openxmlformats.org/officeDocument/2006/relationships" xmlns:p="http://schemas.openxmlformats.org/presentationml/2006/main">
   <p:cSld>
     <p:spTree>
@@ -45346,7 +45594,7 @@
 </p:sld>
 </file>
 
-<file path=ppt/slides/slide52.xml><?xml version="1.0" encoding="utf-8"?>
+<file path=ppt/slides/slide53.xml><?xml version="1.0" encoding="utf-8"?>
 <p:sld xmlns:a="http://schemas.openxmlformats.org/drawingml/2006/main" xmlns:r="http://schemas.openxmlformats.org/officeDocument/2006/relationships" xmlns:p="http://schemas.openxmlformats.org/presentationml/2006/main">
   <p:cSld>
     <p:spTree>
@@ -45442,7 +45690,7 @@
 </p:sld>
 </file>
 
-<file path=ppt/slides/slide53.xml><?xml version="1.0" encoding="utf-8"?>
+<file path=ppt/slides/slide54.xml><?xml version="1.0" encoding="utf-8"?>
 <p:sld xmlns:a="http://schemas.openxmlformats.org/drawingml/2006/main" xmlns:r="http://schemas.openxmlformats.org/officeDocument/2006/relationships" xmlns:p="http://schemas.openxmlformats.org/presentationml/2006/main">
   <p:cSld>
     <p:spTree>
@@ -45580,7 +45828,7 @@
 </p:sld>
 </file>
 
-<file path=ppt/slides/slide54.xml><?xml version="1.0" encoding="utf-8"?>
+<file path=ppt/slides/slide55.xml><?xml version="1.0" encoding="utf-8"?>
 <p:sld xmlns:a="http://schemas.openxmlformats.org/drawingml/2006/main" xmlns:r="http://schemas.openxmlformats.org/officeDocument/2006/relationships" xmlns:p="http://schemas.openxmlformats.org/presentationml/2006/main">
   <p:cSld>
     <p:spTree>
@@ -45741,7 +45989,7 @@
 </p:sld>
 </file>
 
-<file path=ppt/slides/slide55.xml><?xml version="1.0" encoding="utf-8"?>
+<file path=ppt/slides/slide56.xml><?xml version="1.0" encoding="utf-8"?>
 <p:sld xmlns:a="http://schemas.openxmlformats.org/drawingml/2006/main" xmlns:r="http://schemas.openxmlformats.org/officeDocument/2006/relationships" xmlns:p="http://schemas.openxmlformats.org/presentationml/2006/main">
   <p:cSld>
     <p:spTree>
@@ -45990,7 +46238,7 @@
 </p:sld>
 </file>
 
-<file path=ppt/slides/slide56.xml><?xml version="1.0" encoding="utf-8"?>
+<file path=ppt/slides/slide57.xml><?xml version="1.0" encoding="utf-8"?>
 <p:sld xmlns:a="http://schemas.openxmlformats.org/drawingml/2006/main" xmlns:r="http://schemas.openxmlformats.org/officeDocument/2006/relationships" xmlns:p="http://schemas.openxmlformats.org/presentationml/2006/main">
   <p:cSld>
     <p:spTree>
@@ -46212,7 +46460,7 @@
 </p:sld>
 </file>
 
-<file path=ppt/slides/slide57.xml><?xml version="1.0" encoding="utf-8"?>
+<file path=ppt/slides/slide58.xml><?xml version="1.0" encoding="utf-8"?>
 <p:sld xmlns:a="http://schemas.openxmlformats.org/drawingml/2006/main" xmlns:r="http://schemas.openxmlformats.org/officeDocument/2006/relationships" xmlns:p="http://schemas.openxmlformats.org/presentationml/2006/main">
   <p:cSld>
     <p:spTree>
@@ -46380,7 +46628,7 @@
 </p:sld>
 </file>
 
-<file path=ppt/slides/slide58.xml><?xml version="1.0" encoding="utf-8"?>
+<file path=ppt/slides/slide59.xml><?xml version="1.0" encoding="utf-8"?>
 <p:sld xmlns:a="http://schemas.openxmlformats.org/drawingml/2006/main" xmlns:r="http://schemas.openxmlformats.org/officeDocument/2006/relationships" xmlns:p="http://schemas.openxmlformats.org/presentationml/2006/main">
   <p:cSld>
     <p:spTree>
@@ -46564,110 +46812,6 @@
     <p:extLst>
       <p:ext uri="{BB962C8B-B14F-4D97-AF65-F5344CB8AC3E}">
         <p14:creationId xmlns:p14="http://schemas.microsoft.com/office/powerpoint/2010/main" val="3080211811"/>
-      </p:ext>
-    </p:extLst>
-  </p:cSld>
-  <p:clrMapOvr>
-    <a:masterClrMapping/>
-  </p:clrMapOvr>
-</p:sld>
-</file>
-
-<file path=ppt/slides/slide59.xml><?xml version="1.0" encoding="utf-8"?>
-<p:sld xmlns:a="http://schemas.openxmlformats.org/drawingml/2006/main" xmlns:r="http://schemas.openxmlformats.org/officeDocument/2006/relationships" xmlns:p="http://schemas.openxmlformats.org/presentationml/2006/main">
-  <p:cSld>
-    <p:spTree>
-      <p:nvGrpSpPr>
-        <p:cNvPr id="1" name=""/>
-        <p:cNvGrpSpPr/>
-        <p:nvPr/>
-      </p:nvGrpSpPr>
-      <p:grpSpPr>
-        <a:xfrm>
-          <a:off x="0" y="0"/>
-          <a:ext cx="0" cy="0"/>
-          <a:chOff x="0" y="0"/>
-          <a:chExt cx="0" cy="0"/>
-        </a:xfrm>
-      </p:grpSpPr>
-      <p:sp>
-        <p:nvSpPr>
-          <p:cNvPr id="71" name="Title 1">
-            <a:extLst>
-              <a:ext uri="{FF2B5EF4-FFF2-40B4-BE49-F238E27FC236}">
-                <a16:creationId xmlns:a16="http://schemas.microsoft.com/office/drawing/2014/main" id="{AE4A9D75-DAA0-4670-BA25-D085D1BD8530}"/>
-              </a:ext>
-            </a:extLst>
-          </p:cNvPr>
-          <p:cNvSpPr>
-            <a:spLocks noGrp="1"/>
-          </p:cNvSpPr>
-          <p:nvPr>
-            <p:ph type="title"/>
-          </p:nvPr>
-        </p:nvSpPr>
-        <p:spPr>
-          <a:xfrm>
-            <a:off x="628650" y="273847"/>
-            <a:ext cx="7886700" cy="994172"/>
-          </a:xfrm>
-        </p:spPr>
-        <p:txBody>
-          <a:bodyPr>
-            <a:normAutofit/>
-          </a:bodyPr>
-          <a:lstStyle/>
-          <a:p>
-            <a:r>
-              <a:rPr lang="en-US" dirty="0"/>
-              <a:t>Pointer Mangling - XOR Table</a:t>
-            </a:r>
-          </a:p>
-        </p:txBody>
-      </p:sp>
-      <p:pic>
-        <p:nvPicPr>
-          <p:cNvPr id="5122" name="Picture 2" descr="Applicable Uses of the XOR Operator | by Claire Li | Medium">
-            <a:extLst>
-              <a:ext uri="{FF2B5EF4-FFF2-40B4-BE49-F238E27FC236}">
-                <a16:creationId xmlns:a16="http://schemas.microsoft.com/office/drawing/2014/main" id="{FE8D7A0D-4DA9-C149-97E9-45AE196F12D3}"/>
-              </a:ext>
-            </a:extLst>
-          </p:cNvPr>
-          <p:cNvPicPr>
-            <a:picLocks noChangeAspect="1" noChangeArrowheads="1"/>
-          </p:cNvPicPr>
-          <p:nvPr/>
-        </p:nvPicPr>
-        <p:blipFill>
-          <a:blip r:embed="rId2">
-            <a:extLst>
-              <a:ext uri="{28A0092B-C50C-407E-A947-70E740481C1C}">
-                <a14:useLocalDpi xmlns:a14="http://schemas.microsoft.com/office/drawing/2010/main" val="0"/>
-              </a:ext>
-            </a:extLst>
-          </a:blip>
-          <a:stretch>
-            <a:fillRect/>
-          </a:stretch>
-        </p:blipFill>
-        <p:spPr bwMode="auto">
-          <a:xfrm>
-            <a:off x="2033719" y="1236541"/>
-            <a:ext cx="5076561" cy="3263504"/>
-          </a:xfrm>
-          <a:prstGeom prst="rect">
-            <a:avLst/>
-          </a:prstGeom>
-          <a:solidFill>
-            <a:srgbClr val="FFFFFF"/>
-          </a:solidFill>
-        </p:spPr>
-      </p:pic>
-    </p:spTree>
-    <p:extLst>
-      <p:ext uri="{BB962C8B-B14F-4D97-AF65-F5344CB8AC3E}">
-        <p14:creationId xmlns:p14="http://schemas.microsoft.com/office/powerpoint/2010/main" val="1360983057"/>
       </p:ext>
     </p:extLst>
   </p:cSld>
@@ -47071,6 +47215,110 @@
       </p:grpSpPr>
       <p:sp>
         <p:nvSpPr>
+          <p:cNvPr id="71" name="Title 1">
+            <a:extLst>
+              <a:ext uri="{FF2B5EF4-FFF2-40B4-BE49-F238E27FC236}">
+                <a16:creationId xmlns:a16="http://schemas.microsoft.com/office/drawing/2014/main" id="{AE4A9D75-DAA0-4670-BA25-D085D1BD8530}"/>
+              </a:ext>
+            </a:extLst>
+          </p:cNvPr>
+          <p:cNvSpPr>
+            <a:spLocks noGrp="1"/>
+          </p:cNvSpPr>
+          <p:nvPr>
+            <p:ph type="title"/>
+          </p:nvPr>
+        </p:nvSpPr>
+        <p:spPr>
+          <a:xfrm>
+            <a:off x="628650" y="273847"/>
+            <a:ext cx="7886700" cy="994172"/>
+          </a:xfrm>
+        </p:spPr>
+        <p:txBody>
+          <a:bodyPr>
+            <a:normAutofit/>
+          </a:bodyPr>
+          <a:lstStyle/>
+          <a:p>
+            <a:r>
+              <a:rPr lang="en-US" dirty="0"/>
+              <a:t>Pointer Mangling - XOR Table</a:t>
+            </a:r>
+          </a:p>
+        </p:txBody>
+      </p:sp>
+      <p:pic>
+        <p:nvPicPr>
+          <p:cNvPr id="5122" name="Picture 2" descr="Applicable Uses of the XOR Operator | by Claire Li | Medium">
+            <a:extLst>
+              <a:ext uri="{FF2B5EF4-FFF2-40B4-BE49-F238E27FC236}">
+                <a16:creationId xmlns:a16="http://schemas.microsoft.com/office/drawing/2014/main" id="{FE8D7A0D-4DA9-C149-97E9-45AE196F12D3}"/>
+              </a:ext>
+            </a:extLst>
+          </p:cNvPr>
+          <p:cNvPicPr>
+            <a:picLocks noChangeAspect="1" noChangeArrowheads="1"/>
+          </p:cNvPicPr>
+          <p:nvPr/>
+        </p:nvPicPr>
+        <p:blipFill>
+          <a:blip r:embed="rId2">
+            <a:extLst>
+              <a:ext uri="{28A0092B-C50C-407E-A947-70E740481C1C}">
+                <a14:useLocalDpi xmlns:a14="http://schemas.microsoft.com/office/drawing/2010/main" val="0"/>
+              </a:ext>
+            </a:extLst>
+          </a:blip>
+          <a:stretch>
+            <a:fillRect/>
+          </a:stretch>
+        </p:blipFill>
+        <p:spPr bwMode="auto">
+          <a:xfrm>
+            <a:off x="2033719" y="1236541"/>
+            <a:ext cx="5076561" cy="3263504"/>
+          </a:xfrm>
+          <a:prstGeom prst="rect">
+            <a:avLst/>
+          </a:prstGeom>
+          <a:solidFill>
+            <a:srgbClr val="FFFFFF"/>
+          </a:solidFill>
+        </p:spPr>
+      </p:pic>
+    </p:spTree>
+    <p:extLst>
+      <p:ext uri="{BB962C8B-B14F-4D97-AF65-F5344CB8AC3E}">
+        <p14:creationId xmlns:p14="http://schemas.microsoft.com/office/powerpoint/2010/main" val="1360983057"/>
+      </p:ext>
+    </p:extLst>
+  </p:cSld>
+  <p:clrMapOvr>
+    <a:masterClrMapping/>
+  </p:clrMapOvr>
+</p:sld>
+</file>
+
+<file path=ppt/slides/slide61.xml><?xml version="1.0" encoding="utf-8"?>
+<p:sld xmlns:a="http://schemas.openxmlformats.org/drawingml/2006/main" xmlns:r="http://schemas.openxmlformats.org/officeDocument/2006/relationships" xmlns:p="http://schemas.openxmlformats.org/presentationml/2006/main">
+  <p:cSld>
+    <p:spTree>
+      <p:nvGrpSpPr>
+        <p:cNvPr id="1" name=""/>
+        <p:cNvGrpSpPr/>
+        <p:nvPr/>
+      </p:nvGrpSpPr>
+      <p:grpSpPr>
+        <a:xfrm>
+          <a:off x="0" y="0"/>
+          <a:ext cx="0" cy="0"/>
+          <a:chOff x="0" y="0"/>
+          <a:chExt cx="0" cy="0"/>
+        </a:xfrm>
+      </p:grpSpPr>
+      <p:sp>
+        <p:nvSpPr>
           <p:cNvPr id="2" name="Title 1">
             <a:extLst>
               <a:ext uri="{FF2B5EF4-FFF2-40B4-BE49-F238E27FC236}">
@@ -47168,7 +47416,7 @@
 </p:sld>
 </file>
 
-<file path=ppt/slides/slide61.xml><?xml version="1.0" encoding="utf-8"?>
+<file path=ppt/slides/slide62.xml><?xml version="1.0" encoding="utf-8"?>
 <p:sld xmlns:a="http://schemas.openxmlformats.org/drawingml/2006/main" xmlns:r="http://schemas.openxmlformats.org/officeDocument/2006/relationships" xmlns:p="http://schemas.openxmlformats.org/presentationml/2006/main">
   <p:cSld>
     <p:spTree>
@@ -47531,7 +47779,7 @@
 </p:sld>
 </file>
 
-<file path=ppt/slides/slide62.xml><?xml version="1.0" encoding="utf-8"?>
+<file path=ppt/slides/slide63.xml><?xml version="1.0" encoding="utf-8"?>
 <p:sld xmlns:a="http://schemas.openxmlformats.org/drawingml/2006/main" xmlns:r="http://schemas.openxmlformats.org/officeDocument/2006/relationships" xmlns:p="http://schemas.openxmlformats.org/presentationml/2006/main">
   <p:cSld>
     <p:spTree>
@@ -47743,7 +47991,7 @@
 </p:sld>
 </file>
 
-<file path=ppt/slides/slide63.xml><?xml version="1.0" encoding="utf-8"?>
+<file path=ppt/slides/slide64.xml><?xml version="1.0" encoding="utf-8"?>
 <p:sld xmlns:a="http://schemas.openxmlformats.org/drawingml/2006/main" xmlns:r="http://schemas.openxmlformats.org/officeDocument/2006/relationships" xmlns:p="http://schemas.openxmlformats.org/presentationml/2006/main">
   <p:cSld>
     <p:spTree>
@@ -48519,7 +48767,7 @@
 </p:sld>
 </file>
 
-<file path=ppt/slides/slide64.xml><?xml version="1.0" encoding="utf-8"?>
+<file path=ppt/slides/slide65.xml><?xml version="1.0" encoding="utf-8"?>
 <p:sld xmlns:a="http://schemas.openxmlformats.org/drawingml/2006/main" xmlns:r="http://schemas.openxmlformats.org/officeDocument/2006/relationships" xmlns:p="http://schemas.openxmlformats.org/presentationml/2006/main">
   <p:cSld>
     <p:spTree>
@@ -48898,7 +49146,7 @@
 </p:sld>
 </file>
 
-<file path=ppt/slides/slide65.xml><?xml version="1.0" encoding="utf-8"?>
+<file path=ppt/slides/slide66.xml><?xml version="1.0" encoding="utf-8"?>
 <p:sld xmlns:a="http://schemas.openxmlformats.org/drawingml/2006/main" xmlns:r="http://schemas.openxmlformats.org/officeDocument/2006/relationships" xmlns:p="http://schemas.openxmlformats.org/presentationml/2006/main">
   <p:cSld>
     <p:spTree>
@@ -49126,7 +49374,7 @@
 </p:sld>
 </file>
 
-<file path=ppt/slides/slide66.xml><?xml version="1.0" encoding="utf-8"?>
+<file path=ppt/slides/slide67.xml><?xml version="1.0" encoding="utf-8"?>
 <p:sld xmlns:a="http://schemas.openxmlformats.org/drawingml/2006/main" xmlns:r="http://schemas.openxmlformats.org/officeDocument/2006/relationships" xmlns:p="http://schemas.openxmlformats.org/presentationml/2006/main">
   <p:cSld>
     <p:spTree>
@@ -49917,7 +50165,7 @@
 </p:sld>
 </file>
 
-<file path=ppt/slides/slide67.xml><?xml version="1.0" encoding="utf-8"?>
+<file path=ppt/slides/slide68.xml><?xml version="1.0" encoding="utf-8"?>
 <p:sld xmlns:a="http://schemas.openxmlformats.org/drawingml/2006/main" xmlns:r="http://schemas.openxmlformats.org/officeDocument/2006/relationships" xmlns:p="http://schemas.openxmlformats.org/presentationml/2006/main">
   <p:cSld>
     <p:spTree>
@@ -49992,15 +50240,7 @@
           <a:p>
             <a:r>
               <a:rPr lang="en-US" dirty="0"/>
-              <a:t>Chunks MUST be aligned to an </a:t>
-            </a:r>
-            <a:r>
-              <a:rPr lang="en-US" dirty="0" err="1"/>
-              <a:t>allocatable</a:t>
-            </a:r>
-            <a:r>
-              <a:rPr lang="en-US" dirty="0"/>
-              <a:t> offset:</a:t>
+              <a:t>Chunks MUST be aligned to an allocatable offset:</a:t>
             </a:r>
           </a:p>
           <a:p>
@@ -50060,7 +50300,7 @@
 </p:sld>
 </file>
 
-<file path=ppt/slides/slide68.xml><?xml version="1.0" encoding="utf-8"?>
+<file path=ppt/slides/slide69.xml><?xml version="1.0" encoding="utf-8"?>
 <p:sld xmlns:a="http://schemas.openxmlformats.org/drawingml/2006/main" xmlns:r="http://schemas.openxmlformats.org/officeDocument/2006/relationships" xmlns:p="http://schemas.openxmlformats.org/presentationml/2006/main">
   <p:cSld>
     <p:spTree>
@@ -50831,154 +51071,8 @@
 </p:sld>
 </file>
 
-<file path=ppt/slides/slide69.xml><?xml version="1.0" encoding="utf-8"?>
-<p:sld xmlns:a="http://schemas.openxmlformats.org/drawingml/2006/main" xmlns:r="http://schemas.openxmlformats.org/officeDocument/2006/relationships" xmlns:p="http://schemas.openxmlformats.org/presentationml/2006/main">
-  <p:cSld>
-    <p:spTree>
-      <p:nvGrpSpPr>
-        <p:cNvPr id="1" name=""/>
-        <p:cNvGrpSpPr/>
-        <p:nvPr/>
-      </p:nvGrpSpPr>
-      <p:grpSpPr>
-        <a:xfrm>
-          <a:off x="0" y="0"/>
-          <a:ext cx="0" cy="0"/>
-          <a:chOff x="0" y="0"/>
-          <a:chExt cx="0" cy="0"/>
-        </a:xfrm>
-      </p:grpSpPr>
-      <p:sp>
-        <p:nvSpPr>
-          <p:cNvPr id="2" name="Title 1">
-            <a:extLst>
-              <a:ext uri="{FF2B5EF4-FFF2-40B4-BE49-F238E27FC236}">
-                <a16:creationId xmlns:a16="http://schemas.microsoft.com/office/drawing/2014/main" id="{3A411F40-973E-D24C-9028-DAE129B015BA}"/>
-              </a:ext>
-            </a:extLst>
-          </p:cNvPr>
-          <p:cNvSpPr>
-            <a:spLocks noGrp="1"/>
-          </p:cNvSpPr>
-          <p:nvPr>
-            <p:ph type="title"/>
-          </p:nvPr>
-        </p:nvSpPr>
-        <p:spPr>
-          <a:xfrm>
-            <a:off x="628650" y="273847"/>
-            <a:ext cx="7886700" cy="994172"/>
-          </a:xfrm>
-        </p:spPr>
-        <p:txBody>
-          <a:bodyPr anchor="ctr">
-            <a:normAutofit fontScale="90000"/>
-          </a:bodyPr>
-          <a:lstStyle/>
-          <a:p>
-            <a:r>
-              <a:rPr lang="en-US" dirty="0"/>
-              <a:t>Outcomes of Pointer Mangling</a:t>
-            </a:r>
-          </a:p>
-        </p:txBody>
-      </p:sp>
-      <p:sp>
-        <p:nvSpPr>
-          <p:cNvPr id="71" name="Content Placeholder 2">
-            <a:extLst>
-              <a:ext uri="{FF2B5EF4-FFF2-40B4-BE49-F238E27FC236}">
-                <a16:creationId xmlns:a16="http://schemas.microsoft.com/office/drawing/2014/main" id="{8E225564-6979-4F4A-A050-2D17BC50CE0D}"/>
-              </a:ext>
-            </a:extLst>
-          </p:cNvPr>
-          <p:cNvSpPr>
-            <a:spLocks noGrp="1"/>
-          </p:cNvSpPr>
-          <p:nvPr>
-            <p:ph sz="half" idx="1"/>
-          </p:nvPr>
-        </p:nvSpPr>
-        <p:spPr>
-          <a:xfrm>
-            <a:off x="628650" y="1369219"/>
-            <a:ext cx="3886200" cy="3263504"/>
-          </a:xfrm>
-        </p:spPr>
-        <p:txBody>
-          <a:bodyPr/>
-          <a:lstStyle/>
-          <a:p>
-            <a:r>
-              <a:rPr lang="en-US" dirty="0"/>
-              <a:t>Impactful </a:t>
-            </a:r>
-          </a:p>
-          <a:p>
-            <a:r>
-              <a:rPr lang="en-US" dirty="0" err="1"/>
-              <a:t>GLibC</a:t>
-            </a:r>
-            <a:r>
-              <a:rPr lang="en-US" dirty="0"/>
-              <a:t> 2.32+</a:t>
-            </a:r>
-          </a:p>
-        </p:txBody>
-      </p:sp>
-      <p:pic>
-        <p:nvPicPr>
-          <p:cNvPr id="16386" name="Picture 2" descr="Worried Face Meme (Page 7) - Line.17QQ.com">
-            <a:extLst>
-              <a:ext uri="{FF2B5EF4-FFF2-40B4-BE49-F238E27FC236}">
-                <a16:creationId xmlns:a16="http://schemas.microsoft.com/office/drawing/2014/main" id="{B80A20D5-9899-CC4F-9816-DB42824C8CC3}"/>
-              </a:ext>
-            </a:extLst>
-          </p:cNvPr>
-          <p:cNvPicPr>
-            <a:picLocks noChangeAspect="1" noChangeArrowheads="1"/>
-          </p:cNvPicPr>
-          <p:nvPr/>
-        </p:nvPicPr>
-        <p:blipFill rotWithShape="1">
-          <a:blip r:embed="rId2">
-            <a:extLst>
-              <a:ext uri="{28A0092B-C50C-407E-A947-70E740481C1C}">
-                <a14:useLocalDpi xmlns:a14="http://schemas.microsoft.com/office/drawing/2010/main" val="0"/>
-              </a:ext>
-            </a:extLst>
-          </a:blip>
-          <a:srcRect t="768" b="9063"/>
-          <a:stretch/>
-        </p:blipFill>
-        <p:spPr bwMode="auto">
-          <a:xfrm>
-            <a:off x="4629150" y="1369219"/>
-            <a:ext cx="3886200" cy="3263504"/>
-          </a:xfrm>
-          <a:prstGeom prst="rect">
-            <a:avLst/>
-          </a:prstGeom>
-          <a:solidFill>
-            <a:srgbClr val="FFFFFF"/>
-          </a:solidFill>
-        </p:spPr>
-      </p:pic>
-    </p:spTree>
-    <p:extLst>
-      <p:ext uri="{BB962C8B-B14F-4D97-AF65-F5344CB8AC3E}">
-        <p14:creationId xmlns:p14="http://schemas.microsoft.com/office/powerpoint/2010/main" val="3520515958"/>
-      </p:ext>
-    </p:extLst>
-  </p:cSld>
-  <p:clrMapOvr>
-    <a:masterClrMapping/>
-  </p:clrMapOvr>
-</p:sld>
-</file>
-
 <file path=ppt/slides/slide7.xml><?xml version="1.0" encoding="utf-8"?>
-<p:sld xmlns:a="http://schemas.openxmlformats.org/drawingml/2006/main" xmlns:r="http://schemas.openxmlformats.org/officeDocument/2006/relationships" xmlns:p="http://schemas.openxmlformats.org/presentationml/2006/main">
+<p:sld xmlns:a="http://schemas.openxmlformats.org/drawingml/2006/main" xmlns:r="http://schemas.openxmlformats.org/officeDocument/2006/relationships" xmlns:p="http://schemas.openxmlformats.org/presentationml/2006/main" show="0">
   <p:cSld>
     <p:spTree>
       <p:nvGrpSpPr>
@@ -51260,6 +51354,152 @@
             <p:ph type="title"/>
           </p:nvPr>
         </p:nvSpPr>
+        <p:spPr>
+          <a:xfrm>
+            <a:off x="628650" y="273847"/>
+            <a:ext cx="7886700" cy="994172"/>
+          </a:xfrm>
+        </p:spPr>
+        <p:txBody>
+          <a:bodyPr anchor="ctr">
+            <a:normAutofit fontScale="90000"/>
+          </a:bodyPr>
+          <a:lstStyle/>
+          <a:p>
+            <a:r>
+              <a:rPr lang="en-US" dirty="0"/>
+              <a:t>Outcomes of Pointer Mangling</a:t>
+            </a:r>
+          </a:p>
+        </p:txBody>
+      </p:sp>
+      <p:sp>
+        <p:nvSpPr>
+          <p:cNvPr id="71" name="Content Placeholder 2">
+            <a:extLst>
+              <a:ext uri="{FF2B5EF4-FFF2-40B4-BE49-F238E27FC236}">
+                <a16:creationId xmlns:a16="http://schemas.microsoft.com/office/drawing/2014/main" id="{8E225564-6979-4F4A-A050-2D17BC50CE0D}"/>
+              </a:ext>
+            </a:extLst>
+          </p:cNvPr>
+          <p:cNvSpPr>
+            <a:spLocks noGrp="1"/>
+          </p:cNvSpPr>
+          <p:nvPr>
+            <p:ph sz="half" idx="1"/>
+          </p:nvPr>
+        </p:nvSpPr>
+        <p:spPr>
+          <a:xfrm>
+            <a:off x="628650" y="1369219"/>
+            <a:ext cx="3886200" cy="3263504"/>
+          </a:xfrm>
+        </p:spPr>
+        <p:txBody>
+          <a:bodyPr/>
+          <a:lstStyle/>
+          <a:p>
+            <a:r>
+              <a:rPr lang="en-US" dirty="0"/>
+              <a:t>Impactful </a:t>
+            </a:r>
+          </a:p>
+          <a:p>
+            <a:r>
+              <a:rPr lang="en-US" dirty="0" err="1"/>
+              <a:t>GLibC</a:t>
+            </a:r>
+            <a:r>
+              <a:rPr lang="en-US" dirty="0"/>
+              <a:t> 2.32+</a:t>
+            </a:r>
+          </a:p>
+        </p:txBody>
+      </p:sp>
+      <p:pic>
+        <p:nvPicPr>
+          <p:cNvPr id="16386" name="Picture 2" descr="Worried Face Meme (Page 7) - Line.17QQ.com">
+            <a:extLst>
+              <a:ext uri="{FF2B5EF4-FFF2-40B4-BE49-F238E27FC236}">
+                <a16:creationId xmlns:a16="http://schemas.microsoft.com/office/drawing/2014/main" id="{B80A20D5-9899-CC4F-9816-DB42824C8CC3}"/>
+              </a:ext>
+            </a:extLst>
+          </p:cNvPr>
+          <p:cNvPicPr>
+            <a:picLocks noChangeAspect="1" noChangeArrowheads="1"/>
+          </p:cNvPicPr>
+          <p:nvPr/>
+        </p:nvPicPr>
+        <p:blipFill rotWithShape="1">
+          <a:blip r:embed="rId2">
+            <a:extLst>
+              <a:ext uri="{28A0092B-C50C-407E-A947-70E740481C1C}">
+                <a14:useLocalDpi xmlns:a14="http://schemas.microsoft.com/office/drawing/2010/main" val="0"/>
+              </a:ext>
+            </a:extLst>
+          </a:blip>
+          <a:srcRect t="768" b="9063"/>
+          <a:stretch/>
+        </p:blipFill>
+        <p:spPr bwMode="auto">
+          <a:xfrm>
+            <a:off x="4629150" y="1369219"/>
+            <a:ext cx="3886200" cy="3263504"/>
+          </a:xfrm>
+          <a:prstGeom prst="rect">
+            <a:avLst/>
+          </a:prstGeom>
+          <a:solidFill>
+            <a:srgbClr val="FFFFFF"/>
+          </a:solidFill>
+        </p:spPr>
+      </p:pic>
+    </p:spTree>
+    <p:extLst>
+      <p:ext uri="{BB962C8B-B14F-4D97-AF65-F5344CB8AC3E}">
+        <p14:creationId xmlns:p14="http://schemas.microsoft.com/office/powerpoint/2010/main" val="3520515958"/>
+      </p:ext>
+    </p:extLst>
+  </p:cSld>
+  <p:clrMapOvr>
+    <a:masterClrMapping/>
+  </p:clrMapOvr>
+</p:sld>
+</file>
+
+<file path=ppt/slides/slide71.xml><?xml version="1.0" encoding="utf-8"?>
+<p:sld xmlns:a="http://schemas.openxmlformats.org/drawingml/2006/main" xmlns:r="http://schemas.openxmlformats.org/officeDocument/2006/relationships" xmlns:p="http://schemas.openxmlformats.org/presentationml/2006/main">
+  <p:cSld>
+    <p:spTree>
+      <p:nvGrpSpPr>
+        <p:cNvPr id="1" name=""/>
+        <p:cNvGrpSpPr/>
+        <p:nvPr/>
+      </p:nvGrpSpPr>
+      <p:grpSpPr>
+        <a:xfrm>
+          <a:off x="0" y="0"/>
+          <a:ext cx="0" cy="0"/>
+          <a:chOff x="0" y="0"/>
+          <a:chExt cx="0" cy="0"/>
+        </a:xfrm>
+      </p:grpSpPr>
+      <p:sp>
+        <p:nvSpPr>
+          <p:cNvPr id="2" name="Title 1">
+            <a:extLst>
+              <a:ext uri="{FF2B5EF4-FFF2-40B4-BE49-F238E27FC236}">
+                <a16:creationId xmlns:a16="http://schemas.microsoft.com/office/drawing/2014/main" id="{3A411F40-973E-D24C-9028-DAE129B015BA}"/>
+              </a:ext>
+            </a:extLst>
+          </p:cNvPr>
+          <p:cNvSpPr>
+            <a:spLocks noGrp="1"/>
+          </p:cNvSpPr>
+          <p:nvPr>
+            <p:ph type="title"/>
+          </p:nvPr>
+        </p:nvSpPr>
         <p:spPr/>
         <p:txBody>
           <a:bodyPr/>
@@ -51408,7 +51648,7 @@
 </p:sld>
 </file>
 
-<file path=ppt/slides/slide71.xml><?xml version="1.0" encoding="utf-8"?>
+<file path=ppt/slides/slide72.xml><?xml version="1.0" encoding="utf-8"?>
 <p:sld xmlns:a="http://schemas.openxmlformats.org/drawingml/2006/main" xmlns:r="http://schemas.openxmlformats.org/officeDocument/2006/relationships" xmlns:p="http://schemas.openxmlformats.org/presentationml/2006/main">
   <p:cSld>
     <p:spTree>
@@ -51543,7 +51783,7 @@
 </p:sld>
 </file>
 
-<file path=ppt/slides/slide72.xml><?xml version="1.0" encoding="utf-8"?>
+<file path=ppt/slides/slide73.xml><?xml version="1.0" encoding="utf-8"?>
 <p:sld xmlns:a="http://schemas.openxmlformats.org/drawingml/2006/main" xmlns:r="http://schemas.openxmlformats.org/officeDocument/2006/relationships" xmlns:p="http://schemas.openxmlformats.org/presentationml/2006/main">
   <p:cSld>
     <p:spTree>
@@ -52426,7 +52666,7 @@
 </p:sld>
 </file>
 
-<file path=ppt/slides/slide73.xml><?xml version="1.0" encoding="utf-8"?>
+<file path=ppt/slides/slide74.xml><?xml version="1.0" encoding="utf-8"?>
 <p:sld xmlns:a="http://schemas.openxmlformats.org/drawingml/2006/main" xmlns:r="http://schemas.openxmlformats.org/officeDocument/2006/relationships" xmlns:p="http://schemas.openxmlformats.org/presentationml/2006/main">
   <p:cSld>
     <p:spTree>
@@ -53308,7 +53548,7 @@
 </p:sld>
 </file>
 
-<file path=ppt/slides/slide74.xml><?xml version="1.0" encoding="utf-8"?>
+<file path=ppt/slides/slide75.xml><?xml version="1.0" encoding="utf-8"?>
 <p:sld xmlns:a="http://schemas.openxmlformats.org/drawingml/2006/main" xmlns:r="http://schemas.openxmlformats.org/officeDocument/2006/relationships" xmlns:p="http://schemas.openxmlformats.org/presentationml/2006/main">
   <p:cSld>
     <p:spTree>
@@ -54262,7 +54502,7 @@
 </p:sld>
 </file>
 
-<file path=ppt/slides/slide75.xml><?xml version="1.0" encoding="utf-8"?>
+<file path=ppt/slides/slide76.xml><?xml version="1.0" encoding="utf-8"?>
 <p:sld xmlns:a="http://schemas.openxmlformats.org/drawingml/2006/main" xmlns:r="http://schemas.openxmlformats.org/officeDocument/2006/relationships" xmlns:p="http://schemas.openxmlformats.org/presentationml/2006/main">
   <p:cSld>
     <p:spTree>
@@ -54859,7 +55099,7 @@
 </p:sld>
 </file>
 
-<file path=ppt/slides/slide76.xml><?xml version="1.0" encoding="utf-8"?>
+<file path=ppt/slides/slide77.xml><?xml version="1.0" encoding="utf-8"?>
 <p:sld xmlns:a="http://schemas.openxmlformats.org/drawingml/2006/main" xmlns:r="http://schemas.openxmlformats.org/officeDocument/2006/relationships" xmlns:p="http://schemas.openxmlformats.org/presentationml/2006/main">
   <p:cSld>
     <p:spTree>
@@ -55484,7 +55724,7 @@
 </p:sld>
 </file>
 
-<file path=ppt/slides/slide77.xml><?xml version="1.0" encoding="utf-8"?>
+<file path=ppt/slides/slide78.xml><?xml version="1.0" encoding="utf-8"?>
 <p:sld xmlns:a="http://schemas.openxmlformats.org/drawingml/2006/main" xmlns:r="http://schemas.openxmlformats.org/officeDocument/2006/relationships" xmlns:p="http://schemas.openxmlformats.org/presentationml/2006/main">
   <p:cSld>
     <p:spTree>
@@ -56340,7 +56580,7 @@
 </p:sld>
 </file>
 
-<file path=ppt/slides/slide78.xml><?xml version="1.0" encoding="utf-8"?>
+<file path=ppt/slides/slide79.xml><?xml version="1.0" encoding="utf-8"?>
 <p:sld xmlns:a="http://schemas.openxmlformats.org/drawingml/2006/main" xmlns:r="http://schemas.openxmlformats.org/officeDocument/2006/relationships" xmlns:p="http://schemas.openxmlformats.org/presentationml/2006/main">
   <p:cSld>
     <p:spTree>
@@ -56436,104 +56676,8 @@
 </p:sld>
 </file>
 
-<file path=ppt/slides/slide79.xml><?xml version="1.0" encoding="utf-8"?>
-<p:sld xmlns:a="http://schemas.openxmlformats.org/drawingml/2006/main" xmlns:r="http://schemas.openxmlformats.org/officeDocument/2006/relationships" xmlns:p="http://schemas.openxmlformats.org/presentationml/2006/main">
-  <p:cSld>
-    <p:spTree>
-      <p:nvGrpSpPr>
-        <p:cNvPr id="1" name=""/>
-        <p:cNvGrpSpPr/>
-        <p:nvPr/>
-      </p:nvGrpSpPr>
-      <p:grpSpPr>
-        <a:xfrm>
-          <a:off x="0" y="0"/>
-          <a:ext cx="0" cy="0"/>
-          <a:chOff x="0" y="0"/>
-          <a:chExt cx="0" cy="0"/>
-        </a:xfrm>
-      </p:grpSpPr>
-      <p:sp>
-        <p:nvSpPr>
-          <p:cNvPr id="2" name="Title 1">
-            <a:extLst>
-              <a:ext uri="{FF2B5EF4-FFF2-40B4-BE49-F238E27FC236}">
-                <a16:creationId xmlns:a16="http://schemas.microsoft.com/office/drawing/2014/main" id="{2F31D23C-4653-A34E-8612-605CD486F521}"/>
-              </a:ext>
-            </a:extLst>
-          </p:cNvPr>
-          <p:cNvSpPr>
-            <a:spLocks noGrp="1"/>
-          </p:cNvSpPr>
-          <p:nvPr>
-            <p:ph type="title"/>
-          </p:nvPr>
-        </p:nvSpPr>
-        <p:spPr>
-          <a:xfrm>
-            <a:off x="457200" y="342900"/>
-            <a:ext cx="8229600" cy="857250"/>
-          </a:xfrm>
-        </p:spPr>
-        <p:txBody>
-          <a:bodyPr anchor="ctr">
-            <a:normAutofit/>
-          </a:bodyPr>
-          <a:lstStyle/>
-          <a:p>
-            <a:r>
-              <a:rPr lang="en-US" dirty="0"/>
-              <a:t>Mangling Tools</a:t>
-            </a:r>
-          </a:p>
-        </p:txBody>
-      </p:sp>
-      <p:graphicFrame>
-        <p:nvGraphicFramePr>
-          <p:cNvPr id="5" name="Content Placeholder 2">
-            <a:extLst>
-              <a:ext uri="{FF2B5EF4-FFF2-40B4-BE49-F238E27FC236}">
-                <a16:creationId xmlns:a16="http://schemas.microsoft.com/office/drawing/2014/main" id="{05AF4118-2F86-4B3B-BFA3-81AB4F3B8176}"/>
-              </a:ext>
-            </a:extLst>
-          </p:cNvPr>
-          <p:cNvGraphicFramePr>
-            <a:graphicFrameLocks noGrp="1"/>
-          </p:cNvGraphicFramePr>
-          <p:nvPr>
-            <p:ph idx="1"/>
-            <p:extLst>
-              <p:ext uri="{D42A27DB-BD31-4B8C-83A1-F6EECF244321}">
-                <p14:modId xmlns:p14="http://schemas.microsoft.com/office/powerpoint/2010/main" val="3790337063"/>
-              </p:ext>
-            </p:extLst>
-          </p:nvPr>
-        </p:nvGraphicFramePr>
-        <p:xfrm>
-          <a:off x="628650" y="1369219"/>
-          <a:ext cx="7886700" cy="3263504"/>
-        </p:xfrm>
-        <a:graphic>
-          <a:graphicData uri="http://schemas.openxmlformats.org/drawingml/2006/diagram">
-            <dgm:relIds xmlns:dgm="http://schemas.openxmlformats.org/drawingml/2006/diagram" xmlns:r="http://schemas.openxmlformats.org/officeDocument/2006/relationships" r:dm="rId2" r:lo="rId3" r:qs="rId4" r:cs="rId5"/>
-          </a:graphicData>
-        </a:graphic>
-      </p:graphicFrame>
-    </p:spTree>
-    <p:extLst>
-      <p:ext uri="{BB962C8B-B14F-4D97-AF65-F5344CB8AC3E}">
-        <p14:creationId xmlns:p14="http://schemas.microsoft.com/office/powerpoint/2010/main" val="3252936194"/>
-      </p:ext>
-    </p:extLst>
-  </p:cSld>
-  <p:clrMapOvr>
-    <a:masterClrMapping/>
-  </p:clrMapOvr>
-</p:sld>
-</file>
-
 <file path=ppt/slides/slide8.xml><?xml version="1.0" encoding="utf-8"?>
-<p:sld xmlns:a="http://schemas.openxmlformats.org/drawingml/2006/main" xmlns:r="http://schemas.openxmlformats.org/officeDocument/2006/relationships" xmlns:p="http://schemas.openxmlformats.org/presentationml/2006/main">
+<p:sld xmlns:a="http://schemas.openxmlformats.org/drawingml/2006/main" xmlns:r="http://schemas.openxmlformats.org/officeDocument/2006/relationships" xmlns:p="http://schemas.openxmlformats.org/presentationml/2006/main" show="0">
   <p:cSld>
     <p:spTree>
       <p:nvGrpSpPr>
@@ -56784,6 +56928,102 @@
           <p:cNvPr id="2" name="Title 1">
             <a:extLst>
               <a:ext uri="{FF2B5EF4-FFF2-40B4-BE49-F238E27FC236}">
+                <a16:creationId xmlns:a16="http://schemas.microsoft.com/office/drawing/2014/main" id="{2F31D23C-4653-A34E-8612-605CD486F521}"/>
+              </a:ext>
+            </a:extLst>
+          </p:cNvPr>
+          <p:cNvSpPr>
+            <a:spLocks noGrp="1"/>
+          </p:cNvSpPr>
+          <p:nvPr>
+            <p:ph type="title"/>
+          </p:nvPr>
+        </p:nvSpPr>
+        <p:spPr>
+          <a:xfrm>
+            <a:off x="457200" y="342900"/>
+            <a:ext cx="8229600" cy="857250"/>
+          </a:xfrm>
+        </p:spPr>
+        <p:txBody>
+          <a:bodyPr anchor="ctr">
+            <a:normAutofit/>
+          </a:bodyPr>
+          <a:lstStyle/>
+          <a:p>
+            <a:r>
+              <a:rPr lang="en-US" dirty="0"/>
+              <a:t>Mangling Tools</a:t>
+            </a:r>
+          </a:p>
+        </p:txBody>
+      </p:sp>
+      <p:graphicFrame>
+        <p:nvGraphicFramePr>
+          <p:cNvPr id="5" name="Content Placeholder 2">
+            <a:extLst>
+              <a:ext uri="{FF2B5EF4-FFF2-40B4-BE49-F238E27FC236}">
+                <a16:creationId xmlns:a16="http://schemas.microsoft.com/office/drawing/2014/main" id="{05AF4118-2F86-4B3B-BFA3-81AB4F3B8176}"/>
+              </a:ext>
+            </a:extLst>
+          </p:cNvPr>
+          <p:cNvGraphicFramePr>
+            <a:graphicFrameLocks noGrp="1"/>
+          </p:cNvGraphicFramePr>
+          <p:nvPr>
+            <p:ph idx="1"/>
+            <p:extLst>
+              <p:ext uri="{D42A27DB-BD31-4B8C-83A1-F6EECF244321}">
+                <p14:modId xmlns:p14="http://schemas.microsoft.com/office/powerpoint/2010/main" val="3790337063"/>
+              </p:ext>
+            </p:extLst>
+          </p:nvPr>
+        </p:nvGraphicFramePr>
+        <p:xfrm>
+          <a:off x="628650" y="1369219"/>
+          <a:ext cx="7886700" cy="3263504"/>
+        </p:xfrm>
+        <a:graphic>
+          <a:graphicData uri="http://schemas.openxmlformats.org/drawingml/2006/diagram">
+            <dgm:relIds xmlns:dgm="http://schemas.openxmlformats.org/drawingml/2006/diagram" xmlns:r="http://schemas.openxmlformats.org/officeDocument/2006/relationships" r:dm="rId2" r:lo="rId3" r:qs="rId4" r:cs="rId5"/>
+          </a:graphicData>
+        </a:graphic>
+      </p:graphicFrame>
+    </p:spTree>
+    <p:extLst>
+      <p:ext uri="{BB962C8B-B14F-4D97-AF65-F5344CB8AC3E}">
+        <p14:creationId xmlns:p14="http://schemas.microsoft.com/office/powerpoint/2010/main" val="3252936194"/>
+      </p:ext>
+    </p:extLst>
+  </p:cSld>
+  <p:clrMapOvr>
+    <a:masterClrMapping/>
+  </p:clrMapOvr>
+</p:sld>
+</file>
+
+<file path=ppt/slides/slide81.xml><?xml version="1.0" encoding="utf-8"?>
+<p:sld xmlns:a="http://schemas.openxmlformats.org/drawingml/2006/main" xmlns:r="http://schemas.openxmlformats.org/officeDocument/2006/relationships" xmlns:p="http://schemas.openxmlformats.org/presentationml/2006/main">
+  <p:cSld>
+    <p:spTree>
+      <p:nvGrpSpPr>
+        <p:cNvPr id="1" name=""/>
+        <p:cNvGrpSpPr/>
+        <p:nvPr/>
+      </p:nvGrpSpPr>
+      <p:grpSpPr>
+        <a:xfrm>
+          <a:off x="0" y="0"/>
+          <a:ext cx="0" cy="0"/>
+          <a:chOff x="0" y="0"/>
+          <a:chExt cx="0" cy="0"/>
+        </a:xfrm>
+      </p:grpSpPr>
+      <p:sp>
+        <p:nvSpPr>
+          <p:cNvPr id="2" name="Title 1">
+            <a:extLst>
+              <a:ext uri="{FF2B5EF4-FFF2-40B4-BE49-F238E27FC236}">
                 <a16:creationId xmlns:a16="http://schemas.microsoft.com/office/drawing/2014/main" id="{A8D1A044-C0AD-E646-BFE8-52A12343E5F6}"/>
               </a:ext>
             </a:extLst>
@@ -56858,7 +57098,7 @@
 </p:sld>
 </file>
 
-<file path=ppt/slides/slide81.xml><?xml version="1.0" encoding="utf-8"?>
+<file path=ppt/slides/slide82.xml><?xml version="1.0" encoding="utf-8"?>
 <p:sld xmlns:a="http://schemas.openxmlformats.org/drawingml/2006/main" xmlns:r="http://schemas.openxmlformats.org/officeDocument/2006/relationships" xmlns:p="http://schemas.openxmlformats.org/presentationml/2006/main">
   <p:cSld>
     <p:spTree>
@@ -56954,7 +57194,7 @@
 </p:sld>
 </file>
 
-<file path=ppt/slides/slide82.xml><?xml version="1.0" encoding="utf-8"?>
+<file path=ppt/slides/slide83.xml><?xml version="1.0" encoding="utf-8"?>
 <p:sld xmlns:a="http://schemas.openxmlformats.org/drawingml/2006/main" xmlns:r="http://schemas.openxmlformats.org/officeDocument/2006/relationships" xmlns:p="http://schemas.openxmlformats.org/presentationml/2006/main">
   <p:cSld>
     <p:spTree>
@@ -56990,21 +57230,13 @@
         <p:spPr/>
         <p:txBody>
           <a:bodyPr>
-            <a:normAutofit fontScale="90000"/>
+            <a:normAutofit/>
           </a:bodyPr>
           <a:lstStyle/>
           <a:p>
             <a:r>
               <a:rPr lang="en-US" dirty="0"/>
-              <a:t>TODO: Mangling </a:t>
-            </a:r>
-            <a:r>
-              <a:rPr lang="en-US"/>
-              <a:t>solution for </a:t>
-            </a:r>
-            <a:r>
-              <a:rPr lang="en-US" dirty="0"/>
-              <a:t>challenge</a:t>
+              <a:t>Challenge 1 with Mangling</a:t>
             </a:r>
           </a:p>
         </p:txBody>
@@ -57030,6 +57262,84 @@
           <a:bodyPr/>
           <a:lstStyle/>
           <a:p>
+            <a:r>
+              <a:rPr lang="en-US" dirty="0"/>
+              <a:t>ASLR is turned </a:t>
+            </a:r>
+            <a:r>
+              <a:rPr lang="en-US" b="1" i="1" dirty="0"/>
+              <a:t>off</a:t>
+            </a:r>
+            <a:r>
+              <a:rPr lang="en-US" dirty="0"/>
+              <a:t>  for this challenge</a:t>
+            </a:r>
+          </a:p>
+          <a:p>
+            <a:r>
+              <a:rPr lang="en-US" dirty="0" err="1"/>
+              <a:t>GLibC</a:t>
+            </a:r>
+            <a:r>
+              <a:rPr lang="en-US" dirty="0"/>
+              <a:t> 2.32 with pointer mangling mitigations</a:t>
+            </a:r>
+          </a:p>
+          <a:p>
+            <a:r>
+              <a:rPr lang="en-US" dirty="0"/>
+              <a:t>Use </a:t>
+            </a:r>
+            <a:r>
+              <a:rPr lang="en-US" i="1" dirty="0" err="1"/>
+              <a:t>encode_ptr</a:t>
+            </a:r>
+            <a:r>
+              <a:rPr lang="en-US" i="1" dirty="0"/>
+              <a:t> </a:t>
+            </a:r>
+            <a:r>
+              <a:rPr lang="en-US" dirty="0"/>
+              <a:t>function to do the encoding</a:t>
+            </a:r>
+          </a:p>
+          <a:p>
+            <a:r>
+              <a:rPr lang="en-US" dirty="0"/>
+              <a:t>Everything else is the same: </a:t>
+            </a:r>
+          </a:p>
+          <a:p>
+            <a:pPr lvl="1"/>
+            <a:r>
+              <a:rPr lang="en-US" dirty="0" err="1"/>
+              <a:t>fd_poison</a:t>
+            </a:r>
+            <a:r>
+              <a:rPr lang="en-US" dirty="0"/>
+              <a:t>-&gt;challenge1</a:t>
+            </a:r>
+          </a:p>
+          <a:p>
+            <a:pPr lvl="1"/>
+            <a:r>
+              <a:rPr lang="en-US" dirty="0"/>
+              <a:t>Setup a fake chunk to overwrite a string</a:t>
+            </a:r>
+          </a:p>
+          <a:p>
+            <a:pPr lvl="1"/>
+            <a:r>
+              <a:rPr lang="en-US" dirty="0"/>
+              <a:t>String is at ﻿</a:t>
+            </a:r>
+            <a:r>
+              <a:rPr lang="en-US" b="1" dirty="0"/>
+              <a:t>0x601080</a:t>
+            </a:r>
+          </a:p>
+          <a:p>
+            <a:pPr lvl="1"/>
             <a:endParaRPr lang="en-US" dirty="0"/>
           </a:p>
         </p:txBody>
@@ -57047,7 +57357,7 @@
 </p:sld>
 </file>
 
-<file path=ppt/slides/slide83.xml><?xml version="1.0" encoding="utf-8"?>
+<file path=ppt/slides/slide84.xml><?xml version="1.0" encoding="utf-8"?>
 <p:sld xmlns:a="http://schemas.openxmlformats.org/drawingml/2006/main" xmlns:r="http://schemas.openxmlformats.org/officeDocument/2006/relationships" xmlns:p="http://schemas.openxmlformats.org/presentationml/2006/main">
   <p:cSld>
     <p:spTree>
@@ -57069,7 +57379,7 @@
           <p:cNvPr id="2" name="Title 1">
             <a:extLst>
               <a:ext uri="{FF2B5EF4-FFF2-40B4-BE49-F238E27FC236}">
-                <a16:creationId xmlns:a16="http://schemas.microsoft.com/office/drawing/2014/main" id="{D536B134-0C4E-334A-801C-45851C40FE0B}"/>
+                <a16:creationId xmlns:a16="http://schemas.microsoft.com/office/drawing/2014/main" id="{BDE2AD65-DD29-4842-AAF6-380C9DBBD792}"/>
               </a:ext>
             </a:extLst>
           </p:cNvPr>
@@ -57087,7 +57397,7 @@
           <a:p>
             <a:r>
               <a:rPr lang="en-US" dirty="0"/>
-              <a:t>Resources</a:t>
+              <a:t>Vulnerability</a:t>
             </a:r>
           </a:p>
         </p:txBody>
@@ -57097,7 +57407,7 @@
           <p:cNvPr id="3" name="Content Placeholder 2">
             <a:extLst>
               <a:ext uri="{FF2B5EF4-FFF2-40B4-BE49-F238E27FC236}">
-                <a16:creationId xmlns:a16="http://schemas.microsoft.com/office/drawing/2014/main" id="{7345FB29-D1BF-D648-BD58-9300D3C99838}"/>
+                <a16:creationId xmlns:a16="http://schemas.microsoft.com/office/drawing/2014/main" id="{950850E9-BECB-E54C-84DB-CA401A9EFDFD}"/>
               </a:ext>
             </a:extLst>
           </p:cNvPr>
@@ -57108,76 +57418,601 @@
             <p:ph idx="1"/>
           </p:nvPr>
         </p:nvSpPr>
-        <p:spPr/>
+        <p:spPr>
+          <a:xfrm>
+            <a:off x="628650" y="1236541"/>
+            <a:ext cx="5430627" cy="3263504"/>
+          </a:xfrm>
+        </p:spPr>
+        <p:txBody>
+          <a:bodyPr/>
+          <a:lstStyle/>
+          <a:p>
+            <a:r>
+              <a:rPr lang="en-US" dirty="0"/>
+              <a:t>Use after free on </a:t>
+            </a:r>
+            <a:r>
+              <a:rPr lang="en-US" b="1" i="1" dirty="0"/>
+              <a:t>data</a:t>
+            </a:r>
+          </a:p>
+          <a:p>
+            <a:r>
+              <a:rPr lang="en-US" dirty="0"/>
+              <a:t>Allows for editing of</a:t>
+            </a:r>
+            <a:br>
+              <a:rPr lang="en-US" dirty="0"/>
+            </a:br>
+            <a:r>
+              <a:rPr lang="en-US" dirty="0"/>
+              <a:t>a free chunks </a:t>
+            </a:r>
+            <a:r>
+              <a:rPr lang="en-US" b="1" i="1" dirty="0"/>
+              <a:t>fd</a:t>
+            </a:r>
+            <a:r>
+              <a:rPr lang="en-US" dirty="0"/>
+              <a:t> pointer</a:t>
+            </a:r>
+          </a:p>
+          <a:p>
+            <a:pPr lvl="1"/>
+            <a:r>
+              <a:rPr lang="en-US" dirty="0"/>
+              <a:t>Control all fields after the </a:t>
+            </a:r>
+            <a:r>
+              <a:rPr lang="en-US" i="1" dirty="0"/>
+              <a:t>memory</a:t>
+            </a:r>
+            <a:r>
+              <a:rPr lang="en-US" dirty="0"/>
+              <a:t> in the diagram</a:t>
+            </a:r>
+          </a:p>
+        </p:txBody>
+      </p:sp>
+      <p:pic>
+        <p:nvPicPr>
+          <p:cNvPr id="5" name="Picture 4" descr="Use after free on data">
+            <a:extLst>
+              <a:ext uri="{FF2B5EF4-FFF2-40B4-BE49-F238E27FC236}">
+                <a16:creationId xmlns:a16="http://schemas.microsoft.com/office/drawing/2014/main" id="{251B79A6-34E2-644F-9C3B-D4E8F73DA865}"/>
+              </a:ext>
+            </a:extLst>
+          </p:cNvPr>
+          <p:cNvPicPr>
+            <a:picLocks noChangeAspect="1"/>
+          </p:cNvPicPr>
+          <p:nvPr/>
+        </p:nvPicPr>
+        <p:blipFill>
+          <a:blip r:embed="rId2"/>
+          <a:stretch>
+            <a:fillRect/>
+          </a:stretch>
+        </p:blipFill>
+        <p:spPr>
+          <a:xfrm>
+            <a:off x="3935098" y="770933"/>
+            <a:ext cx="4744519" cy="1193985"/>
+          </a:xfrm>
+          <a:prstGeom prst="rect">
+            <a:avLst/>
+          </a:prstGeom>
+        </p:spPr>
+      </p:pic>
+      <p:pic>
+        <p:nvPicPr>
+          <p:cNvPr id="6" name="Picture 5" descr="TCache Chunk">
+            <a:extLst>
+              <a:ext uri="{FF2B5EF4-FFF2-40B4-BE49-F238E27FC236}">
+                <a16:creationId xmlns:a16="http://schemas.microsoft.com/office/drawing/2014/main" id="{8E6AF62F-C19D-9341-8F6D-D88EF3FB60A3}"/>
+              </a:ext>
+            </a:extLst>
+          </p:cNvPr>
+          <p:cNvPicPr>
+            <a:picLocks noChangeAspect="1"/>
+          </p:cNvPicPr>
+          <p:nvPr/>
+        </p:nvPicPr>
+        <p:blipFill>
+          <a:blip r:embed="rId3"/>
+          <a:stretch>
+            <a:fillRect/>
+          </a:stretch>
+        </p:blipFill>
+        <p:spPr>
+          <a:xfrm>
+            <a:off x="6514568" y="2307400"/>
+            <a:ext cx="1857563" cy="1742365"/>
+          </a:xfrm>
+          <a:prstGeom prst="rect">
+            <a:avLst/>
+          </a:prstGeom>
+        </p:spPr>
+      </p:pic>
+    </p:spTree>
+    <p:extLst>
+      <p:ext uri="{BB962C8B-B14F-4D97-AF65-F5344CB8AC3E}">
+        <p14:creationId xmlns:p14="http://schemas.microsoft.com/office/powerpoint/2010/main" val="409294644"/>
+      </p:ext>
+    </p:extLst>
+  </p:cSld>
+  <p:clrMapOvr>
+    <a:masterClrMapping/>
+  </p:clrMapOvr>
+</p:sld>
+</file>
+
+<file path=ppt/slides/slide85.xml><?xml version="1.0" encoding="utf-8"?>
+<p:sld xmlns:a="http://schemas.openxmlformats.org/drawingml/2006/main" xmlns:r="http://schemas.openxmlformats.org/officeDocument/2006/relationships" xmlns:p="http://schemas.openxmlformats.org/presentationml/2006/main">
+  <p:cSld>
+    <p:spTree>
+      <p:nvGrpSpPr>
+        <p:cNvPr id="1" name=""/>
+        <p:cNvGrpSpPr/>
+        <p:nvPr/>
+      </p:nvGrpSpPr>
+      <p:grpSpPr>
+        <a:xfrm>
+          <a:off x="0" y="0"/>
+          <a:ext cx="0" cy="0"/>
+          <a:chOff x="0" y="0"/>
+          <a:chExt cx="0" cy="0"/>
+        </a:xfrm>
+      </p:grpSpPr>
+      <p:sp>
+        <p:nvSpPr>
+          <p:cNvPr id="10" name="Title 1">
+            <a:extLst>
+              <a:ext uri="{FF2B5EF4-FFF2-40B4-BE49-F238E27FC236}">
+                <a16:creationId xmlns:a16="http://schemas.microsoft.com/office/drawing/2014/main" id="{01F3E129-263E-46B0-A80D-3F1DB5FAC883}"/>
+              </a:ext>
+            </a:extLst>
+          </p:cNvPr>
+          <p:cNvSpPr>
+            <a:spLocks noGrp="1"/>
+          </p:cNvSpPr>
+          <p:nvPr>
+            <p:ph type="title"/>
+          </p:nvPr>
+        </p:nvSpPr>
+        <p:spPr>
+          <a:xfrm>
+            <a:off x="629841" y="342900"/>
+            <a:ext cx="2949178" cy="1200150"/>
+          </a:xfrm>
+        </p:spPr>
+        <p:txBody>
+          <a:bodyPr/>
+          <a:lstStyle/>
+          <a:p>
+            <a:r>
+              <a:rPr lang="en-US" dirty="0"/>
+              <a:t>After First Malloc</a:t>
+            </a:r>
+          </a:p>
+        </p:txBody>
+      </p:sp>
+      <p:pic>
+        <p:nvPicPr>
+          <p:cNvPr id="5" name="Content Placeholder 4" descr="Box and whisker chart&#10;&#10;Description automatically generated with medium confidence">
+            <a:extLst>
+              <a:ext uri="{FF2B5EF4-FFF2-40B4-BE49-F238E27FC236}">
+                <a16:creationId xmlns:a16="http://schemas.microsoft.com/office/drawing/2014/main" id="{F1EED908-76EF-0C48-AD54-B6E21F754A45}"/>
+              </a:ext>
+            </a:extLst>
+          </p:cNvPr>
+          <p:cNvPicPr>
+            <a:picLocks noGrp="1" noChangeAspect="1"/>
+          </p:cNvPicPr>
+          <p:nvPr>
+            <p:ph idx="1"/>
+          </p:nvPr>
+        </p:nvPicPr>
+        <p:blipFill>
+          <a:blip r:embed="rId2"/>
+          <a:stretch>
+            <a:fillRect/>
+          </a:stretch>
+        </p:blipFill>
+        <p:spPr>
+          <a:xfrm>
+            <a:off x="4755469" y="740572"/>
+            <a:ext cx="2892993" cy="3655219"/>
+          </a:xfrm>
+          <a:noFill/>
+        </p:spPr>
+      </p:pic>
+      <p:sp>
+        <p:nvSpPr>
+          <p:cNvPr id="12" name="Text Placeholder 3">
+            <a:extLst>
+              <a:ext uri="{FF2B5EF4-FFF2-40B4-BE49-F238E27FC236}">
+                <a16:creationId xmlns:a16="http://schemas.microsoft.com/office/drawing/2014/main" id="{DFC6264D-0BA4-4D81-9905-8B2BFF0425FA}"/>
+              </a:ext>
+            </a:extLst>
+          </p:cNvPr>
+          <p:cNvSpPr>
+            <a:spLocks noGrp="1"/>
+          </p:cNvSpPr>
+          <p:nvPr>
+            <p:ph type="body" sz="half" idx="2"/>
+          </p:nvPr>
+        </p:nvSpPr>
+        <p:spPr>
+          <a:xfrm>
+            <a:off x="3050438" y="3195641"/>
+            <a:ext cx="1479874" cy="1200150"/>
+          </a:xfrm>
+        </p:spPr>
+        <p:txBody>
+          <a:bodyPr/>
+          <a:lstStyle/>
+          <a:p>
+            <a:r>
+              <a:rPr lang="en-US" dirty="0"/>
+              <a:t>We control this via a UAF!</a:t>
+            </a:r>
+          </a:p>
+        </p:txBody>
+      </p:sp>
+      <p:cxnSp>
+        <p:nvCxnSpPr>
+          <p:cNvPr id="9" name="Straight Arrow Connector 8">
+            <a:extLst>
+              <a:ext uri="{FF2B5EF4-FFF2-40B4-BE49-F238E27FC236}">
+                <a16:creationId xmlns:a16="http://schemas.microsoft.com/office/drawing/2014/main" id="{A13F9F48-B26D-A64C-A21E-0FFFB0B807DA}"/>
+              </a:ext>
+            </a:extLst>
+          </p:cNvPr>
+          <p:cNvCxnSpPr>
+            <a:cxnSpLocks/>
+          </p:cNvCxnSpPr>
+          <p:nvPr/>
+        </p:nvCxnSpPr>
+        <p:spPr>
+          <a:xfrm>
+            <a:off x="3050438" y="3716122"/>
+            <a:ext cx="1617249" cy="0"/>
+          </a:xfrm>
+          <a:prstGeom prst="straightConnector1">
+            <a:avLst/>
+          </a:prstGeom>
+          <a:ln w="76200">
+            <a:solidFill>
+              <a:srgbClr val="FF0000"/>
+            </a:solidFill>
+            <a:tailEnd type="triangle"/>
+          </a:ln>
+        </p:spPr>
+        <p:style>
+          <a:lnRef idx="1">
+            <a:schemeClr val="accent1"/>
+          </a:lnRef>
+          <a:fillRef idx="0">
+            <a:schemeClr val="accent1"/>
+          </a:fillRef>
+          <a:effectRef idx="0">
+            <a:schemeClr val="accent1"/>
+          </a:effectRef>
+          <a:fontRef idx="minor">
+            <a:schemeClr val="tx1"/>
+          </a:fontRef>
+        </p:style>
+      </p:cxnSp>
+    </p:spTree>
+    <p:extLst>
+      <p:ext uri="{BB962C8B-B14F-4D97-AF65-F5344CB8AC3E}">
+        <p14:creationId xmlns:p14="http://schemas.microsoft.com/office/powerpoint/2010/main" val="4015164091"/>
+      </p:ext>
+    </p:extLst>
+  </p:cSld>
+  <p:clrMapOvr>
+    <a:masterClrMapping/>
+  </p:clrMapOvr>
+</p:sld>
+</file>
+
+<file path=ppt/slides/slide86.xml><?xml version="1.0" encoding="utf-8"?>
+<p:sld xmlns:a="http://schemas.openxmlformats.org/drawingml/2006/main" xmlns:r="http://schemas.openxmlformats.org/officeDocument/2006/relationships" xmlns:p="http://schemas.openxmlformats.org/presentationml/2006/main">
+  <p:cSld>
+    <p:spTree>
+      <p:nvGrpSpPr>
+        <p:cNvPr id="1" name=""/>
+        <p:cNvGrpSpPr/>
+        <p:nvPr/>
+      </p:nvGrpSpPr>
+      <p:grpSpPr>
+        <a:xfrm>
+          <a:off x="0" y="0"/>
+          <a:ext cx="0" cy="0"/>
+          <a:chOff x="0" y="0"/>
+          <a:chExt cx="0" cy="0"/>
+        </a:xfrm>
+      </p:grpSpPr>
+      <p:sp>
+        <p:nvSpPr>
+          <p:cNvPr id="10" name="Title 1">
+            <a:extLst>
+              <a:ext uri="{FF2B5EF4-FFF2-40B4-BE49-F238E27FC236}">
+                <a16:creationId xmlns:a16="http://schemas.microsoft.com/office/drawing/2014/main" id="{01F3E129-263E-46B0-A80D-3F1DB5FAC883}"/>
+              </a:ext>
+            </a:extLst>
+          </p:cNvPr>
+          <p:cNvSpPr>
+            <a:spLocks noGrp="1"/>
+          </p:cNvSpPr>
+          <p:nvPr>
+            <p:ph type="title"/>
+          </p:nvPr>
+        </p:nvSpPr>
+        <p:spPr>
+          <a:xfrm>
+            <a:off x="629841" y="342900"/>
+            <a:ext cx="2949178" cy="1200150"/>
+          </a:xfrm>
+        </p:spPr>
+        <p:txBody>
+          <a:bodyPr/>
+          <a:lstStyle/>
+          <a:p>
+            <a:r>
+              <a:rPr lang="en-US" dirty="0"/>
+              <a:t>Controlling Fd Pointer</a:t>
+            </a:r>
+          </a:p>
+        </p:txBody>
+      </p:sp>
+      <p:sp>
+        <p:nvSpPr>
+          <p:cNvPr id="12" name="Text Placeholder 3">
+            <a:extLst>
+              <a:ext uri="{FF2B5EF4-FFF2-40B4-BE49-F238E27FC236}">
+                <a16:creationId xmlns:a16="http://schemas.microsoft.com/office/drawing/2014/main" id="{DFC6264D-0BA4-4D81-9905-8B2BFF0425FA}"/>
+              </a:ext>
+            </a:extLst>
+          </p:cNvPr>
+          <p:cNvSpPr>
+            <a:spLocks noGrp="1"/>
+          </p:cNvSpPr>
+          <p:nvPr>
+            <p:ph type="body" sz="half" idx="2"/>
+          </p:nvPr>
+        </p:nvSpPr>
+        <p:spPr>
+          <a:xfrm>
+            <a:off x="760082" y="1787750"/>
+            <a:ext cx="3385197" cy="1930809"/>
+          </a:xfrm>
+        </p:spPr>
+        <p:txBody>
+          <a:bodyPr/>
+          <a:lstStyle/>
+          <a:p>
+            <a:pPr marL="285750" indent="-285750">
+              <a:buFont typeface="Arial" panose="020B0604020202020204" pitchFamily="34" charset="0"/>
+              <a:buChar char="•"/>
+            </a:pPr>
+            <a:r>
+              <a:rPr lang="en-US" dirty="0"/>
+              <a:t>We control a chunk in the bin!</a:t>
+            </a:r>
+          </a:p>
+          <a:p>
+            <a:pPr marL="285750" indent="-285750">
+              <a:buFont typeface="Arial" panose="020B0604020202020204" pitchFamily="34" charset="0"/>
+              <a:buChar char="•"/>
+            </a:pPr>
+            <a:r>
+              <a:rPr lang="en-US" dirty="0"/>
+              <a:t>Point this to an arbitrary location!</a:t>
+            </a:r>
+          </a:p>
+          <a:p>
+            <a:pPr marL="285750" indent="-285750">
+              <a:buFont typeface="Arial" panose="020B0604020202020204" pitchFamily="34" charset="0"/>
+              <a:buChar char="•"/>
+            </a:pPr>
+            <a:r>
+              <a:rPr lang="en-US" dirty="0"/>
+              <a:t>But… we need to mangle!</a:t>
+            </a:r>
+          </a:p>
+        </p:txBody>
+      </p:sp>
+      <p:pic>
+        <p:nvPicPr>
+          <p:cNvPr id="6" name="Content Placeholder 5" descr="TCache Poision - Overwrite fd value to all A's">
+            <a:extLst>
+              <a:ext uri="{FF2B5EF4-FFF2-40B4-BE49-F238E27FC236}">
+                <a16:creationId xmlns:a16="http://schemas.microsoft.com/office/drawing/2014/main" id="{54EC0B05-5F17-D74A-8683-3E4D3B4193E8}"/>
+              </a:ext>
+            </a:extLst>
+          </p:cNvPr>
+          <p:cNvPicPr>
+            <a:picLocks noGrp="1" noChangeAspect="1"/>
+          </p:cNvPicPr>
+          <p:nvPr>
+            <p:ph idx="1"/>
+          </p:nvPr>
+        </p:nvPicPr>
+        <p:blipFill>
+          <a:blip r:embed="rId2"/>
+          <a:stretch>
+            <a:fillRect/>
+          </a:stretch>
+        </p:blipFill>
+        <p:spPr>
+          <a:xfrm>
+            <a:off x="4796393" y="778420"/>
+            <a:ext cx="3831920" cy="3218813"/>
+          </a:xfrm>
+        </p:spPr>
+      </p:pic>
+    </p:spTree>
+    <p:extLst>
+      <p:ext uri="{BB962C8B-B14F-4D97-AF65-F5344CB8AC3E}">
+        <p14:creationId xmlns:p14="http://schemas.microsoft.com/office/powerpoint/2010/main" val="2335448787"/>
+      </p:ext>
+    </p:extLst>
+  </p:cSld>
+  <p:clrMapOvr>
+    <a:masterClrMapping/>
+  </p:clrMapOvr>
+</p:sld>
+</file>
+
+<file path=ppt/slides/slide87.xml><?xml version="1.0" encoding="utf-8"?>
+<p:sld xmlns:a="http://schemas.openxmlformats.org/drawingml/2006/main" xmlns:r="http://schemas.openxmlformats.org/officeDocument/2006/relationships" xmlns:p="http://schemas.openxmlformats.org/presentationml/2006/main">
+  <p:cSld>
+    <p:spTree>
+      <p:nvGrpSpPr>
+        <p:cNvPr id="1" name=""/>
+        <p:cNvGrpSpPr/>
+        <p:nvPr/>
+      </p:nvGrpSpPr>
+      <p:grpSpPr>
+        <a:xfrm>
+          <a:off x="0" y="0"/>
+          <a:ext cx="0" cy="0"/>
+          <a:chOff x="0" y="0"/>
+          <a:chExt cx="0" cy="0"/>
+        </a:xfrm>
+      </p:grpSpPr>
+      <p:sp>
+        <p:nvSpPr>
+          <p:cNvPr id="2" name="Title 1">
+            <a:extLst>
+              <a:ext uri="{FF2B5EF4-FFF2-40B4-BE49-F238E27FC236}">
+                <a16:creationId xmlns:a16="http://schemas.microsoft.com/office/drawing/2014/main" id="{6C7F1465-9401-1A42-8787-B66FE6422677}"/>
+              </a:ext>
+            </a:extLst>
+          </p:cNvPr>
+          <p:cNvSpPr>
+            <a:spLocks noGrp="1"/>
+          </p:cNvSpPr>
+          <p:nvPr>
+            <p:ph type="title"/>
+          </p:nvPr>
+        </p:nvSpPr>
+        <p:spPr>
+          <a:xfrm>
+            <a:off x="628650" y="273847"/>
+            <a:ext cx="7886700" cy="994172"/>
+          </a:xfrm>
+        </p:spPr>
+        <p:txBody>
+          <a:bodyPr anchor="ctr">
+            <a:normAutofit fontScale="90000"/>
+          </a:bodyPr>
+          <a:lstStyle/>
+          <a:p>
+            <a:r>
+              <a:rPr lang="en-US" dirty="0"/>
+              <a:t>Fd Pointer to Important String</a:t>
+            </a:r>
+            <a:br>
+              <a:rPr lang="en-US" dirty="0"/>
+            </a:br>
+            <a:r>
+              <a:rPr lang="en-US" dirty="0"/>
+              <a:t>(Original)</a:t>
+            </a:r>
+          </a:p>
+        </p:txBody>
+      </p:sp>
+      <p:pic>
+        <p:nvPicPr>
+          <p:cNvPr id="5" name="Content Placeholder 4" descr="Fd poision">
+            <a:extLst>
+              <a:ext uri="{FF2B5EF4-FFF2-40B4-BE49-F238E27FC236}">
+                <a16:creationId xmlns:a16="http://schemas.microsoft.com/office/drawing/2014/main" id="{84C40A55-42F7-F54D-874D-FF4533CEEED6}"/>
+              </a:ext>
+            </a:extLst>
+          </p:cNvPr>
+          <p:cNvPicPr>
+            <a:picLocks noGrp="1" noChangeAspect="1"/>
+          </p:cNvPicPr>
+          <p:nvPr>
+            <p:ph sz="half" idx="1"/>
+          </p:nvPr>
+        </p:nvPicPr>
+        <p:blipFill>
+          <a:blip r:embed="rId2"/>
+          <a:stretch>
+            <a:fillRect/>
+          </a:stretch>
+        </p:blipFill>
+        <p:spPr>
+          <a:xfrm>
+            <a:off x="630661" y="1369219"/>
+            <a:ext cx="3882177" cy="3263504"/>
+          </a:xfrm>
+          <a:noFill/>
+        </p:spPr>
+      </p:pic>
+      <p:sp>
+        <p:nvSpPr>
+          <p:cNvPr id="10" name="Content Placeholder 3">
+            <a:extLst>
+              <a:ext uri="{FF2B5EF4-FFF2-40B4-BE49-F238E27FC236}">
+                <a16:creationId xmlns:a16="http://schemas.microsoft.com/office/drawing/2014/main" id="{9394330D-8DFD-4B26-A391-792CC0643198}"/>
+              </a:ext>
+            </a:extLst>
+          </p:cNvPr>
+          <p:cNvSpPr>
+            <a:spLocks noGrp="1"/>
+          </p:cNvSpPr>
+          <p:nvPr>
+            <p:ph sz="half" idx="2"/>
+          </p:nvPr>
+        </p:nvSpPr>
+        <p:spPr>
+          <a:xfrm>
+            <a:off x="4629150" y="1369219"/>
+            <a:ext cx="3886200" cy="3263504"/>
+          </a:xfrm>
+        </p:spPr>
         <p:txBody>
           <a:bodyPr>
-            <a:normAutofit lnSpcReduction="10000"/>
+            <a:normAutofit/>
           </a:bodyPr>
           <a:lstStyle/>
           <a:p>
             <a:r>
-              <a:rPr lang="en-US" dirty="0">
-                <a:hlinkClick r:id="rId2"/>
-              </a:rPr>
-              <a:t>https://maxwelldulin.com/BlogPost?post=5445977088</a:t>
-            </a:r>
-            <a:endParaRPr lang="en-US" dirty="0"/>
-          </a:p>
-          <a:p>
-            <a:r>
-              <a:rPr lang="en-US" dirty="0">
-                <a:hlinkClick r:id="rId3"/>
-              </a:rPr>
-              <a:t>https://www.researchinnovations.com/post/bypassing-the-upcoming-safe-linking-mitigation</a:t>
-            </a:r>
-            <a:r>
               <a:rPr lang="en-US" dirty="0"/>
-              <a:t> </a:t>
-            </a:r>
-          </a:p>
-          <a:p>
-            <a:r>
-              <a:rPr lang="en-US" dirty="0">
-                <a:hlinkClick r:id="rId4"/>
-              </a:rPr>
-              <a:t>https://github.com/shellphish/how2heap/blob/master/glibc_2.31/tcache_poisoning.c</a:t>
+              <a:t>Set </a:t>
+            </a:r>
+            <a:r>
+              <a:rPr lang="en-US" i="1" dirty="0" err="1"/>
+              <a:t>fake_fd_location</a:t>
             </a:r>
             <a:r>
               <a:rPr lang="en-US" dirty="0"/>
-              <a:t> </a:t>
-            </a:r>
-          </a:p>
-          <a:p>
-            <a:r>
-              <a:rPr lang="en-US" dirty="0">
-                <a:hlinkClick r:id="rId5"/>
-              </a:rPr>
-              <a:t>https://tripoloski1337.github.io/research/2019/09/09/tcache_poisoning.html</a:t>
-            </a:r>
+              <a:t> to be </a:t>
+            </a:r>
+            <a:r>
+              <a:rPr lang="en-US" b="1" dirty="0"/>
+              <a:t>0x601080</a:t>
+            </a:r>
+          </a:p>
+          <a:p>
             <a:r>
               <a:rPr lang="en-US" dirty="0"/>
-              <a:t> </a:t>
-            </a:r>
-          </a:p>
-          <a:p>
-            <a:r>
-              <a:rPr lang="en-US" dirty="0">
-                <a:hlinkClick r:id="rId6"/>
-              </a:rPr>
-              <a:t>https://www.youtube.com/watch?v=6-Et7M7qJJg</a:t>
-            </a:r>
-            <a:endParaRPr lang="en-US" dirty="0"/>
-          </a:p>
-          <a:p>
-            <a:r>
-              <a:rPr lang="en-US" dirty="0">
-                <a:hlinkClick r:id="rId7"/>
-              </a:rPr>
-              <a:t>https://github.com/mdulin2/mangle/</a:t>
+              <a:t>Will overwrite </a:t>
+            </a:r>
+            <a:r>
+              <a:rPr lang="en-US" i="1" dirty="0" err="1"/>
+              <a:t>important_string</a:t>
             </a:r>
             <a:r>
               <a:rPr lang="en-US" dirty="0"/>
-              <a:t>  </a:t>
+              <a:t> with a location of your choice!</a:t>
             </a:r>
           </a:p>
         </p:txBody>
@@ -57185,7 +58020,554 @@
     </p:spTree>
     <p:extLst>
       <p:ext uri="{BB962C8B-B14F-4D97-AF65-F5344CB8AC3E}">
-        <p14:creationId xmlns:p14="http://schemas.microsoft.com/office/powerpoint/2010/main" val="2769978928"/>
+        <p14:creationId xmlns:p14="http://schemas.microsoft.com/office/powerpoint/2010/main" val="1297151363"/>
+      </p:ext>
+    </p:extLst>
+  </p:cSld>
+  <p:clrMapOvr>
+    <a:masterClrMapping/>
+  </p:clrMapOvr>
+</p:sld>
+</file>
+
+<file path=ppt/slides/slide88.xml><?xml version="1.0" encoding="utf-8"?>
+<p:sld xmlns:a="http://schemas.openxmlformats.org/drawingml/2006/main" xmlns:r="http://schemas.openxmlformats.org/officeDocument/2006/relationships" xmlns:p="http://schemas.openxmlformats.org/presentationml/2006/main">
+  <p:cSld>
+    <p:spTree>
+      <p:nvGrpSpPr>
+        <p:cNvPr id="1" name=""/>
+        <p:cNvGrpSpPr/>
+        <p:nvPr/>
+      </p:nvGrpSpPr>
+      <p:grpSpPr>
+        <a:xfrm>
+          <a:off x="0" y="0"/>
+          <a:ext cx="0" cy="0"/>
+          <a:chOff x="0" y="0"/>
+          <a:chExt cx="0" cy="0"/>
+        </a:xfrm>
+      </p:grpSpPr>
+      <p:sp>
+        <p:nvSpPr>
+          <p:cNvPr id="2" name="Title 1">
+            <a:extLst>
+              <a:ext uri="{FF2B5EF4-FFF2-40B4-BE49-F238E27FC236}">
+                <a16:creationId xmlns:a16="http://schemas.microsoft.com/office/drawing/2014/main" id="{6C7F1465-9401-1A42-8787-B66FE6422677}"/>
+              </a:ext>
+            </a:extLst>
+          </p:cNvPr>
+          <p:cNvSpPr>
+            <a:spLocks noGrp="1"/>
+          </p:cNvSpPr>
+          <p:nvPr>
+            <p:ph type="title"/>
+          </p:nvPr>
+        </p:nvSpPr>
+        <p:spPr>
+          <a:xfrm>
+            <a:off x="628650" y="273847"/>
+            <a:ext cx="7886700" cy="994172"/>
+          </a:xfrm>
+        </p:spPr>
+        <p:txBody>
+          <a:bodyPr anchor="ctr">
+            <a:normAutofit fontScale="90000"/>
+          </a:bodyPr>
+          <a:lstStyle/>
+          <a:p>
+            <a:r>
+              <a:rPr lang="en-US" dirty="0"/>
+              <a:t>Fd Pointer to Important String Need to Mangle</a:t>
+            </a:r>
+          </a:p>
+        </p:txBody>
+      </p:sp>
+      <p:pic>
+        <p:nvPicPr>
+          <p:cNvPr id="5" name="Content Placeholder 4" descr="Fd poision">
+            <a:extLst>
+              <a:ext uri="{FF2B5EF4-FFF2-40B4-BE49-F238E27FC236}">
+                <a16:creationId xmlns:a16="http://schemas.microsoft.com/office/drawing/2014/main" id="{84C40A55-42F7-F54D-874D-FF4533CEEED6}"/>
+              </a:ext>
+            </a:extLst>
+          </p:cNvPr>
+          <p:cNvPicPr>
+            <a:picLocks noGrp="1" noChangeAspect="1"/>
+          </p:cNvPicPr>
+          <p:nvPr>
+            <p:ph sz="half" idx="1"/>
+          </p:nvPr>
+        </p:nvPicPr>
+        <p:blipFill>
+          <a:blip r:embed="rId2"/>
+          <a:stretch>
+            <a:fillRect/>
+          </a:stretch>
+        </p:blipFill>
+        <p:spPr>
+          <a:xfrm>
+            <a:off x="630661" y="1369219"/>
+            <a:ext cx="3882177" cy="3263504"/>
+          </a:xfrm>
+          <a:noFill/>
+        </p:spPr>
+      </p:pic>
+      <p:sp>
+        <p:nvSpPr>
+          <p:cNvPr id="10" name="Content Placeholder 3">
+            <a:extLst>
+              <a:ext uri="{FF2B5EF4-FFF2-40B4-BE49-F238E27FC236}">
+                <a16:creationId xmlns:a16="http://schemas.microsoft.com/office/drawing/2014/main" id="{9394330D-8DFD-4B26-A391-792CC0643198}"/>
+              </a:ext>
+            </a:extLst>
+          </p:cNvPr>
+          <p:cNvSpPr>
+            <a:spLocks noGrp="1"/>
+          </p:cNvSpPr>
+          <p:nvPr>
+            <p:ph sz="half" idx="2"/>
+          </p:nvPr>
+        </p:nvSpPr>
+        <p:spPr>
+          <a:xfrm>
+            <a:off x="4629150" y="1369219"/>
+            <a:ext cx="3886200" cy="3263504"/>
+          </a:xfrm>
+        </p:spPr>
+        <p:txBody>
+          <a:bodyPr/>
+          <a:lstStyle/>
+          <a:p>
+            <a:r>
+              <a:rPr lang="en-US" i="1" dirty="0" err="1"/>
+              <a:t>Important_string</a:t>
+            </a:r>
+            <a:r>
+              <a:rPr lang="en-US" i="1" dirty="0"/>
+              <a:t> </a:t>
+            </a:r>
+            <a:r>
+              <a:rPr lang="en-US" dirty="0"/>
+              <a:t>address will be </a:t>
+            </a:r>
+            <a:r>
+              <a:rPr lang="en-US" dirty="0" err="1"/>
+              <a:t>unmangled</a:t>
+            </a:r>
+            <a:r>
+              <a:rPr lang="en-US" dirty="0"/>
+              <a:t>, resulting in a crash or abort…</a:t>
+            </a:r>
+            <a:br>
+              <a:rPr lang="en-US" dirty="0"/>
+            </a:br>
+            <a:endParaRPr lang="en-US" dirty="0"/>
+          </a:p>
+          <a:p>
+            <a:r>
+              <a:rPr lang="en-US" dirty="0"/>
+              <a:t>So, now what? </a:t>
+            </a:r>
+          </a:p>
+        </p:txBody>
+      </p:sp>
+      <p:pic>
+        <p:nvPicPr>
+          <p:cNvPr id="7" name="Picture 6">
+            <a:extLst>
+              <a:ext uri="{FF2B5EF4-FFF2-40B4-BE49-F238E27FC236}">
+                <a16:creationId xmlns:a16="http://schemas.microsoft.com/office/drawing/2014/main" id="{E0F3BA6D-CF10-DD4B-B177-82EFF23F11C9}"/>
+              </a:ext>
+            </a:extLst>
+          </p:cNvPr>
+          <p:cNvPicPr>
+            <a:picLocks noChangeAspect="1"/>
+          </p:cNvPicPr>
+          <p:nvPr/>
+        </p:nvPicPr>
+        <p:blipFill>
+          <a:blip r:embed="rId3"/>
+          <a:stretch>
+            <a:fillRect/>
+          </a:stretch>
+        </p:blipFill>
+        <p:spPr>
+          <a:xfrm>
+            <a:off x="4292830" y="2772371"/>
+            <a:ext cx="4813300" cy="228600"/>
+          </a:xfrm>
+          <a:prstGeom prst="rect">
+            <a:avLst/>
+          </a:prstGeom>
+        </p:spPr>
+      </p:pic>
+    </p:spTree>
+    <p:extLst>
+      <p:ext uri="{BB962C8B-B14F-4D97-AF65-F5344CB8AC3E}">
+        <p14:creationId xmlns:p14="http://schemas.microsoft.com/office/powerpoint/2010/main" val="2941484047"/>
+      </p:ext>
+    </p:extLst>
+  </p:cSld>
+  <p:clrMapOvr>
+    <a:masterClrMapping/>
+  </p:clrMapOvr>
+</p:sld>
+</file>
+
+<file path=ppt/slides/slide89.xml><?xml version="1.0" encoding="utf-8"?>
+<p:sld xmlns:a="http://schemas.openxmlformats.org/drawingml/2006/main" xmlns:r="http://schemas.openxmlformats.org/officeDocument/2006/relationships" xmlns:p="http://schemas.openxmlformats.org/presentationml/2006/main">
+  <p:cSld>
+    <p:spTree>
+      <p:nvGrpSpPr>
+        <p:cNvPr id="1" name=""/>
+        <p:cNvGrpSpPr/>
+        <p:nvPr/>
+      </p:nvGrpSpPr>
+      <p:grpSpPr>
+        <a:xfrm>
+          <a:off x="0" y="0"/>
+          <a:ext cx="0" cy="0"/>
+          <a:chOff x="0" y="0"/>
+          <a:chExt cx="0" cy="0"/>
+        </a:xfrm>
+      </p:grpSpPr>
+      <p:sp>
+        <p:nvSpPr>
+          <p:cNvPr id="71" name="Title 1">
+            <a:extLst>
+              <a:ext uri="{FF2B5EF4-FFF2-40B4-BE49-F238E27FC236}">
+                <a16:creationId xmlns:a16="http://schemas.microsoft.com/office/drawing/2014/main" id="{DF5690BF-289F-47F1-A7CF-463D71951913}"/>
+              </a:ext>
+            </a:extLst>
+          </p:cNvPr>
+          <p:cNvSpPr>
+            <a:spLocks noGrp="1"/>
+          </p:cNvSpPr>
+          <p:nvPr>
+            <p:ph type="title"/>
+          </p:nvPr>
+        </p:nvSpPr>
+        <p:spPr>
+          <a:xfrm>
+            <a:off x="628650" y="273847"/>
+            <a:ext cx="7886700" cy="994172"/>
+          </a:xfrm>
+        </p:spPr>
+        <p:txBody>
+          <a:bodyPr/>
+          <a:lstStyle/>
+          <a:p>
+            <a:r>
+              <a:rPr lang="en-US" dirty="0"/>
+              <a:t>Pointer Mangling  </a:t>
+            </a:r>
+          </a:p>
+        </p:txBody>
+      </p:sp>
+      <p:sp>
+        <p:nvSpPr>
+          <p:cNvPr id="4" name="TextBox 3">
+            <a:extLst>
+              <a:ext uri="{FF2B5EF4-FFF2-40B4-BE49-F238E27FC236}">
+                <a16:creationId xmlns:a16="http://schemas.microsoft.com/office/drawing/2014/main" id="{5D9F051C-C6F1-734B-935D-8A727AE265CE}"/>
+              </a:ext>
+            </a:extLst>
+          </p:cNvPr>
+          <p:cNvSpPr txBox="1"/>
+          <p:nvPr/>
+        </p:nvSpPr>
+        <p:spPr>
+          <a:xfrm>
+            <a:off x="0" y="1480330"/>
+            <a:ext cx="2488557" cy="369332"/>
+          </a:xfrm>
+          <a:prstGeom prst="rect">
+            <a:avLst/>
+          </a:prstGeom>
+          <a:noFill/>
+        </p:spPr>
+        <p:txBody>
+          <a:bodyPr wrap="square" rtlCol="0">
+            <a:spAutoFit/>
+          </a:bodyPr>
+          <a:lstStyle/>
+          <a:p>
+            <a:r>
+              <a:rPr lang="en-US" b="1" dirty="0"/>
+              <a:t>P (Important String) </a:t>
+            </a:r>
+          </a:p>
+        </p:txBody>
+      </p:sp>
+      <p:sp>
+        <p:nvSpPr>
+          <p:cNvPr id="7" name="TextBox 6">
+            <a:extLst>
+              <a:ext uri="{FF2B5EF4-FFF2-40B4-BE49-F238E27FC236}">
+                <a16:creationId xmlns:a16="http://schemas.microsoft.com/office/drawing/2014/main" id="{ED904C9F-4C84-2E48-B7EB-33B27FCB24C6}"/>
+              </a:ext>
+            </a:extLst>
+          </p:cNvPr>
+          <p:cNvSpPr txBox="1"/>
+          <p:nvPr/>
+        </p:nvSpPr>
+        <p:spPr>
+          <a:xfrm>
+            <a:off x="0" y="1920476"/>
+            <a:ext cx="2488557" cy="369332"/>
+          </a:xfrm>
+          <a:prstGeom prst="rect">
+            <a:avLst/>
+          </a:prstGeom>
+          <a:noFill/>
+        </p:spPr>
+        <p:txBody>
+          <a:bodyPr wrap="square" rtlCol="0">
+            <a:spAutoFit/>
+          </a:bodyPr>
+          <a:lstStyle/>
+          <a:p>
+            <a:r>
+              <a:rPr lang="en-US" b="1" dirty="0"/>
+              <a:t>L (Storage Location)</a:t>
+            </a:r>
+          </a:p>
+        </p:txBody>
+      </p:sp>
+      <p:sp>
+        <p:nvSpPr>
+          <p:cNvPr id="26" name="TextBox 25">
+            <a:extLst>
+              <a:ext uri="{FF2B5EF4-FFF2-40B4-BE49-F238E27FC236}">
+                <a16:creationId xmlns:a16="http://schemas.microsoft.com/office/drawing/2014/main" id="{78834351-741A-8743-B1CE-E58F58F72819}"/>
+              </a:ext>
+            </a:extLst>
+          </p:cNvPr>
+          <p:cNvSpPr txBox="1"/>
+          <p:nvPr/>
+        </p:nvSpPr>
+        <p:spPr>
+          <a:xfrm>
+            <a:off x="2245198" y="1412646"/>
+            <a:ext cx="2754351" cy="584775"/>
+          </a:xfrm>
+          <a:prstGeom prst="rect">
+            <a:avLst/>
+          </a:prstGeom>
+          <a:noFill/>
+        </p:spPr>
+        <p:txBody>
+          <a:bodyPr wrap="square" rtlCol="0">
+            <a:spAutoFit/>
+          </a:bodyPr>
+          <a:lstStyle/>
+          <a:p>
+            <a:r>
+              <a:rPr lang="en-US" sz="3200" dirty="0"/>
+              <a:t>﻿0x601080</a:t>
+            </a:r>
+          </a:p>
+        </p:txBody>
+      </p:sp>
+      <p:sp>
+        <p:nvSpPr>
+          <p:cNvPr id="27" name="TextBox 26">
+            <a:extLst>
+              <a:ext uri="{FF2B5EF4-FFF2-40B4-BE49-F238E27FC236}">
+                <a16:creationId xmlns:a16="http://schemas.microsoft.com/office/drawing/2014/main" id="{A579F184-3FFE-DF4B-A7CF-5732902FB69C}"/>
+              </a:ext>
+            </a:extLst>
+          </p:cNvPr>
+          <p:cNvSpPr txBox="1"/>
+          <p:nvPr/>
+        </p:nvSpPr>
+        <p:spPr>
+          <a:xfrm>
+            <a:off x="1705163" y="1749995"/>
+            <a:ext cx="2360157" cy="584775"/>
+          </a:xfrm>
+          <a:prstGeom prst="rect">
+            <a:avLst/>
+          </a:prstGeom>
+          <a:noFill/>
+        </p:spPr>
+        <p:txBody>
+          <a:bodyPr wrap="square" rtlCol="0">
+            <a:spAutoFit/>
+          </a:bodyPr>
+          <a:lstStyle/>
+          <a:p>
+            <a:pPr algn="r"/>
+            <a:r>
+              <a:rPr lang="en-US" sz="3200" dirty="0"/>
+              <a:t>﻿0x6022a0</a:t>
+            </a:r>
+          </a:p>
+        </p:txBody>
+      </p:sp>
+      <p:pic>
+        <p:nvPicPr>
+          <p:cNvPr id="28" name="Content Placeholder 4" descr="Fd Pointers encrypted (mangled) ">
+            <a:extLst>
+              <a:ext uri="{FF2B5EF4-FFF2-40B4-BE49-F238E27FC236}">
+                <a16:creationId xmlns:a16="http://schemas.microsoft.com/office/drawing/2014/main" id="{BE7AF504-9C35-1D44-BD0E-08606A1B65DD}"/>
+              </a:ext>
+            </a:extLst>
+          </p:cNvPr>
+          <p:cNvPicPr>
+            <a:picLocks noGrp="1" noChangeAspect="1"/>
+          </p:cNvPicPr>
+          <p:nvPr>
+            <p:ph idx="1"/>
+          </p:nvPr>
+        </p:nvPicPr>
+        <p:blipFill>
+          <a:blip r:embed="rId2"/>
+          <a:stretch>
+            <a:fillRect/>
+          </a:stretch>
+        </p:blipFill>
+        <p:spPr>
+          <a:xfrm>
+            <a:off x="4514850" y="2288243"/>
+            <a:ext cx="4629150" cy="2805195"/>
+          </a:xfrm>
+          <a:noFill/>
+        </p:spPr>
+      </p:pic>
+      <p:cxnSp>
+        <p:nvCxnSpPr>
+          <p:cNvPr id="29" name="Straight Arrow Connector 28">
+            <a:extLst>
+              <a:ext uri="{FF2B5EF4-FFF2-40B4-BE49-F238E27FC236}">
+                <a16:creationId xmlns:a16="http://schemas.microsoft.com/office/drawing/2014/main" id="{DBF8195E-F031-C64A-BDB9-A90BFE0750B1}"/>
+              </a:ext>
+            </a:extLst>
+          </p:cNvPr>
+          <p:cNvCxnSpPr>
+            <a:cxnSpLocks/>
+          </p:cNvCxnSpPr>
+          <p:nvPr/>
+        </p:nvCxnSpPr>
+        <p:spPr>
+          <a:xfrm>
+            <a:off x="6828701" y="1742390"/>
+            <a:ext cx="0" cy="2056148"/>
+          </a:xfrm>
+          <a:prstGeom prst="straightConnector1">
+            <a:avLst/>
+          </a:prstGeom>
+          <a:ln w="76200">
+            <a:solidFill>
+              <a:srgbClr val="FF0000"/>
+            </a:solidFill>
+            <a:tailEnd type="triangle"/>
+          </a:ln>
+        </p:spPr>
+        <p:style>
+          <a:lnRef idx="1">
+            <a:schemeClr val="accent1"/>
+          </a:lnRef>
+          <a:fillRef idx="0">
+            <a:schemeClr val="accent1"/>
+          </a:fillRef>
+          <a:effectRef idx="0">
+            <a:schemeClr val="accent1"/>
+          </a:effectRef>
+          <a:fontRef idx="minor">
+            <a:schemeClr val="tx1"/>
+          </a:fontRef>
+        </p:style>
+      </p:cxnSp>
+      <p:cxnSp>
+        <p:nvCxnSpPr>
+          <p:cNvPr id="30" name="Straight Arrow Connector 29">
+            <a:extLst>
+              <a:ext uri="{FF2B5EF4-FFF2-40B4-BE49-F238E27FC236}">
+                <a16:creationId xmlns:a16="http://schemas.microsoft.com/office/drawing/2014/main" id="{D6D855AE-E09F-854B-A0A9-908DDB5ED882}"/>
+              </a:ext>
+            </a:extLst>
+          </p:cNvPr>
+          <p:cNvCxnSpPr>
+            <a:cxnSpLocks/>
+          </p:cNvCxnSpPr>
+          <p:nvPr/>
+        </p:nvCxnSpPr>
+        <p:spPr>
+          <a:xfrm>
+            <a:off x="1053296" y="2288243"/>
+            <a:ext cx="3461554" cy="2353205"/>
+          </a:xfrm>
+          <a:prstGeom prst="straightConnector1">
+            <a:avLst/>
+          </a:prstGeom>
+          <a:ln w="76200">
+            <a:solidFill>
+              <a:srgbClr val="FF0000"/>
+            </a:solidFill>
+            <a:tailEnd type="triangle"/>
+          </a:ln>
+        </p:spPr>
+        <p:style>
+          <a:lnRef idx="1">
+            <a:schemeClr val="accent1"/>
+          </a:lnRef>
+          <a:fillRef idx="0">
+            <a:schemeClr val="accent1"/>
+          </a:fillRef>
+          <a:effectRef idx="0">
+            <a:schemeClr val="accent1"/>
+          </a:effectRef>
+          <a:fontRef idx="minor">
+            <a:schemeClr val="tx1"/>
+          </a:fontRef>
+        </p:style>
+      </p:cxnSp>
+      <p:cxnSp>
+        <p:nvCxnSpPr>
+          <p:cNvPr id="32" name="Straight Connector 31">
+            <a:extLst>
+              <a:ext uri="{FF2B5EF4-FFF2-40B4-BE49-F238E27FC236}">
+                <a16:creationId xmlns:a16="http://schemas.microsoft.com/office/drawing/2014/main" id="{1F5F8C11-10BC-C04C-860E-6AAEF94EB5BE}"/>
+              </a:ext>
+            </a:extLst>
+          </p:cNvPr>
+          <p:cNvCxnSpPr/>
+          <p:nvPr/>
+        </p:nvCxnSpPr>
+        <p:spPr>
+          <a:xfrm>
+            <a:off x="4572000" y="1742390"/>
+            <a:ext cx="2256701" cy="0"/>
+          </a:xfrm>
+          <a:prstGeom prst="line">
+            <a:avLst/>
+          </a:prstGeom>
+          <a:ln w="76200">
+            <a:solidFill>
+              <a:srgbClr val="FF0000"/>
+            </a:solidFill>
+          </a:ln>
+        </p:spPr>
+        <p:style>
+          <a:lnRef idx="1">
+            <a:schemeClr val="accent1"/>
+          </a:lnRef>
+          <a:fillRef idx="0">
+            <a:schemeClr val="accent1"/>
+          </a:fillRef>
+          <a:effectRef idx="0">
+            <a:schemeClr val="accent1"/>
+          </a:effectRef>
+          <a:fontRef idx="minor">
+            <a:schemeClr val="tx1"/>
+          </a:fontRef>
+        </p:style>
+      </p:cxnSp>
+    </p:spTree>
+    <p:extLst>
+      <p:ext uri="{BB962C8B-B14F-4D97-AF65-F5344CB8AC3E}">
+        <p14:creationId xmlns:p14="http://schemas.microsoft.com/office/powerpoint/2010/main" val="3620150056"/>
       </p:ext>
     </p:extLst>
   </p:cSld>
@@ -57303,6 +58685,1905 @@
     <p:extLst>
       <p:ext uri="{BB962C8B-B14F-4D97-AF65-F5344CB8AC3E}">
         <p14:creationId xmlns:p14="http://schemas.microsoft.com/office/powerpoint/2010/main" val="1540564534"/>
+      </p:ext>
+    </p:extLst>
+  </p:cSld>
+  <p:clrMapOvr>
+    <a:masterClrMapping/>
+  </p:clrMapOvr>
+</p:sld>
+</file>
+
+<file path=ppt/slides/slide90.xml><?xml version="1.0" encoding="utf-8"?>
+<p:sld xmlns:a="http://schemas.openxmlformats.org/drawingml/2006/main" xmlns:r="http://schemas.openxmlformats.org/officeDocument/2006/relationships" xmlns:p="http://schemas.openxmlformats.org/presentationml/2006/main">
+  <p:cSld>
+    <p:spTree>
+      <p:nvGrpSpPr>
+        <p:cNvPr id="1" name=""/>
+        <p:cNvGrpSpPr/>
+        <p:nvPr/>
+      </p:nvGrpSpPr>
+      <p:grpSpPr>
+        <a:xfrm>
+          <a:off x="0" y="0"/>
+          <a:ext cx="0" cy="0"/>
+          <a:chOff x="0" y="0"/>
+          <a:chExt cx="0" cy="0"/>
+        </a:xfrm>
+      </p:grpSpPr>
+      <p:sp>
+        <p:nvSpPr>
+          <p:cNvPr id="71" name="Title 1">
+            <a:extLst>
+              <a:ext uri="{FF2B5EF4-FFF2-40B4-BE49-F238E27FC236}">
+                <a16:creationId xmlns:a16="http://schemas.microsoft.com/office/drawing/2014/main" id="{DF5690BF-289F-47F1-A7CF-463D71951913}"/>
+              </a:ext>
+            </a:extLst>
+          </p:cNvPr>
+          <p:cNvSpPr>
+            <a:spLocks noGrp="1"/>
+          </p:cNvSpPr>
+          <p:nvPr>
+            <p:ph type="title"/>
+          </p:nvPr>
+        </p:nvSpPr>
+        <p:spPr>
+          <a:xfrm>
+            <a:off x="628650" y="273847"/>
+            <a:ext cx="7886700" cy="994172"/>
+          </a:xfrm>
+        </p:spPr>
+        <p:txBody>
+          <a:bodyPr/>
+          <a:lstStyle/>
+          <a:p>
+            <a:r>
+              <a:rPr lang="en-US" dirty="0"/>
+              <a:t>Pointer Mangling – Shift Step </a:t>
+            </a:r>
+          </a:p>
+        </p:txBody>
+      </p:sp>
+      <p:sp>
+        <p:nvSpPr>
+          <p:cNvPr id="4" name="TextBox 3">
+            <a:extLst>
+              <a:ext uri="{FF2B5EF4-FFF2-40B4-BE49-F238E27FC236}">
+                <a16:creationId xmlns:a16="http://schemas.microsoft.com/office/drawing/2014/main" id="{5D9F051C-C6F1-734B-935D-8A727AE265CE}"/>
+              </a:ext>
+            </a:extLst>
+          </p:cNvPr>
+          <p:cNvSpPr txBox="1"/>
+          <p:nvPr/>
+        </p:nvSpPr>
+        <p:spPr>
+          <a:xfrm>
+            <a:off x="848299" y="2452978"/>
+            <a:ext cx="2488557" cy="369332"/>
+          </a:xfrm>
+          <a:prstGeom prst="rect">
+            <a:avLst/>
+          </a:prstGeom>
+          <a:noFill/>
+        </p:spPr>
+        <p:txBody>
+          <a:bodyPr wrap="square" rtlCol="0">
+            <a:spAutoFit/>
+          </a:bodyPr>
+          <a:lstStyle/>
+          <a:p>
+            <a:r>
+              <a:rPr lang="en-US" b="1" dirty="0"/>
+              <a:t>P (Pointer to Mangle) </a:t>
+            </a:r>
+          </a:p>
+        </p:txBody>
+      </p:sp>
+      <p:sp>
+        <p:nvSpPr>
+          <p:cNvPr id="7" name="TextBox 6">
+            <a:extLst>
+              <a:ext uri="{FF2B5EF4-FFF2-40B4-BE49-F238E27FC236}">
+                <a16:creationId xmlns:a16="http://schemas.microsoft.com/office/drawing/2014/main" id="{ED904C9F-4C84-2E48-B7EB-33B27FCB24C6}"/>
+              </a:ext>
+            </a:extLst>
+          </p:cNvPr>
+          <p:cNvSpPr txBox="1"/>
+          <p:nvPr/>
+        </p:nvSpPr>
+        <p:spPr>
+          <a:xfrm>
+            <a:off x="848299" y="2893124"/>
+            <a:ext cx="2488557" cy="369332"/>
+          </a:xfrm>
+          <a:prstGeom prst="rect">
+            <a:avLst/>
+          </a:prstGeom>
+          <a:noFill/>
+        </p:spPr>
+        <p:txBody>
+          <a:bodyPr wrap="square" rtlCol="0">
+            <a:spAutoFit/>
+          </a:bodyPr>
+          <a:lstStyle/>
+          <a:p>
+            <a:r>
+              <a:rPr lang="en-US" b="1" dirty="0"/>
+              <a:t>L (Storage Location)</a:t>
+            </a:r>
+          </a:p>
+        </p:txBody>
+      </p:sp>
+      <p:sp>
+        <p:nvSpPr>
+          <p:cNvPr id="26" name="TextBox 25">
+            <a:extLst>
+              <a:ext uri="{FF2B5EF4-FFF2-40B4-BE49-F238E27FC236}">
+                <a16:creationId xmlns:a16="http://schemas.microsoft.com/office/drawing/2014/main" id="{78834351-741A-8743-B1CE-E58F58F72819}"/>
+              </a:ext>
+            </a:extLst>
+          </p:cNvPr>
+          <p:cNvSpPr txBox="1"/>
+          <p:nvPr/>
+        </p:nvSpPr>
+        <p:spPr>
+          <a:xfrm>
+            <a:off x="3093497" y="2385294"/>
+            <a:ext cx="2754351" cy="584775"/>
+          </a:xfrm>
+          <a:prstGeom prst="rect">
+            <a:avLst/>
+          </a:prstGeom>
+          <a:noFill/>
+        </p:spPr>
+        <p:txBody>
+          <a:bodyPr wrap="square" rtlCol="0">
+            <a:spAutoFit/>
+          </a:bodyPr>
+          <a:lstStyle/>
+          <a:p>
+            <a:r>
+              <a:rPr lang="en-US" sz="3200" dirty="0"/>
+              <a:t>0x601080</a:t>
+            </a:r>
+          </a:p>
+        </p:txBody>
+      </p:sp>
+      <p:sp>
+        <p:nvSpPr>
+          <p:cNvPr id="27" name="TextBox 26">
+            <a:extLst>
+              <a:ext uri="{FF2B5EF4-FFF2-40B4-BE49-F238E27FC236}">
+                <a16:creationId xmlns:a16="http://schemas.microsoft.com/office/drawing/2014/main" id="{A579F184-3FFE-DF4B-A7CF-5732902FB69C}"/>
+              </a:ext>
+            </a:extLst>
+          </p:cNvPr>
+          <p:cNvSpPr txBox="1"/>
+          <p:nvPr/>
+        </p:nvSpPr>
+        <p:spPr>
+          <a:xfrm>
+            <a:off x="1553705" y="2760753"/>
+            <a:ext cx="5833933" cy="707886"/>
+          </a:xfrm>
+          <a:prstGeom prst="rect">
+            <a:avLst/>
+          </a:prstGeom>
+          <a:noFill/>
+        </p:spPr>
+        <p:txBody>
+          <a:bodyPr wrap="square" rtlCol="0">
+            <a:spAutoFit/>
+          </a:bodyPr>
+          <a:lstStyle/>
+          <a:p>
+            <a:pPr algn="r"/>
+            <a:r>
+              <a:rPr lang="en-US" sz="3200" dirty="0"/>
+              <a:t>﻿0x602 = 0x6022a0 </a:t>
+            </a:r>
+            <a:r>
+              <a:rPr lang="en-US" sz="4000" b="1" dirty="0"/>
+              <a:t>&gt;&gt;</a:t>
+            </a:r>
+            <a:r>
+              <a:rPr lang="en-US" sz="3200" dirty="0"/>
+              <a:t> 12 </a:t>
+            </a:r>
+          </a:p>
+        </p:txBody>
+      </p:sp>
+      <p:sp>
+        <p:nvSpPr>
+          <p:cNvPr id="8" name="Round Same Side Corner Rectangle 4">
+            <a:extLst>
+              <a:ext uri="{FF2B5EF4-FFF2-40B4-BE49-F238E27FC236}">
+                <a16:creationId xmlns:a16="http://schemas.microsoft.com/office/drawing/2014/main" id="{0CB1851C-9CB9-F24B-A688-2E6B6AA6F5D9}"/>
+              </a:ext>
+            </a:extLst>
+          </p:cNvPr>
+          <p:cNvSpPr txBox="1"/>
+          <p:nvPr/>
+        </p:nvSpPr>
+        <p:spPr>
+          <a:xfrm>
+            <a:off x="523947" y="1171650"/>
+            <a:ext cx="8096106" cy="1149193"/>
+          </a:xfrm>
+          <a:prstGeom prst="rect">
+            <a:avLst/>
+          </a:prstGeom>
+        </p:spPr>
+        <p:style>
+          <a:lnRef idx="0">
+            <a:scrgbClr r="0" g="0" b="0"/>
+          </a:lnRef>
+          <a:fillRef idx="0">
+            <a:scrgbClr r="0" g="0" b="0"/>
+          </a:fillRef>
+          <a:effectRef idx="0">
+            <a:scrgbClr r="0" g="0" b="0"/>
+          </a:effectRef>
+          <a:fontRef idx="minor">
+            <a:schemeClr val="dk1">
+              <a:hueOff val="0"/>
+              <a:satOff val="0"/>
+              <a:lumOff val="0"/>
+              <a:alphaOff val="0"/>
+            </a:schemeClr>
+          </a:fontRef>
+        </p:style>
+        <p:txBody>
+          <a:bodyPr spcFirstLastPara="0" vert="horz" wrap="square" lIns="198120" tIns="99060" rIns="198120" bIns="99060" numCol="1" spcCol="1270" anchor="ctr" anchorCtr="0">
+            <a:noAutofit/>
+          </a:bodyPr>
+          <a:lstStyle/>
+          <a:p>
+            <a:pPr marL="285750" lvl="1" indent="-285750" algn="l" defTabSz="2311400">
+              <a:lnSpc>
+                <a:spcPct val="90000"/>
+              </a:lnSpc>
+              <a:spcBef>
+                <a:spcPct val="0"/>
+              </a:spcBef>
+              <a:spcAft>
+                <a:spcPct val="15000"/>
+              </a:spcAft>
+              <a:buNone/>
+            </a:pPr>
+            <a:r>
+              <a:rPr lang="en-US" sz="5200" b="1" dirty="0"/>
+              <a:t>Mangled = </a:t>
+            </a:r>
+            <a:r>
+              <a:rPr lang="en-US" sz="5200" b="1" kern="1200" dirty="0"/>
+              <a:t>(L &gt;&gt; 12) XOR P</a:t>
+            </a:r>
+            <a:endParaRPr lang="en-US" sz="5200" kern="1200" dirty="0"/>
+          </a:p>
+        </p:txBody>
+      </p:sp>
+    </p:spTree>
+    <p:extLst>
+      <p:ext uri="{BB962C8B-B14F-4D97-AF65-F5344CB8AC3E}">
+        <p14:creationId xmlns:p14="http://schemas.microsoft.com/office/powerpoint/2010/main" val="2427035161"/>
+      </p:ext>
+    </p:extLst>
+  </p:cSld>
+  <p:clrMapOvr>
+    <a:masterClrMapping/>
+  </p:clrMapOvr>
+</p:sld>
+</file>
+
+<file path=ppt/slides/slide91.xml><?xml version="1.0" encoding="utf-8"?>
+<p:sld xmlns:a="http://schemas.openxmlformats.org/drawingml/2006/main" xmlns:r="http://schemas.openxmlformats.org/officeDocument/2006/relationships" xmlns:p="http://schemas.openxmlformats.org/presentationml/2006/main">
+  <p:cSld>
+    <p:spTree>
+      <p:nvGrpSpPr>
+        <p:cNvPr id="1" name=""/>
+        <p:cNvGrpSpPr/>
+        <p:nvPr/>
+      </p:nvGrpSpPr>
+      <p:grpSpPr>
+        <a:xfrm>
+          <a:off x="0" y="0"/>
+          <a:ext cx="0" cy="0"/>
+          <a:chOff x="0" y="0"/>
+          <a:chExt cx="0" cy="0"/>
+        </a:xfrm>
+      </p:grpSpPr>
+      <p:sp>
+        <p:nvSpPr>
+          <p:cNvPr id="71" name="Title 1">
+            <a:extLst>
+              <a:ext uri="{FF2B5EF4-FFF2-40B4-BE49-F238E27FC236}">
+                <a16:creationId xmlns:a16="http://schemas.microsoft.com/office/drawing/2014/main" id="{DF5690BF-289F-47F1-A7CF-463D71951913}"/>
+              </a:ext>
+            </a:extLst>
+          </p:cNvPr>
+          <p:cNvSpPr>
+            <a:spLocks noGrp="1"/>
+          </p:cNvSpPr>
+          <p:nvPr>
+            <p:ph type="title"/>
+          </p:nvPr>
+        </p:nvSpPr>
+        <p:spPr>
+          <a:xfrm>
+            <a:off x="628650" y="273847"/>
+            <a:ext cx="7886700" cy="994172"/>
+          </a:xfrm>
+        </p:spPr>
+        <p:txBody>
+          <a:bodyPr/>
+          <a:lstStyle/>
+          <a:p>
+            <a:r>
+              <a:rPr lang="en-US" dirty="0"/>
+              <a:t>Pointer Mangling – XOR Step</a:t>
+            </a:r>
+          </a:p>
+        </p:txBody>
+      </p:sp>
+      <p:sp>
+        <p:nvSpPr>
+          <p:cNvPr id="4" name="TextBox 3">
+            <a:extLst>
+              <a:ext uri="{FF2B5EF4-FFF2-40B4-BE49-F238E27FC236}">
+                <a16:creationId xmlns:a16="http://schemas.microsoft.com/office/drawing/2014/main" id="{5D9F051C-C6F1-734B-935D-8A727AE265CE}"/>
+              </a:ext>
+            </a:extLst>
+          </p:cNvPr>
+          <p:cNvSpPr txBox="1"/>
+          <p:nvPr/>
+        </p:nvSpPr>
+        <p:spPr>
+          <a:xfrm>
+            <a:off x="208787" y="2651057"/>
+            <a:ext cx="2488557" cy="369332"/>
+          </a:xfrm>
+          <a:prstGeom prst="rect">
+            <a:avLst/>
+          </a:prstGeom>
+          <a:noFill/>
+        </p:spPr>
+        <p:txBody>
+          <a:bodyPr wrap="square" rtlCol="0">
+            <a:spAutoFit/>
+          </a:bodyPr>
+          <a:lstStyle/>
+          <a:p>
+            <a:r>
+              <a:rPr lang="en-US" b="1" dirty="0">
+                <a:solidFill>
+                  <a:schemeClr val="bg2">
+                    <a:lumMod val="50000"/>
+                  </a:schemeClr>
+                </a:solidFill>
+              </a:rPr>
+              <a:t>P (Important String) </a:t>
+            </a:r>
+          </a:p>
+        </p:txBody>
+      </p:sp>
+      <p:sp>
+        <p:nvSpPr>
+          <p:cNvPr id="7" name="TextBox 6">
+            <a:extLst>
+              <a:ext uri="{FF2B5EF4-FFF2-40B4-BE49-F238E27FC236}">
+                <a16:creationId xmlns:a16="http://schemas.microsoft.com/office/drawing/2014/main" id="{ED904C9F-4C84-2E48-B7EB-33B27FCB24C6}"/>
+              </a:ext>
+            </a:extLst>
+          </p:cNvPr>
+          <p:cNvSpPr txBox="1"/>
+          <p:nvPr/>
+        </p:nvSpPr>
+        <p:spPr>
+          <a:xfrm>
+            <a:off x="231997" y="3210823"/>
+            <a:ext cx="2488557" cy="369332"/>
+          </a:xfrm>
+          <a:prstGeom prst="rect">
+            <a:avLst/>
+          </a:prstGeom>
+          <a:noFill/>
+        </p:spPr>
+        <p:txBody>
+          <a:bodyPr wrap="square" rtlCol="0">
+            <a:spAutoFit/>
+          </a:bodyPr>
+          <a:lstStyle/>
+          <a:p>
+            <a:r>
+              <a:rPr lang="en-US" b="1" dirty="0">
+                <a:solidFill>
+                  <a:schemeClr val="bg2">
+                    <a:lumMod val="50000"/>
+                  </a:schemeClr>
+                </a:solidFill>
+              </a:rPr>
+              <a:t>L (Storage Location)</a:t>
+            </a:r>
+          </a:p>
+        </p:txBody>
+      </p:sp>
+      <p:cxnSp>
+        <p:nvCxnSpPr>
+          <p:cNvPr id="8" name="Straight Connector 7">
+            <a:extLst>
+              <a:ext uri="{FF2B5EF4-FFF2-40B4-BE49-F238E27FC236}">
+                <a16:creationId xmlns:a16="http://schemas.microsoft.com/office/drawing/2014/main" id="{99B4315D-6411-8847-9ED3-EAE9764D3889}"/>
+              </a:ext>
+            </a:extLst>
+          </p:cNvPr>
+          <p:cNvCxnSpPr>
+            <a:cxnSpLocks/>
+          </p:cNvCxnSpPr>
+          <p:nvPr/>
+        </p:nvCxnSpPr>
+        <p:spPr>
+          <a:xfrm>
+            <a:off x="2520175" y="3122341"/>
+            <a:ext cx="1743848" cy="0"/>
+          </a:xfrm>
+          <a:prstGeom prst="line">
+            <a:avLst/>
+          </a:prstGeom>
+          <a:ln w="34925">
+            <a:solidFill>
+              <a:schemeClr val="tx1"/>
+            </a:solidFill>
+          </a:ln>
+        </p:spPr>
+        <p:style>
+          <a:lnRef idx="1">
+            <a:schemeClr val="accent1"/>
+          </a:lnRef>
+          <a:fillRef idx="0">
+            <a:schemeClr val="accent1"/>
+          </a:fillRef>
+          <a:effectRef idx="0">
+            <a:schemeClr val="accent1"/>
+          </a:effectRef>
+          <a:fontRef idx="minor">
+            <a:schemeClr val="tx1"/>
+          </a:fontRef>
+        </p:style>
+      </p:cxnSp>
+      <p:sp>
+        <p:nvSpPr>
+          <p:cNvPr id="9" name="TextBox 8">
+            <a:extLst>
+              <a:ext uri="{FF2B5EF4-FFF2-40B4-BE49-F238E27FC236}">
+                <a16:creationId xmlns:a16="http://schemas.microsoft.com/office/drawing/2014/main" id="{DB41B0FD-A944-FB45-8C47-4165FA36186C}"/>
+              </a:ext>
+            </a:extLst>
+          </p:cNvPr>
+          <p:cNvSpPr txBox="1"/>
+          <p:nvPr/>
+        </p:nvSpPr>
+        <p:spPr>
+          <a:xfrm>
+            <a:off x="2520175" y="2537566"/>
+            <a:ext cx="2754351" cy="584775"/>
+          </a:xfrm>
+          <a:prstGeom prst="rect">
+            <a:avLst/>
+          </a:prstGeom>
+          <a:noFill/>
+        </p:spPr>
+        <p:txBody>
+          <a:bodyPr wrap="square" rtlCol="0">
+            <a:spAutoFit/>
+          </a:bodyPr>
+          <a:lstStyle/>
+          <a:p>
+            <a:r>
+              <a:rPr lang="en-US" sz="3200" dirty="0"/>
+              <a:t>0x601080</a:t>
+            </a:r>
+          </a:p>
+        </p:txBody>
+      </p:sp>
+      <p:sp>
+        <p:nvSpPr>
+          <p:cNvPr id="10" name="TextBox 9">
+            <a:extLst>
+              <a:ext uri="{FF2B5EF4-FFF2-40B4-BE49-F238E27FC236}">
+                <a16:creationId xmlns:a16="http://schemas.microsoft.com/office/drawing/2014/main" id="{EE77FD63-27BB-7B4A-BF72-43DF84CE3167}"/>
+              </a:ext>
+            </a:extLst>
+          </p:cNvPr>
+          <p:cNvSpPr txBox="1"/>
+          <p:nvPr/>
+        </p:nvSpPr>
+        <p:spPr>
+          <a:xfrm>
+            <a:off x="2240248" y="3093626"/>
+            <a:ext cx="2082114" cy="584775"/>
+          </a:xfrm>
+          <a:prstGeom prst="rect">
+            <a:avLst/>
+          </a:prstGeom>
+          <a:noFill/>
+        </p:spPr>
+        <p:txBody>
+          <a:bodyPr wrap="square" rtlCol="0">
+            <a:spAutoFit/>
+          </a:bodyPr>
+          <a:lstStyle/>
+          <a:p>
+            <a:pPr algn="r"/>
+            <a:r>
+              <a:rPr lang="en-US" sz="3200" dirty="0"/>
+              <a:t>0x000602</a:t>
+            </a:r>
+          </a:p>
+        </p:txBody>
+      </p:sp>
+      <p:sp>
+        <p:nvSpPr>
+          <p:cNvPr id="11" name="TextBox 10">
+            <a:extLst>
+              <a:ext uri="{FF2B5EF4-FFF2-40B4-BE49-F238E27FC236}">
+                <a16:creationId xmlns:a16="http://schemas.microsoft.com/office/drawing/2014/main" id="{9C544459-F090-9C46-9A39-0768AF7EADB3}"/>
+              </a:ext>
+            </a:extLst>
+          </p:cNvPr>
+          <p:cNvSpPr txBox="1"/>
+          <p:nvPr/>
+        </p:nvSpPr>
+        <p:spPr>
+          <a:xfrm>
+            <a:off x="1722738" y="2829953"/>
+            <a:ext cx="952322" cy="584775"/>
+          </a:xfrm>
+          <a:prstGeom prst="rect">
+            <a:avLst/>
+          </a:prstGeom>
+          <a:noFill/>
+        </p:spPr>
+        <p:txBody>
+          <a:bodyPr wrap="square" rtlCol="0">
+            <a:spAutoFit/>
+          </a:bodyPr>
+          <a:lstStyle/>
+          <a:p>
+            <a:r>
+              <a:rPr lang="en-US" sz="3200" dirty="0"/>
+              <a:t>XOR</a:t>
+            </a:r>
+          </a:p>
+        </p:txBody>
+      </p:sp>
+      <p:sp>
+        <p:nvSpPr>
+          <p:cNvPr id="12" name="TextBox 11">
+            <a:extLst>
+              <a:ext uri="{FF2B5EF4-FFF2-40B4-BE49-F238E27FC236}">
+                <a16:creationId xmlns:a16="http://schemas.microsoft.com/office/drawing/2014/main" id="{64A51502-035F-5643-A34B-8F3515C23174}"/>
+              </a:ext>
+            </a:extLst>
+          </p:cNvPr>
+          <p:cNvSpPr txBox="1"/>
+          <p:nvPr/>
+        </p:nvSpPr>
+        <p:spPr>
+          <a:xfrm>
+            <a:off x="4149401" y="2800988"/>
+            <a:ext cx="2754351" cy="584775"/>
+          </a:xfrm>
+          <a:prstGeom prst="rect">
+            <a:avLst/>
+          </a:prstGeom>
+          <a:noFill/>
+        </p:spPr>
+        <p:txBody>
+          <a:bodyPr wrap="square" rtlCol="0">
+            <a:spAutoFit/>
+          </a:bodyPr>
+          <a:lstStyle/>
+          <a:p>
+            <a:r>
+              <a:rPr lang="en-US" sz="3200" dirty="0"/>
+              <a:t> = ﻿ ﻿0x601682</a:t>
+            </a:r>
+          </a:p>
+        </p:txBody>
+      </p:sp>
+      <p:cxnSp>
+        <p:nvCxnSpPr>
+          <p:cNvPr id="14" name="Straight Arrow Connector 13">
+            <a:extLst>
+              <a:ext uri="{FF2B5EF4-FFF2-40B4-BE49-F238E27FC236}">
+                <a16:creationId xmlns:a16="http://schemas.microsoft.com/office/drawing/2014/main" id="{E6FC7780-DB61-8340-92BD-6916CAB9471F}"/>
+              </a:ext>
+            </a:extLst>
+          </p:cNvPr>
+          <p:cNvCxnSpPr>
+            <a:cxnSpLocks/>
+          </p:cNvCxnSpPr>
+          <p:nvPr/>
+        </p:nvCxnSpPr>
+        <p:spPr>
+          <a:xfrm flipV="1">
+            <a:off x="5495114" y="3262183"/>
+            <a:ext cx="0" cy="731520"/>
+          </a:xfrm>
+          <a:prstGeom prst="straightConnector1">
+            <a:avLst/>
+          </a:prstGeom>
+          <a:ln>
+            <a:tailEnd type="triangle"/>
+          </a:ln>
+        </p:spPr>
+        <p:style>
+          <a:lnRef idx="1">
+            <a:schemeClr val="accent1"/>
+          </a:lnRef>
+          <a:fillRef idx="0">
+            <a:schemeClr val="accent1"/>
+          </a:fillRef>
+          <a:effectRef idx="0">
+            <a:schemeClr val="accent1"/>
+          </a:effectRef>
+          <a:fontRef idx="minor">
+            <a:schemeClr val="tx1"/>
+          </a:fontRef>
+        </p:style>
+      </p:cxnSp>
+      <p:sp>
+        <p:nvSpPr>
+          <p:cNvPr id="18" name="TextBox 17">
+            <a:extLst>
+              <a:ext uri="{FF2B5EF4-FFF2-40B4-BE49-F238E27FC236}">
+                <a16:creationId xmlns:a16="http://schemas.microsoft.com/office/drawing/2014/main" id="{06881BE1-F1E5-034A-B74D-EBA575DC13CF}"/>
+              </a:ext>
+            </a:extLst>
+          </p:cNvPr>
+          <p:cNvSpPr txBox="1"/>
+          <p:nvPr/>
+        </p:nvSpPr>
+        <p:spPr>
+          <a:xfrm>
+            <a:off x="4659512" y="3809037"/>
+            <a:ext cx="1818252" cy="369332"/>
+          </a:xfrm>
+          <a:prstGeom prst="rect">
+            <a:avLst/>
+          </a:prstGeom>
+          <a:solidFill>
+            <a:schemeClr val="bg1"/>
+          </a:solidFill>
+          <a:ln>
+            <a:solidFill>
+              <a:schemeClr val="accent1"/>
+            </a:solidFill>
+          </a:ln>
+        </p:spPr>
+        <p:txBody>
+          <a:bodyPr wrap="square" rtlCol="0">
+            <a:spAutoFit/>
+          </a:bodyPr>
+          <a:lstStyle/>
+          <a:p>
+            <a:r>
+              <a:rPr lang="en-US" dirty="0"/>
+              <a:t>Mangled Pointer</a:t>
+            </a:r>
+          </a:p>
+        </p:txBody>
+      </p:sp>
+      <p:cxnSp>
+        <p:nvCxnSpPr>
+          <p:cNvPr id="19" name="Straight Connector 18">
+            <a:extLst>
+              <a:ext uri="{FF2B5EF4-FFF2-40B4-BE49-F238E27FC236}">
+                <a16:creationId xmlns:a16="http://schemas.microsoft.com/office/drawing/2014/main" id="{864B4970-8BDE-6A45-BC7C-05EDFDB5BFA6}"/>
+              </a:ext>
+            </a:extLst>
+          </p:cNvPr>
+          <p:cNvCxnSpPr>
+            <a:cxnSpLocks/>
+          </p:cNvCxnSpPr>
+          <p:nvPr/>
+        </p:nvCxnSpPr>
+        <p:spPr>
+          <a:xfrm>
+            <a:off x="3617424" y="2309695"/>
+            <a:ext cx="0" cy="1570327"/>
+          </a:xfrm>
+          <a:prstGeom prst="line">
+            <a:avLst/>
+          </a:prstGeom>
+          <a:ln>
+            <a:solidFill>
+              <a:srgbClr val="FF0000"/>
+            </a:solidFill>
+          </a:ln>
+        </p:spPr>
+        <p:style>
+          <a:lnRef idx="1">
+            <a:schemeClr val="accent1"/>
+          </a:lnRef>
+          <a:fillRef idx="0">
+            <a:schemeClr val="accent1"/>
+          </a:fillRef>
+          <a:effectRef idx="0">
+            <a:schemeClr val="accent1"/>
+          </a:effectRef>
+          <a:fontRef idx="minor">
+            <a:schemeClr val="tx1"/>
+          </a:fontRef>
+        </p:style>
+      </p:cxnSp>
+      <p:cxnSp>
+        <p:nvCxnSpPr>
+          <p:cNvPr id="20" name="Straight Connector 19">
+            <a:extLst>
+              <a:ext uri="{FF2B5EF4-FFF2-40B4-BE49-F238E27FC236}">
+                <a16:creationId xmlns:a16="http://schemas.microsoft.com/office/drawing/2014/main" id="{E275B8B8-7CE8-8149-B839-8BF6964683D9}"/>
+              </a:ext>
+            </a:extLst>
+          </p:cNvPr>
+          <p:cNvCxnSpPr>
+            <a:cxnSpLocks/>
+          </p:cNvCxnSpPr>
+          <p:nvPr/>
+        </p:nvCxnSpPr>
+        <p:spPr>
+          <a:xfrm>
+            <a:off x="4233524" y="2309693"/>
+            <a:ext cx="0" cy="1570327"/>
+          </a:xfrm>
+          <a:prstGeom prst="line">
+            <a:avLst/>
+          </a:prstGeom>
+          <a:ln>
+            <a:solidFill>
+              <a:srgbClr val="FF0000"/>
+            </a:solidFill>
+          </a:ln>
+        </p:spPr>
+        <p:style>
+          <a:lnRef idx="1">
+            <a:schemeClr val="accent1"/>
+          </a:lnRef>
+          <a:fillRef idx="0">
+            <a:schemeClr val="accent1"/>
+          </a:fillRef>
+          <a:effectRef idx="0">
+            <a:schemeClr val="accent1"/>
+          </a:effectRef>
+          <a:fontRef idx="minor">
+            <a:schemeClr val="tx1"/>
+          </a:fontRef>
+        </p:style>
+      </p:cxnSp>
+      <p:cxnSp>
+        <p:nvCxnSpPr>
+          <p:cNvPr id="21" name="Straight Connector 20">
+            <a:extLst>
+              <a:ext uri="{FF2B5EF4-FFF2-40B4-BE49-F238E27FC236}">
+                <a16:creationId xmlns:a16="http://schemas.microsoft.com/office/drawing/2014/main" id="{F4CCE0AA-E10B-EE4A-8E90-7857CA543BDE}"/>
+              </a:ext>
+            </a:extLst>
+          </p:cNvPr>
+          <p:cNvCxnSpPr>
+            <a:cxnSpLocks/>
+          </p:cNvCxnSpPr>
+          <p:nvPr/>
+        </p:nvCxnSpPr>
+        <p:spPr>
+          <a:xfrm>
+            <a:off x="2996336" y="2309693"/>
+            <a:ext cx="0" cy="1570327"/>
+          </a:xfrm>
+          <a:prstGeom prst="line">
+            <a:avLst/>
+          </a:prstGeom>
+          <a:ln>
+            <a:solidFill>
+              <a:srgbClr val="FF0000"/>
+            </a:solidFill>
+          </a:ln>
+        </p:spPr>
+        <p:style>
+          <a:lnRef idx="1">
+            <a:schemeClr val="accent1"/>
+          </a:lnRef>
+          <a:fillRef idx="0">
+            <a:schemeClr val="accent1"/>
+          </a:fillRef>
+          <a:effectRef idx="0">
+            <a:schemeClr val="accent1"/>
+          </a:effectRef>
+          <a:fontRef idx="minor">
+            <a:schemeClr val="tx1"/>
+          </a:fontRef>
+        </p:style>
+      </p:cxnSp>
+      <p:sp>
+        <p:nvSpPr>
+          <p:cNvPr id="23" name="TextBox 22">
+            <a:extLst>
+              <a:ext uri="{FF2B5EF4-FFF2-40B4-BE49-F238E27FC236}">
+                <a16:creationId xmlns:a16="http://schemas.microsoft.com/office/drawing/2014/main" id="{F65EB2E8-B71B-1741-BBBC-EA9AF347C86F}"/>
+              </a:ext>
+            </a:extLst>
+          </p:cNvPr>
+          <p:cNvSpPr txBox="1"/>
+          <p:nvPr/>
+        </p:nvSpPr>
+        <p:spPr>
+          <a:xfrm>
+            <a:off x="2999076" y="2255938"/>
+            <a:ext cx="650645" cy="369332"/>
+          </a:xfrm>
+          <a:prstGeom prst="rect">
+            <a:avLst/>
+          </a:prstGeom>
+          <a:noFill/>
+          <a:ln>
+            <a:noFill/>
+          </a:ln>
+        </p:spPr>
+        <p:txBody>
+          <a:bodyPr wrap="square" rtlCol="0">
+            <a:spAutoFit/>
+          </a:bodyPr>
+          <a:lstStyle/>
+          <a:p>
+            <a:r>
+              <a:rPr lang="en-US" dirty="0"/>
+              <a:t>Set 1</a:t>
+            </a:r>
+          </a:p>
+        </p:txBody>
+      </p:sp>
+      <p:sp>
+        <p:nvSpPr>
+          <p:cNvPr id="24" name="TextBox 23">
+            <a:extLst>
+              <a:ext uri="{FF2B5EF4-FFF2-40B4-BE49-F238E27FC236}">
+                <a16:creationId xmlns:a16="http://schemas.microsoft.com/office/drawing/2014/main" id="{DA6B0663-4401-E547-855C-90E0DC527F02}"/>
+              </a:ext>
+            </a:extLst>
+          </p:cNvPr>
+          <p:cNvSpPr txBox="1"/>
+          <p:nvPr/>
+        </p:nvSpPr>
+        <p:spPr>
+          <a:xfrm>
+            <a:off x="3613378" y="2263330"/>
+            <a:ext cx="650645" cy="369332"/>
+          </a:xfrm>
+          <a:prstGeom prst="rect">
+            <a:avLst/>
+          </a:prstGeom>
+          <a:noFill/>
+          <a:ln>
+            <a:noFill/>
+          </a:ln>
+        </p:spPr>
+        <p:txBody>
+          <a:bodyPr wrap="square" rtlCol="0">
+            <a:spAutoFit/>
+          </a:bodyPr>
+          <a:lstStyle/>
+          <a:p>
+            <a:r>
+              <a:rPr lang="en-US" dirty="0"/>
+              <a:t>Set 2</a:t>
+            </a:r>
+          </a:p>
+        </p:txBody>
+      </p:sp>
+      <p:cxnSp>
+        <p:nvCxnSpPr>
+          <p:cNvPr id="26" name="Straight Connector 25">
+            <a:extLst>
+              <a:ext uri="{FF2B5EF4-FFF2-40B4-BE49-F238E27FC236}">
+                <a16:creationId xmlns:a16="http://schemas.microsoft.com/office/drawing/2014/main" id="{BAD2B293-60B1-E442-8CDD-9D099E55113A}"/>
+              </a:ext>
+            </a:extLst>
+          </p:cNvPr>
+          <p:cNvCxnSpPr>
+            <a:cxnSpLocks/>
+          </p:cNvCxnSpPr>
+          <p:nvPr/>
+        </p:nvCxnSpPr>
+        <p:spPr>
+          <a:xfrm>
+            <a:off x="2996336" y="3014030"/>
+            <a:ext cx="579738" cy="0"/>
+          </a:xfrm>
+          <a:prstGeom prst="line">
+            <a:avLst/>
+          </a:prstGeom>
+          <a:ln w="38100"/>
+        </p:spPr>
+        <p:style>
+          <a:lnRef idx="1">
+            <a:schemeClr val="accent1"/>
+          </a:lnRef>
+          <a:fillRef idx="0">
+            <a:schemeClr val="accent1"/>
+          </a:fillRef>
+          <a:effectRef idx="0">
+            <a:schemeClr val="accent1"/>
+          </a:effectRef>
+          <a:fontRef idx="minor">
+            <a:schemeClr val="tx1"/>
+          </a:fontRef>
+        </p:style>
+      </p:cxnSp>
+      <p:cxnSp>
+        <p:nvCxnSpPr>
+          <p:cNvPr id="27" name="Straight Connector 26">
+            <a:extLst>
+              <a:ext uri="{FF2B5EF4-FFF2-40B4-BE49-F238E27FC236}">
+                <a16:creationId xmlns:a16="http://schemas.microsoft.com/office/drawing/2014/main" id="{1AB206D5-3A42-B947-B322-10EF17805171}"/>
+              </a:ext>
+            </a:extLst>
+          </p:cNvPr>
+          <p:cNvCxnSpPr>
+            <a:cxnSpLocks/>
+          </p:cNvCxnSpPr>
+          <p:nvPr/>
+        </p:nvCxnSpPr>
+        <p:spPr>
+          <a:xfrm>
+            <a:off x="3613378" y="3580155"/>
+            <a:ext cx="579738" cy="0"/>
+          </a:xfrm>
+          <a:prstGeom prst="line">
+            <a:avLst/>
+          </a:prstGeom>
+          <a:ln w="38100"/>
+        </p:spPr>
+        <p:style>
+          <a:lnRef idx="1">
+            <a:schemeClr val="accent1"/>
+          </a:lnRef>
+          <a:fillRef idx="0">
+            <a:schemeClr val="accent1"/>
+          </a:fillRef>
+          <a:effectRef idx="0">
+            <a:schemeClr val="accent1"/>
+          </a:effectRef>
+          <a:fontRef idx="minor">
+            <a:schemeClr val="tx1"/>
+          </a:fontRef>
+        </p:style>
+      </p:cxnSp>
+      <p:sp>
+        <p:nvSpPr>
+          <p:cNvPr id="28" name="Round Same Side Corner Rectangle 4">
+            <a:extLst>
+              <a:ext uri="{FF2B5EF4-FFF2-40B4-BE49-F238E27FC236}">
+                <a16:creationId xmlns:a16="http://schemas.microsoft.com/office/drawing/2014/main" id="{EAF44559-C283-2B4B-A428-6E65802DA81D}"/>
+              </a:ext>
+            </a:extLst>
+          </p:cNvPr>
+          <p:cNvSpPr txBox="1"/>
+          <p:nvPr/>
+        </p:nvSpPr>
+        <p:spPr>
+          <a:xfrm>
+            <a:off x="523947" y="1171650"/>
+            <a:ext cx="8096106" cy="1149193"/>
+          </a:xfrm>
+          <a:prstGeom prst="rect">
+            <a:avLst/>
+          </a:prstGeom>
+        </p:spPr>
+        <p:style>
+          <a:lnRef idx="0">
+            <a:scrgbClr r="0" g="0" b="0"/>
+          </a:lnRef>
+          <a:fillRef idx="0">
+            <a:scrgbClr r="0" g="0" b="0"/>
+          </a:fillRef>
+          <a:effectRef idx="0">
+            <a:scrgbClr r="0" g="0" b="0"/>
+          </a:effectRef>
+          <a:fontRef idx="minor">
+            <a:schemeClr val="dk1">
+              <a:hueOff val="0"/>
+              <a:satOff val="0"/>
+              <a:lumOff val="0"/>
+              <a:alphaOff val="0"/>
+            </a:schemeClr>
+          </a:fontRef>
+        </p:style>
+        <p:txBody>
+          <a:bodyPr spcFirstLastPara="0" vert="horz" wrap="square" lIns="198120" tIns="99060" rIns="198120" bIns="99060" numCol="1" spcCol="1270" anchor="ctr" anchorCtr="0">
+            <a:noAutofit/>
+          </a:bodyPr>
+          <a:lstStyle/>
+          <a:p>
+            <a:pPr marL="285750" lvl="1" indent="-285750" algn="l" defTabSz="2311400">
+              <a:lnSpc>
+                <a:spcPct val="90000"/>
+              </a:lnSpc>
+              <a:spcBef>
+                <a:spcPct val="0"/>
+              </a:spcBef>
+              <a:spcAft>
+                <a:spcPct val="15000"/>
+              </a:spcAft>
+              <a:buNone/>
+            </a:pPr>
+            <a:r>
+              <a:rPr lang="en-US" sz="5200" b="1" dirty="0"/>
+              <a:t>Mangled = </a:t>
+            </a:r>
+            <a:r>
+              <a:rPr lang="en-US" sz="5200" b="1" kern="1200" dirty="0"/>
+              <a:t>(L &gt;&gt; 12) XOR P</a:t>
+            </a:r>
+            <a:endParaRPr lang="en-US" sz="5200" kern="1200" dirty="0"/>
+          </a:p>
+        </p:txBody>
+      </p:sp>
+    </p:spTree>
+    <p:extLst>
+      <p:ext uri="{BB962C8B-B14F-4D97-AF65-F5344CB8AC3E}">
+        <p14:creationId xmlns:p14="http://schemas.microsoft.com/office/powerpoint/2010/main" val="3024527181"/>
+      </p:ext>
+    </p:extLst>
+  </p:cSld>
+  <p:clrMapOvr>
+    <a:masterClrMapping/>
+  </p:clrMapOvr>
+</p:sld>
+</file>
+
+<file path=ppt/slides/slide92.xml><?xml version="1.0" encoding="utf-8"?>
+<p:sld xmlns:a="http://schemas.openxmlformats.org/drawingml/2006/main" xmlns:r="http://schemas.openxmlformats.org/officeDocument/2006/relationships" xmlns:p="http://schemas.openxmlformats.org/presentationml/2006/main">
+  <p:cSld>
+    <p:spTree>
+      <p:nvGrpSpPr>
+        <p:cNvPr id="1" name=""/>
+        <p:cNvGrpSpPr/>
+        <p:nvPr/>
+      </p:nvGrpSpPr>
+      <p:grpSpPr>
+        <a:xfrm>
+          <a:off x="0" y="0"/>
+          <a:ext cx="0" cy="0"/>
+          <a:chOff x="0" y="0"/>
+          <a:chExt cx="0" cy="0"/>
+        </a:xfrm>
+      </p:grpSpPr>
+      <p:sp>
+        <p:nvSpPr>
+          <p:cNvPr id="2" name="Title 1">
+            <a:extLst>
+              <a:ext uri="{FF2B5EF4-FFF2-40B4-BE49-F238E27FC236}">
+                <a16:creationId xmlns:a16="http://schemas.microsoft.com/office/drawing/2014/main" id="{6C7F1465-9401-1A42-8787-B66FE6422677}"/>
+              </a:ext>
+            </a:extLst>
+          </p:cNvPr>
+          <p:cNvSpPr>
+            <a:spLocks noGrp="1"/>
+          </p:cNvSpPr>
+          <p:nvPr>
+            <p:ph type="title"/>
+          </p:nvPr>
+        </p:nvSpPr>
+        <p:spPr>
+          <a:xfrm>
+            <a:off x="628650" y="273847"/>
+            <a:ext cx="7886700" cy="994172"/>
+          </a:xfrm>
+        </p:spPr>
+        <p:txBody>
+          <a:bodyPr anchor="ctr">
+            <a:normAutofit fontScale="90000"/>
+          </a:bodyPr>
+          <a:lstStyle/>
+          <a:p>
+            <a:r>
+              <a:rPr lang="en-US" dirty="0"/>
+              <a:t>Fd Pointer to Important String Mangled!</a:t>
+            </a:r>
+          </a:p>
+        </p:txBody>
+      </p:sp>
+      <p:pic>
+        <p:nvPicPr>
+          <p:cNvPr id="5" name="Content Placeholder 4" descr="Fd poision">
+            <a:extLst>
+              <a:ext uri="{FF2B5EF4-FFF2-40B4-BE49-F238E27FC236}">
+                <a16:creationId xmlns:a16="http://schemas.microsoft.com/office/drawing/2014/main" id="{84C40A55-42F7-F54D-874D-FF4533CEEED6}"/>
+              </a:ext>
+            </a:extLst>
+          </p:cNvPr>
+          <p:cNvPicPr>
+            <a:picLocks noGrp="1" noChangeAspect="1"/>
+          </p:cNvPicPr>
+          <p:nvPr>
+            <p:ph sz="half" idx="1"/>
+          </p:nvPr>
+        </p:nvPicPr>
+        <p:blipFill>
+          <a:blip r:embed="rId2"/>
+          <a:stretch>
+            <a:fillRect/>
+          </a:stretch>
+        </p:blipFill>
+        <p:spPr>
+          <a:xfrm>
+            <a:off x="630661" y="1369219"/>
+            <a:ext cx="3882177" cy="3263504"/>
+          </a:xfrm>
+          <a:noFill/>
+        </p:spPr>
+      </p:pic>
+      <p:sp>
+        <p:nvSpPr>
+          <p:cNvPr id="10" name="Content Placeholder 3">
+            <a:extLst>
+              <a:ext uri="{FF2B5EF4-FFF2-40B4-BE49-F238E27FC236}">
+                <a16:creationId xmlns:a16="http://schemas.microsoft.com/office/drawing/2014/main" id="{9394330D-8DFD-4B26-A391-792CC0643198}"/>
+              </a:ext>
+            </a:extLst>
+          </p:cNvPr>
+          <p:cNvSpPr>
+            <a:spLocks noGrp="1"/>
+          </p:cNvSpPr>
+          <p:nvPr>
+            <p:ph sz="half" idx="2"/>
+          </p:nvPr>
+        </p:nvSpPr>
+        <p:spPr>
+          <a:xfrm>
+            <a:off x="4629150" y="1369219"/>
+            <a:ext cx="3886200" cy="3263504"/>
+          </a:xfrm>
+        </p:spPr>
+        <p:txBody>
+          <a:bodyPr/>
+          <a:lstStyle/>
+          <a:p>
+            <a:r>
+              <a:rPr lang="en-US" b="1" i="1" dirty="0"/>
+              <a:t>Mangle</a:t>
+            </a:r>
+            <a:r>
+              <a:rPr lang="en-US" dirty="0"/>
+              <a:t> address of </a:t>
+            </a:r>
+            <a:r>
+              <a:rPr lang="en-US" i="1" dirty="0" err="1"/>
+              <a:t>important_string</a:t>
+            </a:r>
+            <a:r>
+              <a:rPr lang="en-US" dirty="0"/>
+              <a:t> with location of the pointer</a:t>
+            </a:r>
+          </a:p>
+        </p:txBody>
+      </p:sp>
+      <p:sp>
+        <p:nvSpPr>
+          <p:cNvPr id="3" name="TextBox 2">
+            <a:extLst>
+              <a:ext uri="{FF2B5EF4-FFF2-40B4-BE49-F238E27FC236}">
+                <a16:creationId xmlns:a16="http://schemas.microsoft.com/office/drawing/2014/main" id="{B43C9C4E-9AED-044D-941F-A57F5D8C5ADE}"/>
+              </a:ext>
+            </a:extLst>
+          </p:cNvPr>
+          <p:cNvSpPr txBox="1"/>
+          <p:nvPr/>
+        </p:nvSpPr>
+        <p:spPr>
+          <a:xfrm>
+            <a:off x="3143885" y="3646325"/>
+            <a:ext cx="1428115" cy="369332"/>
+          </a:xfrm>
+          <a:prstGeom prst="rect">
+            <a:avLst/>
+          </a:prstGeom>
+          <a:noFill/>
+        </p:spPr>
+        <p:txBody>
+          <a:bodyPr wrap="square" rtlCol="0">
+            <a:spAutoFit/>
+          </a:bodyPr>
+          <a:lstStyle/>
+          <a:p>
+            <a:r>
+              <a:rPr lang="en-US" b="1" dirty="0"/>
+              <a:t>Mangled</a:t>
+            </a:r>
+          </a:p>
+        </p:txBody>
+      </p:sp>
+      <p:cxnSp>
+        <p:nvCxnSpPr>
+          <p:cNvPr id="8" name="Straight Arrow Connector 7">
+            <a:extLst>
+              <a:ext uri="{FF2B5EF4-FFF2-40B4-BE49-F238E27FC236}">
+                <a16:creationId xmlns:a16="http://schemas.microsoft.com/office/drawing/2014/main" id="{FC086435-4C04-4F46-AE23-E096A8AE57F7}"/>
+              </a:ext>
+            </a:extLst>
+          </p:cNvPr>
+          <p:cNvCxnSpPr>
+            <a:cxnSpLocks/>
+          </p:cNvCxnSpPr>
+          <p:nvPr/>
+        </p:nvCxnSpPr>
+        <p:spPr>
+          <a:xfrm>
+            <a:off x="2675342" y="3404212"/>
+            <a:ext cx="0" cy="611445"/>
+          </a:xfrm>
+          <a:prstGeom prst="straightConnector1">
+            <a:avLst/>
+          </a:prstGeom>
+          <a:ln w="76200">
+            <a:solidFill>
+              <a:srgbClr val="FF0000"/>
+            </a:solidFill>
+            <a:tailEnd type="triangle"/>
+          </a:ln>
+        </p:spPr>
+        <p:style>
+          <a:lnRef idx="1">
+            <a:schemeClr val="accent1"/>
+          </a:lnRef>
+          <a:fillRef idx="0">
+            <a:schemeClr val="accent1"/>
+          </a:fillRef>
+          <a:effectRef idx="0">
+            <a:schemeClr val="accent1"/>
+          </a:effectRef>
+          <a:fontRef idx="minor">
+            <a:schemeClr val="tx1"/>
+          </a:fontRef>
+        </p:style>
+      </p:cxnSp>
+      <p:cxnSp>
+        <p:nvCxnSpPr>
+          <p:cNvPr id="9" name="Straight Connector 8">
+            <a:extLst>
+              <a:ext uri="{FF2B5EF4-FFF2-40B4-BE49-F238E27FC236}">
+                <a16:creationId xmlns:a16="http://schemas.microsoft.com/office/drawing/2014/main" id="{F49392AA-147C-E74A-B78C-3E827F46416B}"/>
+              </a:ext>
+            </a:extLst>
+          </p:cNvPr>
+          <p:cNvCxnSpPr>
+            <a:cxnSpLocks/>
+          </p:cNvCxnSpPr>
+          <p:nvPr/>
+        </p:nvCxnSpPr>
+        <p:spPr>
+          <a:xfrm>
+            <a:off x="2675342" y="3404212"/>
+            <a:ext cx="651752" cy="0"/>
+          </a:xfrm>
+          <a:prstGeom prst="line">
+            <a:avLst/>
+          </a:prstGeom>
+          <a:ln w="76200">
+            <a:solidFill>
+              <a:srgbClr val="FF0000"/>
+            </a:solidFill>
+          </a:ln>
+        </p:spPr>
+        <p:style>
+          <a:lnRef idx="1">
+            <a:schemeClr val="accent1"/>
+          </a:lnRef>
+          <a:fillRef idx="0">
+            <a:schemeClr val="accent1"/>
+          </a:fillRef>
+          <a:effectRef idx="0">
+            <a:schemeClr val="accent1"/>
+          </a:effectRef>
+          <a:fontRef idx="minor">
+            <a:schemeClr val="tx1"/>
+          </a:fontRef>
+        </p:style>
+      </p:cxnSp>
+      <p:cxnSp>
+        <p:nvCxnSpPr>
+          <p:cNvPr id="11" name="Straight Connector 10">
+            <a:extLst>
+              <a:ext uri="{FF2B5EF4-FFF2-40B4-BE49-F238E27FC236}">
+                <a16:creationId xmlns:a16="http://schemas.microsoft.com/office/drawing/2014/main" id="{19823704-0C62-764A-98CD-816D3ABE59C6}"/>
+              </a:ext>
+            </a:extLst>
+          </p:cNvPr>
+          <p:cNvCxnSpPr>
+            <a:cxnSpLocks/>
+          </p:cNvCxnSpPr>
+          <p:nvPr/>
+        </p:nvCxnSpPr>
+        <p:spPr>
+          <a:xfrm flipV="1">
+            <a:off x="3367569" y="3000971"/>
+            <a:ext cx="0" cy="451211"/>
+          </a:xfrm>
+          <a:prstGeom prst="line">
+            <a:avLst/>
+          </a:prstGeom>
+          <a:ln w="76200">
+            <a:solidFill>
+              <a:srgbClr val="FF0000"/>
+            </a:solidFill>
+          </a:ln>
+        </p:spPr>
+        <p:style>
+          <a:lnRef idx="1">
+            <a:schemeClr val="accent1"/>
+          </a:lnRef>
+          <a:fillRef idx="0">
+            <a:schemeClr val="accent1"/>
+          </a:fillRef>
+          <a:effectRef idx="0">
+            <a:schemeClr val="accent1"/>
+          </a:effectRef>
+          <a:fontRef idx="minor">
+            <a:schemeClr val="tx1"/>
+          </a:fontRef>
+        </p:style>
+      </p:cxnSp>
+      <p:sp>
+        <p:nvSpPr>
+          <p:cNvPr id="15" name="TextBox 14">
+            <a:extLst>
+              <a:ext uri="{FF2B5EF4-FFF2-40B4-BE49-F238E27FC236}">
+                <a16:creationId xmlns:a16="http://schemas.microsoft.com/office/drawing/2014/main" id="{3B3C7ED8-DD41-D648-B238-B4D317AC83C4}"/>
+              </a:ext>
+            </a:extLst>
+          </p:cNvPr>
+          <p:cNvSpPr txBox="1"/>
+          <p:nvPr/>
+        </p:nvSpPr>
+        <p:spPr>
+          <a:xfrm>
+            <a:off x="2860308" y="2631639"/>
+            <a:ext cx="1652530" cy="369332"/>
+          </a:xfrm>
+          <a:prstGeom prst="rect">
+            <a:avLst/>
+          </a:prstGeom>
+          <a:noFill/>
+        </p:spPr>
+        <p:txBody>
+          <a:bodyPr wrap="square" rtlCol="0">
+            <a:spAutoFit/>
+          </a:bodyPr>
+          <a:lstStyle/>
+          <a:p>
+            <a:r>
+              <a:rPr lang="en-US" b="1" dirty="0">
+                <a:solidFill>
+                  <a:srgbClr val="FF0000"/>
+                </a:solidFill>
+              </a:rPr>
+              <a:t>Encrypted</a:t>
+            </a:r>
+            <a:r>
+              <a:rPr lang="en-US" dirty="0"/>
+              <a:t>!</a:t>
+            </a:r>
+          </a:p>
+        </p:txBody>
+      </p:sp>
+    </p:spTree>
+    <p:extLst>
+      <p:ext uri="{BB962C8B-B14F-4D97-AF65-F5344CB8AC3E}">
+        <p14:creationId xmlns:p14="http://schemas.microsoft.com/office/powerpoint/2010/main" val="2400752668"/>
+      </p:ext>
+    </p:extLst>
+  </p:cSld>
+  <p:clrMapOvr>
+    <a:masterClrMapping/>
+  </p:clrMapOvr>
+</p:sld>
+</file>
+
+<file path=ppt/slides/slide93.xml><?xml version="1.0" encoding="utf-8"?>
+<p:sld xmlns:a="http://schemas.openxmlformats.org/drawingml/2006/main" xmlns:r="http://schemas.openxmlformats.org/officeDocument/2006/relationships" xmlns:p="http://schemas.openxmlformats.org/presentationml/2006/main">
+  <p:cSld>
+    <p:spTree>
+      <p:nvGrpSpPr>
+        <p:cNvPr id="1" name=""/>
+        <p:cNvGrpSpPr/>
+        <p:nvPr/>
+      </p:nvGrpSpPr>
+      <p:grpSpPr>
+        <a:xfrm>
+          <a:off x="0" y="0"/>
+          <a:ext cx="0" cy="0"/>
+          <a:chOff x="0" y="0"/>
+          <a:chExt cx="0" cy="0"/>
+        </a:xfrm>
+      </p:grpSpPr>
+      <p:sp>
+        <p:nvSpPr>
+          <p:cNvPr id="2" name="Title 1">
+            <a:extLst>
+              <a:ext uri="{FF2B5EF4-FFF2-40B4-BE49-F238E27FC236}">
+                <a16:creationId xmlns:a16="http://schemas.microsoft.com/office/drawing/2014/main" id="{C8590721-318A-C240-AAE0-556D52B9180C}"/>
+              </a:ext>
+            </a:extLst>
+          </p:cNvPr>
+          <p:cNvSpPr>
+            <a:spLocks noGrp="1"/>
+          </p:cNvSpPr>
+          <p:nvPr>
+            <p:ph type="title"/>
+          </p:nvPr>
+        </p:nvSpPr>
+        <p:spPr>
+          <a:xfrm>
+            <a:off x="628650" y="273847"/>
+            <a:ext cx="7886700" cy="994172"/>
+          </a:xfrm>
+        </p:spPr>
+        <p:txBody>
+          <a:bodyPr anchor="ctr">
+            <a:normAutofit/>
+          </a:bodyPr>
+          <a:lstStyle/>
+          <a:p>
+            <a:r>
+              <a:rPr lang="en-US" dirty="0"/>
+              <a:t>Malloc # 2 – Filler</a:t>
+            </a:r>
+          </a:p>
+        </p:txBody>
+      </p:sp>
+      <p:pic>
+        <p:nvPicPr>
+          <p:cNvPr id="5" name="Content Placeholder 4" descr="Box and whisker chart&#10;&#10;Description automatically generated with medium confidence">
+            <a:extLst>
+              <a:ext uri="{FF2B5EF4-FFF2-40B4-BE49-F238E27FC236}">
+                <a16:creationId xmlns:a16="http://schemas.microsoft.com/office/drawing/2014/main" id="{33BC602D-4A67-2147-9CF9-589F03791107}"/>
+              </a:ext>
+            </a:extLst>
+          </p:cNvPr>
+          <p:cNvPicPr>
+            <a:picLocks noGrp="1" noChangeAspect="1"/>
+          </p:cNvPicPr>
+          <p:nvPr>
+            <p:ph sz="half" idx="1"/>
+          </p:nvPr>
+        </p:nvPicPr>
+        <p:blipFill>
+          <a:blip r:embed="rId2"/>
+          <a:stretch>
+            <a:fillRect/>
+          </a:stretch>
+        </p:blipFill>
+        <p:spPr>
+          <a:xfrm>
+            <a:off x="1280269" y="1369219"/>
+            <a:ext cx="2582962" cy="3263504"/>
+          </a:xfrm>
+          <a:noFill/>
+        </p:spPr>
+      </p:pic>
+      <p:sp>
+        <p:nvSpPr>
+          <p:cNvPr id="10" name="Content Placeholder 3">
+            <a:extLst>
+              <a:ext uri="{FF2B5EF4-FFF2-40B4-BE49-F238E27FC236}">
+                <a16:creationId xmlns:a16="http://schemas.microsoft.com/office/drawing/2014/main" id="{4C894F3D-C993-419A-BB94-E958C43DF78C}"/>
+              </a:ext>
+            </a:extLst>
+          </p:cNvPr>
+          <p:cNvSpPr>
+            <a:spLocks noGrp="1"/>
+          </p:cNvSpPr>
+          <p:nvPr>
+            <p:ph sz="half" idx="2"/>
+          </p:nvPr>
+        </p:nvSpPr>
+        <p:spPr>
+          <a:xfrm>
+            <a:off x="4629150" y="1369219"/>
+            <a:ext cx="3886200" cy="3263504"/>
+          </a:xfrm>
+        </p:spPr>
+        <p:txBody>
+          <a:bodyPr/>
+          <a:lstStyle/>
+          <a:p>
+            <a:r>
+              <a:rPr lang="en-US" dirty="0"/>
+              <a:t>Removed the </a:t>
+            </a:r>
+            <a:r>
+              <a:rPr lang="en-US" i="1" dirty="0"/>
+              <a:t>data</a:t>
+            </a:r>
+            <a:r>
+              <a:rPr lang="en-US" dirty="0"/>
+              <a:t> chunk</a:t>
+            </a:r>
+          </a:p>
+          <a:p>
+            <a:r>
+              <a:rPr lang="en-US" dirty="0"/>
+              <a:t>Next allocation will be our </a:t>
+            </a:r>
+            <a:r>
+              <a:rPr lang="en-US" i="1" dirty="0"/>
+              <a:t>fake chunk!</a:t>
+            </a:r>
+          </a:p>
+          <a:p>
+            <a:r>
+              <a:rPr lang="en-US" dirty="0"/>
+              <a:t>Same as before</a:t>
+            </a:r>
+          </a:p>
+        </p:txBody>
+      </p:sp>
+      <p:pic>
+        <p:nvPicPr>
+          <p:cNvPr id="4" name="Picture 3" descr="Allocate the filler chunk in fd poision attack">
+            <a:extLst>
+              <a:ext uri="{FF2B5EF4-FFF2-40B4-BE49-F238E27FC236}">
+                <a16:creationId xmlns:a16="http://schemas.microsoft.com/office/drawing/2014/main" id="{0C7F2F3E-DB83-5546-8D5C-E75C9FF99AD2}"/>
+              </a:ext>
+            </a:extLst>
+          </p:cNvPr>
+          <p:cNvPicPr>
+            <a:picLocks noChangeAspect="1"/>
+          </p:cNvPicPr>
+          <p:nvPr/>
+        </p:nvPicPr>
+        <p:blipFill>
+          <a:blip r:embed="rId3"/>
+          <a:stretch>
+            <a:fillRect/>
+          </a:stretch>
+        </p:blipFill>
+        <p:spPr>
+          <a:xfrm>
+            <a:off x="4053288" y="3231232"/>
+            <a:ext cx="4035551" cy="856026"/>
+          </a:xfrm>
+          <a:prstGeom prst="rect">
+            <a:avLst/>
+          </a:prstGeom>
+        </p:spPr>
+      </p:pic>
+    </p:spTree>
+    <p:extLst>
+      <p:ext uri="{BB962C8B-B14F-4D97-AF65-F5344CB8AC3E}">
+        <p14:creationId xmlns:p14="http://schemas.microsoft.com/office/powerpoint/2010/main" val="2926726182"/>
+      </p:ext>
+    </p:extLst>
+  </p:cSld>
+  <p:clrMapOvr>
+    <a:masterClrMapping/>
+  </p:clrMapOvr>
+</p:sld>
+</file>
+
+<file path=ppt/slides/slide94.xml><?xml version="1.0" encoding="utf-8"?>
+<p:sld xmlns:a="http://schemas.openxmlformats.org/drawingml/2006/main" xmlns:r="http://schemas.openxmlformats.org/officeDocument/2006/relationships" xmlns:p="http://schemas.openxmlformats.org/presentationml/2006/main">
+  <p:cSld>
+    <p:spTree>
+      <p:nvGrpSpPr>
+        <p:cNvPr id="1" name=""/>
+        <p:cNvGrpSpPr/>
+        <p:nvPr/>
+      </p:nvGrpSpPr>
+      <p:grpSpPr>
+        <a:xfrm>
+          <a:off x="0" y="0"/>
+          <a:ext cx="0" cy="0"/>
+          <a:chOff x="0" y="0"/>
+          <a:chExt cx="0" cy="0"/>
+        </a:xfrm>
+      </p:grpSpPr>
+      <p:sp>
+        <p:nvSpPr>
+          <p:cNvPr id="2" name="Title 1">
+            <a:extLst>
+              <a:ext uri="{FF2B5EF4-FFF2-40B4-BE49-F238E27FC236}">
+                <a16:creationId xmlns:a16="http://schemas.microsoft.com/office/drawing/2014/main" id="{C8590721-318A-C240-AAE0-556D52B9180C}"/>
+              </a:ext>
+            </a:extLst>
+          </p:cNvPr>
+          <p:cNvSpPr>
+            <a:spLocks noGrp="1"/>
+          </p:cNvSpPr>
+          <p:nvPr>
+            <p:ph type="title"/>
+          </p:nvPr>
+        </p:nvSpPr>
+        <p:spPr>
+          <a:xfrm>
+            <a:off x="628650" y="273847"/>
+            <a:ext cx="7886700" cy="994172"/>
+          </a:xfrm>
+        </p:spPr>
+        <p:txBody>
+          <a:bodyPr anchor="ctr">
+            <a:normAutofit/>
+          </a:bodyPr>
+          <a:lstStyle/>
+          <a:p>
+            <a:r>
+              <a:rPr lang="en-US" dirty="0"/>
+              <a:t>Malloc # 3 – Overwrite!</a:t>
+            </a:r>
+          </a:p>
+        </p:txBody>
+      </p:sp>
+      <p:pic>
+        <p:nvPicPr>
+          <p:cNvPr id="7" name="Content Placeholder 6" descr="Diagram&#10;&#10;Description automatically generated">
+            <a:extLst>
+              <a:ext uri="{FF2B5EF4-FFF2-40B4-BE49-F238E27FC236}">
+                <a16:creationId xmlns:a16="http://schemas.microsoft.com/office/drawing/2014/main" id="{6F432B81-2BAC-8A4C-97E4-731617EA31C5}"/>
+              </a:ext>
+            </a:extLst>
+          </p:cNvPr>
+          <p:cNvPicPr>
+            <a:picLocks noGrp="1" noChangeAspect="1"/>
+          </p:cNvPicPr>
+          <p:nvPr>
+            <p:ph sz="half" idx="1"/>
+          </p:nvPr>
+        </p:nvPicPr>
+        <p:blipFill>
+          <a:blip r:embed="rId2"/>
+          <a:stretch>
+            <a:fillRect/>
+          </a:stretch>
+        </p:blipFill>
+        <p:spPr>
+          <a:xfrm>
+            <a:off x="628650" y="2154392"/>
+            <a:ext cx="3886200" cy="1693157"/>
+          </a:xfrm>
+          <a:noFill/>
+        </p:spPr>
+      </p:pic>
+      <p:sp>
+        <p:nvSpPr>
+          <p:cNvPr id="10" name="Content Placeholder 3">
+            <a:extLst>
+              <a:ext uri="{FF2B5EF4-FFF2-40B4-BE49-F238E27FC236}">
+                <a16:creationId xmlns:a16="http://schemas.microsoft.com/office/drawing/2014/main" id="{4C894F3D-C993-419A-BB94-E958C43DF78C}"/>
+              </a:ext>
+            </a:extLst>
+          </p:cNvPr>
+          <p:cNvSpPr>
+            <a:spLocks noGrp="1"/>
+          </p:cNvSpPr>
+          <p:nvPr>
+            <p:ph sz="half" idx="2"/>
+          </p:nvPr>
+        </p:nvSpPr>
+        <p:spPr>
+          <a:xfrm>
+            <a:off x="4629150" y="1369219"/>
+            <a:ext cx="3886200" cy="3263504"/>
+          </a:xfrm>
+        </p:spPr>
+        <p:txBody>
+          <a:bodyPr>
+            <a:normAutofit/>
+          </a:bodyPr>
+          <a:lstStyle/>
+          <a:p>
+            <a:r>
+              <a:rPr lang="en-US" dirty="0"/>
+              <a:t>Overwrite the data in </a:t>
+            </a:r>
+            <a:r>
+              <a:rPr lang="en-US" i="1" dirty="0" err="1"/>
+              <a:t>important_string</a:t>
+            </a:r>
+            <a:r>
+              <a:rPr lang="en-US" dirty="0"/>
+              <a:t> with our data via the fake chunk</a:t>
+            </a:r>
+          </a:p>
+          <a:p>
+            <a:r>
+              <a:rPr lang="en-US" dirty="0"/>
+              <a:t>Same as before</a:t>
+            </a:r>
+          </a:p>
+        </p:txBody>
+      </p:sp>
+      <p:pic>
+        <p:nvPicPr>
+          <p:cNvPr id="5" name="Picture 4" descr="Allocate the chunk and overwrite the data inside ofit">
+            <a:extLst>
+              <a:ext uri="{FF2B5EF4-FFF2-40B4-BE49-F238E27FC236}">
+                <a16:creationId xmlns:a16="http://schemas.microsoft.com/office/drawing/2014/main" id="{FC340DCB-7D2F-8A47-8F32-D238BE54E5C1}"/>
+              </a:ext>
+            </a:extLst>
+          </p:cNvPr>
+          <p:cNvPicPr>
+            <a:picLocks noChangeAspect="1"/>
+          </p:cNvPicPr>
+          <p:nvPr/>
+        </p:nvPicPr>
+        <p:blipFill>
+          <a:blip r:embed="rId3"/>
+          <a:stretch>
+            <a:fillRect/>
+          </a:stretch>
+        </p:blipFill>
+        <p:spPr>
+          <a:xfrm>
+            <a:off x="4730137" y="3000970"/>
+            <a:ext cx="4085551" cy="1516022"/>
+          </a:xfrm>
+          <a:prstGeom prst="rect">
+            <a:avLst/>
+          </a:prstGeom>
+        </p:spPr>
+      </p:pic>
+    </p:spTree>
+    <p:extLst>
+      <p:ext uri="{BB962C8B-B14F-4D97-AF65-F5344CB8AC3E}">
+        <p14:creationId xmlns:p14="http://schemas.microsoft.com/office/powerpoint/2010/main" val="3128448780"/>
+      </p:ext>
+    </p:extLst>
+  </p:cSld>
+  <p:clrMapOvr>
+    <a:masterClrMapping/>
+  </p:clrMapOvr>
+</p:sld>
+</file>
+
+<file path=ppt/slides/slide95.xml><?xml version="1.0" encoding="utf-8"?>
+<p:sld xmlns:a="http://schemas.openxmlformats.org/drawingml/2006/main" xmlns:r="http://schemas.openxmlformats.org/officeDocument/2006/relationships" xmlns:p="http://schemas.openxmlformats.org/presentationml/2006/main">
+  <p:cSld>
+    <p:spTree>
+      <p:nvGrpSpPr>
+        <p:cNvPr id="1" name=""/>
+        <p:cNvGrpSpPr/>
+        <p:nvPr/>
+      </p:nvGrpSpPr>
+      <p:grpSpPr>
+        <a:xfrm>
+          <a:off x="0" y="0"/>
+          <a:ext cx="0" cy="0"/>
+          <a:chOff x="0" y="0"/>
+          <a:chExt cx="0" cy="0"/>
+        </a:xfrm>
+      </p:grpSpPr>
+      <p:sp>
+        <p:nvSpPr>
+          <p:cNvPr id="2" name="Title 1">
+            <a:extLst>
+              <a:ext uri="{FF2B5EF4-FFF2-40B4-BE49-F238E27FC236}">
+                <a16:creationId xmlns:a16="http://schemas.microsoft.com/office/drawing/2014/main" id="{D536B134-0C4E-334A-801C-45851C40FE0B}"/>
+              </a:ext>
+            </a:extLst>
+          </p:cNvPr>
+          <p:cNvSpPr>
+            <a:spLocks noGrp="1"/>
+          </p:cNvSpPr>
+          <p:nvPr>
+            <p:ph type="title"/>
+          </p:nvPr>
+        </p:nvSpPr>
+        <p:spPr/>
+        <p:txBody>
+          <a:bodyPr/>
+          <a:lstStyle/>
+          <a:p>
+            <a:r>
+              <a:rPr lang="en-US" dirty="0"/>
+              <a:t>Resources</a:t>
+            </a:r>
+          </a:p>
+        </p:txBody>
+      </p:sp>
+      <p:sp>
+        <p:nvSpPr>
+          <p:cNvPr id="3" name="Content Placeholder 2">
+            <a:extLst>
+              <a:ext uri="{FF2B5EF4-FFF2-40B4-BE49-F238E27FC236}">
+                <a16:creationId xmlns:a16="http://schemas.microsoft.com/office/drawing/2014/main" id="{7345FB29-D1BF-D648-BD58-9300D3C99838}"/>
+              </a:ext>
+            </a:extLst>
+          </p:cNvPr>
+          <p:cNvSpPr>
+            <a:spLocks noGrp="1"/>
+          </p:cNvSpPr>
+          <p:nvPr>
+            <p:ph idx="1"/>
+          </p:nvPr>
+        </p:nvSpPr>
+        <p:spPr/>
+        <p:txBody>
+          <a:bodyPr>
+            <a:normAutofit lnSpcReduction="10000"/>
+          </a:bodyPr>
+          <a:lstStyle/>
+          <a:p>
+            <a:r>
+              <a:rPr lang="en-US" dirty="0">
+                <a:hlinkClick r:id="rId2"/>
+              </a:rPr>
+              <a:t>https://maxwelldulin.com/BlogPost?post=5445977088</a:t>
+            </a:r>
+            <a:endParaRPr lang="en-US" dirty="0"/>
+          </a:p>
+          <a:p>
+            <a:r>
+              <a:rPr lang="en-US" dirty="0">
+                <a:hlinkClick r:id="rId3"/>
+              </a:rPr>
+              <a:t>https://www.researchinnovations.com/post/bypassing-the-upcoming-safe-linking-mitigation</a:t>
+            </a:r>
+            <a:r>
+              <a:rPr lang="en-US" dirty="0"/>
+              <a:t> </a:t>
+            </a:r>
+          </a:p>
+          <a:p>
+            <a:r>
+              <a:rPr lang="en-US" dirty="0">
+                <a:hlinkClick r:id="rId4"/>
+              </a:rPr>
+              <a:t>https://github.com/shellphish/how2heap/blob/master/glibc_2.31/tcache_poisoning.c</a:t>
+            </a:r>
+            <a:r>
+              <a:rPr lang="en-US" dirty="0"/>
+              <a:t> </a:t>
+            </a:r>
+          </a:p>
+          <a:p>
+            <a:r>
+              <a:rPr lang="en-US" dirty="0">
+                <a:hlinkClick r:id="rId5"/>
+              </a:rPr>
+              <a:t>https://tripoloski1337.github.io/research/2019/09/09/tcache_poisoning.html</a:t>
+            </a:r>
+            <a:r>
+              <a:rPr lang="en-US" dirty="0"/>
+              <a:t> </a:t>
+            </a:r>
+          </a:p>
+          <a:p>
+            <a:r>
+              <a:rPr lang="en-US" dirty="0">
+                <a:hlinkClick r:id="rId6"/>
+              </a:rPr>
+              <a:t>https://www.youtube.com/watch?v=6-Et7M7qJJg</a:t>
+            </a:r>
+            <a:endParaRPr lang="en-US" dirty="0"/>
+          </a:p>
+          <a:p>
+            <a:r>
+              <a:rPr lang="en-US" dirty="0">
+                <a:hlinkClick r:id="rId7"/>
+              </a:rPr>
+              <a:t>https://github.com/mdulin2/mangle/</a:t>
+            </a:r>
+            <a:r>
+              <a:rPr lang="en-US" dirty="0"/>
+              <a:t>  </a:t>
+            </a:r>
+          </a:p>
+        </p:txBody>
+      </p:sp>
+    </p:spTree>
+    <p:extLst>
+      <p:ext uri="{BB962C8B-B14F-4D97-AF65-F5344CB8AC3E}">
+        <p14:creationId xmlns:p14="http://schemas.microsoft.com/office/powerpoint/2010/main" val="2769978928"/>
       </p:ext>
     </p:extLst>
   </p:cSld>
